--- a/presentatie - 19 april.pptx
+++ b/presentatie - 19 april.pptx
@@ -18,12 +18,12 @@
     <p:sldId id="343" r:id="rId12"/>
     <p:sldId id="299" r:id="rId13"/>
     <p:sldId id="344" r:id="rId14"/>
-    <p:sldId id="345" r:id="rId15"/>
-    <p:sldId id="300" r:id="rId16"/>
-    <p:sldId id="346" r:id="rId17"/>
-    <p:sldId id="347" r:id="rId18"/>
-    <p:sldId id="306" r:id="rId19"/>
-    <p:sldId id="351" r:id="rId20"/>
+    <p:sldId id="300" r:id="rId15"/>
+    <p:sldId id="346" r:id="rId16"/>
+    <p:sldId id="345" r:id="rId17"/>
+    <p:sldId id="306" r:id="rId18"/>
+    <p:sldId id="351" r:id="rId19"/>
+    <p:sldId id="347" r:id="rId20"/>
     <p:sldId id="348" r:id="rId21"/>
     <p:sldId id="349" r:id="rId22"/>
     <p:sldId id="350" r:id="rId23"/>
@@ -253,7 +253,7 @@
           <a:p>
             <a:fld id="{86680C0C-85DF-417F-8238-DB0D15743621}" type="datetimeFigureOut">
               <a:rPr lang="en-GB" smtClean="0"/>
-              <a:t>10/04/2020</a:t>
+              <a:t>11/04/2020</a:t>
             </a:fld>
             <a:endParaRPr lang="en-GB"/>
           </a:p>
@@ -565,7 +565,30 @@
           <a:bodyPr/>
           <a:lstStyle/>
           <a:p>
-            <a:endParaRPr lang="nl-BE" dirty="0"/>
+            <a:r>
+              <a:rPr lang="nl-BE" dirty="0"/>
+              <a:t>Het uiteindelijke doel van mijn thesis is om een gezondheidsapplicatie te ontwikkelen die de gebruikers een op maat gemaakte gezonde levensstijl aanleert. </a:t>
+            </a:r>
+          </a:p>
+          <a:p>
+            <a:r>
+              <a:rPr lang="nl-BE" dirty="0"/>
+              <a:t>Vele bestaande gezondheidsapplicatie doen dit door middel van het tellen van het aantal stappen of door sporten zoals lopen, fietsen.. aan te bevelen.</a:t>
+            </a:r>
+          </a:p>
+          <a:p>
+            <a:r>
+              <a:rPr lang="nl-BE" dirty="0"/>
+              <a:t>Deze thesis kiest ervoor om </a:t>
+            </a:r>
+            <a:r>
+              <a:rPr lang="nl-BE" dirty="0" err="1"/>
+              <a:t>rope</a:t>
+            </a:r>
+            <a:r>
+              <a:rPr lang="nl-BE" dirty="0"/>
+              <a:t> skipping te gebruiken als aanbevelingsmiddel aangezien dit de ideale sport is om conditie te kweken.</a:t>
+            </a:r>
           </a:p>
         </p:txBody>
       </p:sp>
@@ -667,14 +690,48 @@
               <a:defRPr/>
             </a:pPr>
             <a:r>
-              <a:rPr lang="nl-NL" dirty="0"/>
-              <a:t>Gent heeft</a:t>
-            </a:r>
-            <a:r>
-              <a:rPr lang="nl-NL" baseline="0" dirty="0"/>
-              <a:t> een rijke en belangrijke achtergrond in de economische geschiedenis van Europa.</a:t>
-            </a:r>
-            <a:endParaRPr lang="nl-BE" dirty="0"/>
+              <a:rPr lang="nl-BE" dirty="0"/>
+              <a:t>Zoals gezegd wordt </a:t>
+            </a:r>
+            <a:r>
+              <a:rPr lang="nl-BE" dirty="0" err="1"/>
+              <a:t>rope</a:t>
+            </a:r>
+            <a:r>
+              <a:rPr lang="nl-BE" dirty="0"/>
+              <a:t> skipping gebruikt om de conditie te trainen. Hiervoor is het noodzakelijk dat bepaalde bewegingen herkend worden.  De bewegingen worden gemeten via een smartwatch gedragen op de pols. Deze smartwatch heeft een </a:t>
+            </a:r>
+            <a:r>
+              <a:rPr lang="nl-BE" dirty="0" err="1"/>
+              <a:t>accelerometer</a:t>
+            </a:r>
+            <a:r>
+              <a:rPr lang="nl-BE" dirty="0"/>
+              <a:t> waardoor aan een frequentie van 52 Hz versnellingsvectoren binnenkomen.</a:t>
+            </a:r>
+          </a:p>
+          <a:p>
+            <a:pPr marL="0" marR="0" indent="0" algn="l" defTabSz="914400" rtl="0" eaLnBrk="1" fontAlgn="auto" latinLnBrk="0" hangingPunct="1">
+              <a:lnSpc>
+                <a:spcPct val="100000"/>
+              </a:lnSpc>
+              <a:spcBef>
+                <a:spcPts val="0"/>
+              </a:spcBef>
+              <a:spcAft>
+                <a:spcPts val="0"/>
+              </a:spcAft>
+              <a:buClrTx/>
+              <a:buSzTx/>
+              <a:buFontTx/>
+              <a:buNone/>
+              <a:tabLst/>
+              <a:defRPr/>
+            </a:pPr>
+            <a:r>
+              <a:rPr lang="nl-BE" dirty="0"/>
+              <a:t>Op die manier kunnen persoonlijke aanbevelingen gegeven worden. Dit wordt later toegelicht.</a:t>
+            </a:r>
           </a:p>
         </p:txBody>
       </p:sp>
@@ -705,6 +762,280 @@
     <p:extLst>
       <p:ext uri="{BB962C8B-B14F-4D97-AF65-F5344CB8AC3E}">
         <p14:creationId xmlns:p14="http://schemas.microsoft.com/office/powerpoint/2010/main" val="892243099"/>
+      </p:ext>
+    </p:extLst>
+  </p:cSld>
+  <p:clrMapOvr>
+    <a:masterClrMapping/>
+  </p:clrMapOvr>
+</p:notes>
+</file>
+
+<file path=ppt/notesSlides/notesSlide3.xml><?xml version="1.0" encoding="utf-8"?>
+<p:notes xmlns:a="http://schemas.openxmlformats.org/drawingml/2006/main" xmlns:r="http://schemas.openxmlformats.org/officeDocument/2006/relationships" xmlns:p="http://schemas.openxmlformats.org/presentationml/2006/main">
+  <p:cSld>
+    <p:spTree>
+      <p:nvGrpSpPr>
+        <p:cNvPr id="1" name=""/>
+        <p:cNvGrpSpPr/>
+        <p:nvPr/>
+      </p:nvGrpSpPr>
+      <p:grpSpPr>
+        <a:xfrm>
+          <a:off x="0" y="0"/>
+          <a:ext cx="0" cy="0"/>
+          <a:chOff x="0" y="0"/>
+          <a:chExt cx="0" cy="0"/>
+        </a:xfrm>
+      </p:grpSpPr>
+      <p:sp>
+        <p:nvSpPr>
+          <p:cNvPr id="2" name="Tijdelijke aanduiding voor dia-afbeelding 1"/>
+          <p:cNvSpPr>
+            <a:spLocks noGrp="1" noRot="1" noChangeAspect="1"/>
+          </p:cNvSpPr>
+          <p:nvPr>
+            <p:ph type="sldImg"/>
+          </p:nvPr>
+        </p:nvSpPr>
+        <p:spPr/>
+      </p:sp>
+      <p:sp>
+        <p:nvSpPr>
+          <p:cNvPr id="3" name="Tijdelijke aanduiding voor notities 2"/>
+          <p:cNvSpPr>
+            <a:spLocks noGrp="1"/>
+          </p:cNvSpPr>
+          <p:nvPr>
+            <p:ph type="body" idx="1"/>
+          </p:nvPr>
+        </p:nvSpPr>
+        <p:spPr/>
+        <p:txBody>
+          <a:bodyPr/>
+          <a:lstStyle/>
+          <a:p>
+            <a:r>
+              <a:rPr lang="nl-BE" dirty="0"/>
+              <a:t>De 2 eerste bewegingen zijn: springen met en zonder tussensprong. Zoals te zien is op de grafieken, is er een duidelijk verschil in verloop.</a:t>
+            </a:r>
+          </a:p>
+        </p:txBody>
+      </p:sp>
+      <p:sp>
+        <p:nvSpPr>
+          <p:cNvPr id="4" name="Tijdelijke aanduiding voor dianummer 3"/>
+          <p:cNvSpPr>
+            <a:spLocks noGrp="1"/>
+          </p:cNvSpPr>
+          <p:nvPr>
+            <p:ph type="sldNum" sz="quarter" idx="5"/>
+          </p:nvPr>
+        </p:nvSpPr>
+        <p:spPr/>
+        <p:txBody>
+          <a:bodyPr/>
+          <a:lstStyle/>
+          <a:p>
+            <a:fld id="{539A0A48-EDB1-4AFE-B1B7-10CE2A416496}" type="slidenum">
+              <a:rPr lang="en-GB" smtClean="0"/>
+              <a:t>4</a:t>
+            </a:fld>
+            <a:endParaRPr lang="en-GB"/>
+          </a:p>
+        </p:txBody>
+      </p:sp>
+    </p:spTree>
+    <p:extLst>
+      <p:ext uri="{BB962C8B-B14F-4D97-AF65-F5344CB8AC3E}">
+        <p14:creationId xmlns:p14="http://schemas.microsoft.com/office/powerpoint/2010/main" val="790204025"/>
+      </p:ext>
+    </p:extLst>
+  </p:cSld>
+  <p:clrMapOvr>
+    <a:masterClrMapping/>
+  </p:clrMapOvr>
+</p:notes>
+</file>
+
+<file path=ppt/notesSlides/notesSlide4.xml><?xml version="1.0" encoding="utf-8"?>
+<p:notes xmlns:a="http://schemas.openxmlformats.org/drawingml/2006/main" xmlns:r="http://schemas.openxmlformats.org/officeDocument/2006/relationships" xmlns:p="http://schemas.openxmlformats.org/presentationml/2006/main">
+  <p:cSld>
+    <p:spTree>
+      <p:nvGrpSpPr>
+        <p:cNvPr id="1" name=""/>
+        <p:cNvGrpSpPr/>
+        <p:nvPr/>
+      </p:nvGrpSpPr>
+      <p:grpSpPr>
+        <a:xfrm>
+          <a:off x="0" y="0"/>
+          <a:ext cx="0" cy="0"/>
+          <a:chOff x="0" y="0"/>
+          <a:chExt cx="0" cy="0"/>
+        </a:xfrm>
+      </p:grpSpPr>
+      <p:sp>
+        <p:nvSpPr>
+          <p:cNvPr id="2" name="Tijdelijke aanduiding voor dia-afbeelding 1"/>
+          <p:cNvSpPr>
+            <a:spLocks noGrp="1" noRot="1" noChangeAspect="1"/>
+          </p:cNvSpPr>
+          <p:nvPr>
+            <p:ph type="sldImg"/>
+          </p:nvPr>
+        </p:nvSpPr>
+        <p:spPr/>
+      </p:sp>
+      <p:sp>
+        <p:nvSpPr>
+          <p:cNvPr id="3" name="Tijdelijke aanduiding voor notities 2"/>
+          <p:cNvSpPr>
+            <a:spLocks noGrp="1"/>
+          </p:cNvSpPr>
+          <p:nvPr>
+            <p:ph type="body" idx="1"/>
+          </p:nvPr>
+        </p:nvSpPr>
+        <p:spPr/>
+        <p:txBody>
+          <a:bodyPr/>
+          <a:lstStyle/>
+          <a:p>
+            <a:r>
+              <a:rPr lang="nl-BE" dirty="0"/>
+              <a:t>Zoals te zien op de figuur is een cross over en beweging gedaan door te springen met de armen </a:t>
+            </a:r>
+            <a:r>
+              <a:rPr lang="nl-BE" dirty="0" err="1"/>
+              <a:t>gekruisd</a:t>
+            </a:r>
+            <a:r>
+              <a:rPr lang="nl-BE" dirty="0"/>
+              <a:t>. Het verloop in </a:t>
+            </a:r>
+            <a:r>
+              <a:rPr lang="nl-BE" dirty="0" err="1"/>
+              <a:t>accelerometer</a:t>
+            </a:r>
+            <a:r>
+              <a:rPr lang="nl-BE" dirty="0"/>
+              <a:t> data is te zien op de grafiek.</a:t>
+            </a:r>
+          </a:p>
+        </p:txBody>
+      </p:sp>
+      <p:sp>
+        <p:nvSpPr>
+          <p:cNvPr id="4" name="Tijdelijke aanduiding voor dianummer 3"/>
+          <p:cNvSpPr>
+            <a:spLocks noGrp="1"/>
+          </p:cNvSpPr>
+          <p:nvPr>
+            <p:ph type="sldNum" sz="quarter" idx="5"/>
+          </p:nvPr>
+        </p:nvSpPr>
+        <p:spPr/>
+        <p:txBody>
+          <a:bodyPr/>
+          <a:lstStyle/>
+          <a:p>
+            <a:fld id="{539A0A48-EDB1-4AFE-B1B7-10CE2A416496}" type="slidenum">
+              <a:rPr lang="en-GB" smtClean="0"/>
+              <a:t>5</a:t>
+            </a:fld>
+            <a:endParaRPr lang="en-GB"/>
+          </a:p>
+        </p:txBody>
+      </p:sp>
+    </p:spTree>
+    <p:extLst>
+      <p:ext uri="{BB962C8B-B14F-4D97-AF65-F5344CB8AC3E}">
+        <p14:creationId xmlns:p14="http://schemas.microsoft.com/office/powerpoint/2010/main" val="2078204413"/>
+      </p:ext>
+    </p:extLst>
+  </p:cSld>
+  <p:clrMapOvr>
+    <a:masterClrMapping/>
+  </p:clrMapOvr>
+</p:notes>
+</file>
+
+<file path=ppt/notesSlides/notesSlide5.xml><?xml version="1.0" encoding="utf-8"?>
+<p:notes xmlns:a="http://schemas.openxmlformats.org/drawingml/2006/main" xmlns:r="http://schemas.openxmlformats.org/officeDocument/2006/relationships" xmlns:p="http://schemas.openxmlformats.org/presentationml/2006/main">
+  <p:cSld>
+    <p:spTree>
+      <p:nvGrpSpPr>
+        <p:cNvPr id="1" name=""/>
+        <p:cNvGrpSpPr/>
+        <p:nvPr/>
+      </p:nvGrpSpPr>
+      <p:grpSpPr>
+        <a:xfrm>
+          <a:off x="0" y="0"/>
+          <a:ext cx="0" cy="0"/>
+          <a:chOff x="0" y="0"/>
+          <a:chExt cx="0" cy="0"/>
+        </a:xfrm>
+      </p:grpSpPr>
+      <p:sp>
+        <p:nvSpPr>
+          <p:cNvPr id="2" name="Tijdelijke aanduiding voor dia-afbeelding 1"/>
+          <p:cNvSpPr>
+            <a:spLocks noGrp="1" noRot="1" noChangeAspect="1"/>
+          </p:cNvSpPr>
+          <p:nvPr>
+            <p:ph type="sldImg"/>
+          </p:nvPr>
+        </p:nvSpPr>
+        <p:spPr/>
+      </p:sp>
+      <p:sp>
+        <p:nvSpPr>
+          <p:cNvPr id="3" name="Tijdelijke aanduiding voor notities 2"/>
+          <p:cNvSpPr>
+            <a:spLocks noGrp="1"/>
+          </p:cNvSpPr>
+          <p:nvPr>
+            <p:ph type="body" idx="1"/>
+          </p:nvPr>
+        </p:nvSpPr>
+        <p:spPr/>
+        <p:txBody>
+          <a:bodyPr/>
+          <a:lstStyle/>
+          <a:p>
+            <a:endParaRPr lang="nl-BE" dirty="0"/>
+          </a:p>
+        </p:txBody>
+      </p:sp>
+      <p:sp>
+        <p:nvSpPr>
+          <p:cNvPr id="4" name="Tijdelijke aanduiding voor dianummer 3"/>
+          <p:cNvSpPr>
+            <a:spLocks noGrp="1"/>
+          </p:cNvSpPr>
+          <p:nvPr>
+            <p:ph type="sldNum" sz="quarter" idx="5"/>
+          </p:nvPr>
+        </p:nvSpPr>
+        <p:spPr/>
+        <p:txBody>
+          <a:bodyPr/>
+          <a:lstStyle/>
+          <a:p>
+            <a:fld id="{539A0A48-EDB1-4AFE-B1B7-10CE2A416496}" type="slidenum">
+              <a:rPr lang="en-GB" smtClean="0"/>
+              <a:t>6</a:t>
+            </a:fld>
+            <a:endParaRPr lang="en-GB"/>
+          </a:p>
+        </p:txBody>
+      </p:sp>
+    </p:spTree>
+    <p:extLst>
+      <p:ext uri="{BB962C8B-B14F-4D97-AF65-F5344CB8AC3E}">
+        <p14:creationId xmlns:p14="http://schemas.microsoft.com/office/powerpoint/2010/main" val="2093842284"/>
       </p:ext>
     </p:extLst>
   </p:cSld>
@@ -748,7 +1079,7 @@
           <a:p>
             <a:fld id="{5A24147F-ED97-47AF-A1B3-C82A179CF7F3}" type="datetime1">
               <a:rPr lang="nl-NL" smtClean="0"/>
-              <a:t>10-4-2020</a:t>
+              <a:t>11-4-2020</a:t>
             </a:fld>
             <a:endParaRPr lang="en-GB"/>
           </a:p>
@@ -1706,7 +2037,7 @@
           <a:p>
             <a:fld id="{25470885-0B31-4E06-AE71-7E16801F2838}" type="datetime1">
               <a:rPr lang="nl-BE" noProof="0" smtClean="0"/>
-              <a:t>10/04/2020</a:t>
+              <a:t>11/04/2020</a:t>
             </a:fld>
             <a:endParaRPr lang="nl-BE" noProof="0" dirty="0"/>
           </a:p>
@@ -1824,7 +2155,7 @@
           <a:p>
             <a:fld id="{E7410F60-8C93-4C37-B51A-4DDAE36F7E9B}" type="datetime1">
               <a:rPr lang="nl-BE" noProof="0" smtClean="0"/>
-              <a:t>10/04/2020</a:t>
+              <a:t>11/04/2020</a:t>
             </a:fld>
             <a:endParaRPr lang="nl-BE" noProof="0" dirty="0"/>
           </a:p>
@@ -2103,7 +2434,7 @@
           <a:p>
             <a:fld id="{656594B6-17DF-4759-A7A5-128AFEA77F2C}" type="datetime1">
               <a:rPr lang="nl-BE" noProof="0" smtClean="0"/>
-              <a:t>10/04/2020</a:t>
+              <a:t>11/04/2020</a:t>
             </a:fld>
             <a:endParaRPr lang="nl-BE" noProof="0" dirty="0"/>
           </a:p>
@@ -2244,7 +2575,7 @@
           <a:p>
             <a:fld id="{66A81384-1200-4D40-BEF0-3A17A1F906F4}" type="datetime1">
               <a:rPr lang="nl-NL" noProof="0" smtClean="0"/>
-              <a:t>10-4-2020</a:t>
+              <a:t>11-4-2020</a:t>
             </a:fld>
             <a:endParaRPr lang="nl-NL" noProof="0" dirty="0"/>
           </a:p>
@@ -2754,7 +3085,7 @@
           <a:p>
             <a:fld id="{66A81384-1200-4D40-BEF0-3A17A1F906F4}" type="datetime1">
               <a:rPr lang="nl-NL" noProof="0" smtClean="0"/>
-              <a:t>10-4-2020</a:t>
+              <a:t>11-4-2020</a:t>
             </a:fld>
             <a:endParaRPr lang="nl-NL" noProof="0" dirty="0"/>
           </a:p>
@@ -3040,7 +3371,7 @@
           <a:p>
             <a:fld id="{FA870D1A-A3AB-4E9F-892E-C45B5A80FDBF}" type="datetime1">
               <a:rPr lang="nl-BE" noProof="0" smtClean="0"/>
-              <a:t>10/04/2020</a:t>
+              <a:t>11/04/2020</a:t>
             </a:fld>
             <a:endParaRPr lang="nl-BE" noProof="0" dirty="0"/>
           </a:p>
@@ -3820,28 +4151,6 @@
       </p:grpSpPr>
       <p:sp>
         <p:nvSpPr>
-          <p:cNvPr id="2" name="Titel 1"/>
-          <p:cNvSpPr>
-            <a:spLocks noGrp="1"/>
-          </p:cNvSpPr>
-          <p:nvPr>
-            <p:ph type="title"/>
-          </p:nvPr>
-        </p:nvSpPr>
-        <p:spPr/>
-        <p:txBody>
-          <a:bodyPr/>
-          <a:lstStyle/>
-          <a:p>
-            <a:r>
-              <a:rPr lang="nl-BE" dirty="0"/>
-              <a:t>METEN</a:t>
-            </a:r>
-          </a:p>
-        </p:txBody>
-      </p:sp>
-      <p:sp>
-        <p:nvSpPr>
           <p:cNvPr id="4" name="Tijdelijke aanduiding voor dianummer 3"/>
           <p:cNvSpPr>
             <a:spLocks noGrp="1"/>
@@ -4387,6 +4696,87 @@
             <a:spLocks noGrp="1"/>
           </p:cNvSpPr>
           <p:nvPr>
+            <p:ph type="ctrTitle"/>
+          </p:nvPr>
+        </p:nvSpPr>
+        <p:spPr/>
+        <p:txBody>
+          <a:bodyPr/>
+          <a:lstStyle/>
+          <a:p>
+            <a:r>
+              <a:rPr lang="nl-BE" dirty="0"/>
+              <a:t>Machine </a:t>
+            </a:r>
+            <a:r>
+              <a:rPr lang="nl-BE" dirty="0" err="1"/>
+              <a:t>learning</a:t>
+            </a:r>
+            <a:endParaRPr lang="nl-BE" dirty="0"/>
+          </a:p>
+        </p:txBody>
+      </p:sp>
+      <p:sp>
+        <p:nvSpPr>
+          <p:cNvPr id="3" name="Tijdelijke aanduiding voor dianummer 2"/>
+          <p:cNvSpPr>
+            <a:spLocks noGrp="1"/>
+          </p:cNvSpPr>
+          <p:nvPr>
+            <p:ph type="sldNum" sz="quarter" idx="4"/>
+          </p:nvPr>
+        </p:nvSpPr>
+        <p:spPr/>
+        <p:txBody>
+          <a:bodyPr/>
+          <a:lstStyle/>
+          <a:p>
+            <a:fld id="{7AE184E0-0BD4-4705-A12B-9B71DDE63301}" type="slidenum">
+              <a:rPr lang="nl-BE" noProof="0" smtClean="0"/>
+              <a:pPr/>
+              <a:t>11</a:t>
+            </a:fld>
+            <a:endParaRPr lang="nl-BE" noProof="0" dirty="0"/>
+          </a:p>
+        </p:txBody>
+      </p:sp>
+    </p:spTree>
+    <p:extLst>
+      <p:ext uri="{BB962C8B-B14F-4D97-AF65-F5344CB8AC3E}">
+        <p14:creationId xmlns:p14="http://schemas.microsoft.com/office/powerpoint/2010/main" val="1360698146"/>
+      </p:ext>
+    </p:extLst>
+  </p:cSld>
+  <p:clrMapOvr>
+    <a:masterClrMapping/>
+  </p:clrMapOvr>
+</p:sld>
+</file>
+
+<file path=ppt/slides/slide12.xml><?xml version="1.0" encoding="utf-8"?>
+<p:sld xmlns:a="http://schemas.openxmlformats.org/drawingml/2006/main" xmlns:r="http://schemas.openxmlformats.org/officeDocument/2006/relationships" xmlns:p="http://schemas.openxmlformats.org/presentationml/2006/main">
+  <p:cSld>
+    <p:spTree>
+      <p:nvGrpSpPr>
+        <p:cNvPr id="1" name=""/>
+        <p:cNvGrpSpPr/>
+        <p:nvPr/>
+      </p:nvGrpSpPr>
+      <p:grpSpPr>
+        <a:xfrm>
+          <a:off x="0" y="0"/>
+          <a:ext cx="0" cy="0"/>
+          <a:chOff x="0" y="0"/>
+          <a:chExt cx="0" cy="0"/>
+        </a:xfrm>
+      </p:grpSpPr>
+      <p:sp>
+        <p:nvSpPr>
+          <p:cNvPr id="2" name="Titel 1"/>
+          <p:cNvSpPr>
+            <a:spLocks noGrp="1"/>
+          </p:cNvSpPr>
+          <p:nvPr>
             <p:ph type="title"/>
           </p:nvPr>
         </p:nvSpPr>
@@ -4397,7 +4787,7 @@
           <a:p>
             <a:r>
               <a:rPr lang="nl-BE" dirty="0"/>
-              <a:t>variaties</a:t>
+              <a:t>algoritmes</a:t>
             </a:r>
           </a:p>
         </p:txBody>
@@ -4419,7 +4809,7 @@
           <a:p>
             <a:fld id="{7AE184E0-0BD4-4705-A12B-9B71DDE63301}" type="slidenum">
               <a:rPr lang="nl-BE" noProof="0" smtClean="0"/>
-              <a:t>11</a:t>
+              <a:t>12</a:t>
             </a:fld>
             <a:endParaRPr lang="nl-BE" noProof="0" dirty="0"/>
           </a:p>
@@ -4440,7 +4830,7 @@
         <p:spPr>
           <a:xfrm>
             <a:off x="672353" y="1600200"/>
-            <a:ext cx="3550023" cy="1219886"/>
+            <a:ext cx="9628094" cy="5356403"/>
           </a:xfrm>
           <a:prstGeom prst="rect">
             <a:avLst/>
@@ -4462,7 +4852,15 @@
             </a:pPr>
             <a:r>
               <a:rPr lang="nl-BE" sz="3200" dirty="0"/>
-              <a:t>Pols</a:t>
+              <a:t>Support Vector </a:t>
+            </a:r>
+            <a:r>
+              <a:rPr lang="nl-BE" sz="3200" dirty="0" err="1"/>
+              <a:t>Classification</a:t>
+            </a:r>
+            <a:r>
+              <a:rPr lang="nl-BE" sz="3200" dirty="0"/>
+              <a:t> (SVC)</a:t>
             </a:r>
           </a:p>
           <a:p>
@@ -4474,8 +4872,354 @@
               <a:buChar char="•"/>
             </a:pPr>
             <a:r>
+              <a:rPr lang="nl-BE" sz="3200" dirty="0" err="1"/>
+              <a:t>Linear</a:t>
+            </a:r>
+            <a:r>
               <a:rPr lang="nl-BE" sz="3200" dirty="0"/>
-              <a:t>draairichting</a:t>
+              <a:t> Support Vector </a:t>
+            </a:r>
+            <a:r>
+              <a:rPr lang="nl-BE" sz="3200" dirty="0" err="1"/>
+              <a:t>Classification</a:t>
+            </a:r>
+            <a:r>
+              <a:rPr lang="nl-BE" sz="3200" dirty="0"/>
+              <a:t> (</a:t>
+            </a:r>
+            <a:r>
+              <a:rPr lang="nl-BE" sz="3200" dirty="0" err="1"/>
+              <a:t>LinearSVC</a:t>
+            </a:r>
+            <a:r>
+              <a:rPr lang="nl-BE" sz="3200" dirty="0"/>
+              <a:t>)</a:t>
+            </a:r>
+          </a:p>
+          <a:p>
+            <a:pPr marL="342900" indent="-342900">
+              <a:lnSpc>
+                <a:spcPct val="120000"/>
+              </a:lnSpc>
+              <a:buFont typeface="Arial" panose="020B0604020202020204" pitchFamily="34" charset="0"/>
+              <a:buChar char="•"/>
+            </a:pPr>
+            <a:r>
+              <a:rPr lang="nl-BE" sz="3200" dirty="0"/>
+              <a:t>Random </a:t>
+            </a:r>
+            <a:r>
+              <a:rPr lang="nl-BE" sz="3200" dirty="0" err="1"/>
+              <a:t>Forest</a:t>
+            </a:r>
+            <a:r>
+              <a:rPr lang="nl-BE" sz="3200" dirty="0"/>
+              <a:t> </a:t>
+            </a:r>
+            <a:r>
+              <a:rPr lang="nl-BE" sz="3200" dirty="0" err="1"/>
+              <a:t>Classifier</a:t>
+            </a:r>
+            <a:endParaRPr lang="nl-BE" sz="3200" dirty="0"/>
+          </a:p>
+          <a:p>
+            <a:pPr marL="342900" indent="-342900">
+              <a:lnSpc>
+                <a:spcPct val="120000"/>
+              </a:lnSpc>
+              <a:buFont typeface="Arial" panose="020B0604020202020204" pitchFamily="34" charset="0"/>
+              <a:buChar char="•"/>
+            </a:pPr>
+            <a:r>
+              <a:rPr lang="nl-BE" sz="3200" dirty="0" err="1"/>
+              <a:t>AdaBoost</a:t>
+            </a:r>
+            <a:endParaRPr lang="nl-BE" sz="3200" dirty="0"/>
+          </a:p>
+          <a:p>
+            <a:pPr marL="342900" indent="-342900">
+              <a:lnSpc>
+                <a:spcPct val="120000"/>
+              </a:lnSpc>
+              <a:buFont typeface="Arial" panose="020B0604020202020204" pitchFamily="34" charset="0"/>
+              <a:buChar char="•"/>
+            </a:pPr>
+            <a:r>
+              <a:rPr lang="nl-BE" sz="3200" dirty="0" err="1"/>
+              <a:t>Naive</a:t>
+            </a:r>
+            <a:r>
+              <a:rPr lang="nl-BE" sz="3200" dirty="0"/>
+              <a:t> Bayes</a:t>
+            </a:r>
+          </a:p>
+          <a:p>
+            <a:pPr marL="342900" indent="-342900">
+              <a:lnSpc>
+                <a:spcPct val="120000"/>
+              </a:lnSpc>
+              <a:buFont typeface="Arial" panose="020B0604020202020204" pitchFamily="34" charset="0"/>
+              <a:buChar char="•"/>
+            </a:pPr>
+            <a:r>
+              <a:rPr lang="nl-BE" sz="3200" dirty="0"/>
+              <a:t>K-</a:t>
+            </a:r>
+            <a:r>
+              <a:rPr lang="nl-BE" sz="3200" dirty="0" err="1"/>
+              <a:t>nearest</a:t>
+            </a:r>
+            <a:r>
+              <a:rPr lang="nl-BE" sz="3200" dirty="0"/>
+              <a:t> </a:t>
+            </a:r>
+            <a:r>
+              <a:rPr lang="nl-BE" sz="3200" dirty="0" err="1"/>
+              <a:t>neighbors</a:t>
+            </a:r>
+            <a:endParaRPr lang="nl-BE" sz="3200" dirty="0"/>
+          </a:p>
+          <a:p>
+            <a:pPr marL="342900" indent="-342900">
+              <a:lnSpc>
+                <a:spcPct val="120000"/>
+              </a:lnSpc>
+              <a:buFont typeface="Arial" panose="020B0604020202020204" pitchFamily="34" charset="0"/>
+              <a:buChar char="•"/>
+            </a:pPr>
+            <a:r>
+              <a:rPr lang="nl-BE" sz="3200" dirty="0" err="1"/>
+              <a:t>Stochastic</a:t>
+            </a:r>
+            <a:r>
+              <a:rPr lang="nl-BE" sz="3200" dirty="0"/>
+              <a:t> </a:t>
+            </a:r>
+            <a:r>
+              <a:rPr lang="nl-BE" sz="3200" dirty="0" err="1"/>
+              <a:t>Gradient</a:t>
+            </a:r>
+            <a:r>
+              <a:rPr lang="nl-BE" sz="3200" dirty="0"/>
+              <a:t> </a:t>
+            </a:r>
+            <a:r>
+              <a:rPr lang="nl-BE" sz="3200" dirty="0" err="1"/>
+              <a:t>Descent</a:t>
+            </a:r>
+            <a:r>
+              <a:rPr lang="nl-BE" sz="3200" dirty="0"/>
+              <a:t> </a:t>
+            </a:r>
+            <a:r>
+              <a:rPr lang="nl-BE" sz="3200" dirty="0" err="1"/>
+              <a:t>classifier</a:t>
+            </a:r>
+            <a:r>
+              <a:rPr lang="nl-BE" sz="3200" dirty="0"/>
+              <a:t> (SGD)</a:t>
+            </a:r>
+          </a:p>
+          <a:p>
+            <a:pPr marL="342900" indent="-342900">
+              <a:lnSpc>
+                <a:spcPct val="120000"/>
+              </a:lnSpc>
+              <a:buFont typeface="Arial" panose="020B0604020202020204" pitchFamily="34" charset="0"/>
+              <a:buChar char="•"/>
+            </a:pPr>
+            <a:r>
+              <a:rPr lang="nl-BE" sz="3200" dirty="0" err="1"/>
+              <a:t>Multilayer</a:t>
+            </a:r>
+            <a:r>
+              <a:rPr lang="nl-BE" sz="3200" dirty="0"/>
+              <a:t> </a:t>
+            </a:r>
+            <a:r>
+              <a:rPr lang="nl-BE" sz="3200" dirty="0" err="1"/>
+              <a:t>Percepton</a:t>
+            </a:r>
+            <a:r>
+              <a:rPr lang="nl-BE" sz="3200" dirty="0"/>
+              <a:t> </a:t>
+            </a:r>
+            <a:r>
+              <a:rPr lang="nl-BE" sz="3200" dirty="0" err="1"/>
+              <a:t>Classifier</a:t>
+            </a:r>
+            <a:r>
+              <a:rPr lang="nl-BE" sz="3200" dirty="0"/>
+              <a:t> (MLP)</a:t>
+            </a:r>
+          </a:p>
+          <a:p>
+            <a:pPr marL="342900" indent="-342900">
+              <a:lnSpc>
+                <a:spcPct val="120000"/>
+              </a:lnSpc>
+              <a:buFont typeface="Arial" panose="020B0604020202020204" pitchFamily="34" charset="0"/>
+              <a:buChar char="•"/>
+            </a:pPr>
+            <a:r>
+              <a:rPr lang="nl-BE" sz="3200" dirty="0" err="1"/>
+              <a:t>Convolutional</a:t>
+            </a:r>
+            <a:r>
+              <a:rPr lang="nl-BE" sz="3200" dirty="0"/>
+              <a:t> </a:t>
+            </a:r>
+            <a:r>
+              <a:rPr lang="nl-BE" sz="3200" dirty="0" err="1"/>
+              <a:t>Neural</a:t>
+            </a:r>
+            <a:r>
+              <a:rPr lang="nl-BE" sz="3200" dirty="0"/>
+              <a:t> Network (CNN)</a:t>
+            </a:r>
+            <a:endParaRPr lang="nl-BE" sz="4800" dirty="0"/>
+          </a:p>
+        </p:txBody>
+      </p:sp>
+    </p:spTree>
+    <p:extLst>
+      <p:ext uri="{BB962C8B-B14F-4D97-AF65-F5344CB8AC3E}">
+        <p14:creationId xmlns:p14="http://schemas.microsoft.com/office/powerpoint/2010/main" val="1364807490"/>
+      </p:ext>
+    </p:extLst>
+  </p:cSld>
+  <p:clrMapOvr>
+    <a:masterClrMapping/>
+  </p:clrMapOvr>
+</p:sld>
+</file>
+
+<file path=ppt/slides/slide13.xml><?xml version="1.0" encoding="utf-8"?>
+<p:sld xmlns:a="http://schemas.openxmlformats.org/drawingml/2006/main" xmlns:r="http://schemas.openxmlformats.org/officeDocument/2006/relationships" xmlns:p="http://schemas.openxmlformats.org/presentationml/2006/main">
+  <p:cSld>
+    <p:spTree>
+      <p:nvGrpSpPr>
+        <p:cNvPr id="1" name=""/>
+        <p:cNvGrpSpPr/>
+        <p:nvPr/>
+      </p:nvGrpSpPr>
+      <p:grpSpPr>
+        <a:xfrm>
+          <a:off x="0" y="0"/>
+          <a:ext cx="0" cy="0"/>
+          <a:chOff x="0" y="0"/>
+          <a:chExt cx="0" cy="0"/>
+        </a:xfrm>
+      </p:grpSpPr>
+      <p:sp>
+        <p:nvSpPr>
+          <p:cNvPr id="2" name="Titel 1"/>
+          <p:cNvSpPr>
+            <a:spLocks noGrp="1"/>
+          </p:cNvSpPr>
+          <p:nvPr>
+            <p:ph type="title"/>
+          </p:nvPr>
+        </p:nvSpPr>
+        <p:spPr/>
+        <p:txBody>
+          <a:bodyPr/>
+          <a:lstStyle/>
+          <a:p>
+            <a:r>
+              <a:rPr lang="nl-BE" dirty="0"/>
+              <a:t>variaties</a:t>
+            </a:r>
+          </a:p>
+        </p:txBody>
+      </p:sp>
+      <p:sp>
+        <p:nvSpPr>
+          <p:cNvPr id="4" name="Tijdelijke aanduiding voor dianummer 3"/>
+          <p:cNvSpPr>
+            <a:spLocks noGrp="1"/>
+          </p:cNvSpPr>
+          <p:nvPr>
+            <p:ph type="sldNum" sz="quarter" idx="12"/>
+          </p:nvPr>
+        </p:nvSpPr>
+        <p:spPr/>
+        <p:txBody>
+          <a:bodyPr/>
+          <a:lstStyle/>
+          <a:p>
+            <a:fld id="{7AE184E0-0BD4-4705-A12B-9B71DDE63301}" type="slidenum">
+              <a:rPr lang="nl-BE" noProof="0" smtClean="0"/>
+              <a:t>13</a:t>
+            </a:fld>
+            <a:endParaRPr lang="nl-BE" noProof="0" dirty="0"/>
+          </a:p>
+        </p:txBody>
+      </p:sp>
+      <p:sp>
+        <p:nvSpPr>
+          <p:cNvPr id="5" name="Tekstvak 4">
+            <a:extLst>
+              <a:ext uri="{FF2B5EF4-FFF2-40B4-BE49-F238E27FC236}">
+                <a16:creationId xmlns:a16="http://schemas.microsoft.com/office/drawing/2014/main" id="{7156230E-C2B7-4A07-8237-75D67BBD7165}"/>
+              </a:ext>
+            </a:extLst>
+          </p:cNvPr>
+          <p:cNvSpPr txBox="1"/>
+          <p:nvPr/>
+        </p:nvSpPr>
+        <p:spPr>
+          <a:xfrm>
+            <a:off x="672353" y="1600200"/>
+            <a:ext cx="6938682" cy="1810817"/>
+          </a:xfrm>
+          <a:prstGeom prst="rect">
+            <a:avLst/>
+          </a:prstGeom>
+          <a:noFill/>
+        </p:spPr>
+        <p:txBody>
+          <a:bodyPr wrap="square" rtlCol="0">
+            <a:spAutoFit/>
+          </a:bodyPr>
+          <a:lstStyle/>
+          <a:p>
+            <a:pPr marL="342900" indent="-342900">
+              <a:lnSpc>
+                <a:spcPct val="120000"/>
+              </a:lnSpc>
+              <a:buFont typeface="Arial" panose="020B0604020202020204" pitchFamily="34" charset="0"/>
+              <a:buChar char="•"/>
+            </a:pPr>
+            <a:r>
+              <a:rPr lang="nl-BE" sz="3200" dirty="0"/>
+              <a:t>Pols</a:t>
+            </a:r>
+          </a:p>
+          <a:p>
+            <a:pPr marL="342900" indent="-342900">
+              <a:lnSpc>
+                <a:spcPct val="120000"/>
+              </a:lnSpc>
+              <a:buFont typeface="Arial" panose="020B0604020202020204" pitchFamily="34" charset="0"/>
+              <a:buChar char="•"/>
+            </a:pPr>
+            <a:r>
+              <a:rPr lang="nl-BE" sz="3200" dirty="0"/>
+              <a:t>Draairichting</a:t>
+            </a:r>
+          </a:p>
+          <a:p>
+            <a:pPr marL="342900" indent="-342900">
+              <a:lnSpc>
+                <a:spcPct val="120000"/>
+              </a:lnSpc>
+              <a:buFont typeface="Arial" panose="020B0604020202020204" pitchFamily="34" charset="0"/>
+              <a:buChar char="•"/>
+            </a:pPr>
+            <a:r>
+              <a:rPr lang="nl-BE" sz="3200" dirty="0"/>
+              <a:t>Forward/backward 180: draaikant</a:t>
             </a:r>
           </a:p>
         </p:txBody>
@@ -4508,7 +5252,7 @@
         </p:blipFill>
         <p:spPr>
           <a:xfrm>
-            <a:off x="8026119" y="1767647"/>
+            <a:off x="8967413" y="1745235"/>
             <a:ext cx="6477000" cy="6457950"/>
           </a:xfrm>
           <a:prstGeom prst="rect">
@@ -4520,428 +5264,6 @@
     <p:extLst>
       <p:ext uri="{BB962C8B-B14F-4D97-AF65-F5344CB8AC3E}">
         <p14:creationId xmlns:p14="http://schemas.microsoft.com/office/powerpoint/2010/main" val="1961210434"/>
-      </p:ext>
-    </p:extLst>
-  </p:cSld>
-  <p:clrMapOvr>
-    <a:masterClrMapping/>
-  </p:clrMapOvr>
-</p:sld>
-</file>
-
-<file path=ppt/slides/slide12.xml><?xml version="1.0" encoding="utf-8"?>
-<p:sld xmlns:a="http://schemas.openxmlformats.org/drawingml/2006/main" xmlns:r="http://schemas.openxmlformats.org/officeDocument/2006/relationships" xmlns:p="http://schemas.openxmlformats.org/presentationml/2006/main">
-  <p:cSld>
-    <p:spTree>
-      <p:nvGrpSpPr>
-        <p:cNvPr id="1" name=""/>
-        <p:cNvGrpSpPr/>
-        <p:nvPr/>
-      </p:nvGrpSpPr>
-      <p:grpSpPr>
-        <a:xfrm>
-          <a:off x="0" y="0"/>
-          <a:ext cx="0" cy="0"/>
-          <a:chOff x="0" y="0"/>
-          <a:chExt cx="0" cy="0"/>
-        </a:xfrm>
-      </p:grpSpPr>
-      <p:sp>
-        <p:nvSpPr>
-          <p:cNvPr id="2" name="Titel 1"/>
-          <p:cNvSpPr>
-            <a:spLocks noGrp="1"/>
-          </p:cNvSpPr>
-          <p:nvPr>
-            <p:ph type="ctrTitle"/>
-          </p:nvPr>
-        </p:nvSpPr>
-        <p:spPr/>
-        <p:txBody>
-          <a:bodyPr/>
-          <a:lstStyle/>
-          <a:p>
-            <a:r>
-              <a:rPr lang="nl-BE" dirty="0"/>
-              <a:t>Machine </a:t>
-            </a:r>
-            <a:r>
-              <a:rPr lang="nl-BE" dirty="0" err="1"/>
-              <a:t>learning</a:t>
-            </a:r>
-            <a:endParaRPr lang="nl-BE" dirty="0"/>
-          </a:p>
-        </p:txBody>
-      </p:sp>
-      <p:sp>
-        <p:nvSpPr>
-          <p:cNvPr id="3" name="Tijdelijke aanduiding voor dianummer 2"/>
-          <p:cNvSpPr>
-            <a:spLocks noGrp="1"/>
-          </p:cNvSpPr>
-          <p:nvPr>
-            <p:ph type="sldNum" sz="quarter" idx="4"/>
-          </p:nvPr>
-        </p:nvSpPr>
-        <p:spPr/>
-        <p:txBody>
-          <a:bodyPr/>
-          <a:lstStyle/>
-          <a:p>
-            <a:fld id="{7AE184E0-0BD4-4705-A12B-9B71DDE63301}" type="slidenum">
-              <a:rPr lang="nl-BE" noProof="0" smtClean="0"/>
-              <a:pPr/>
-              <a:t>12</a:t>
-            </a:fld>
-            <a:endParaRPr lang="nl-BE" noProof="0" dirty="0"/>
-          </a:p>
-        </p:txBody>
-      </p:sp>
-    </p:spTree>
-    <p:extLst>
-      <p:ext uri="{BB962C8B-B14F-4D97-AF65-F5344CB8AC3E}">
-        <p14:creationId xmlns:p14="http://schemas.microsoft.com/office/powerpoint/2010/main" val="1360698146"/>
-      </p:ext>
-    </p:extLst>
-  </p:cSld>
-  <p:clrMapOvr>
-    <a:masterClrMapping/>
-  </p:clrMapOvr>
-</p:sld>
-</file>
-
-<file path=ppt/slides/slide13.xml><?xml version="1.0" encoding="utf-8"?>
-<p:sld xmlns:a="http://schemas.openxmlformats.org/drawingml/2006/main" xmlns:r="http://schemas.openxmlformats.org/officeDocument/2006/relationships" xmlns:p="http://schemas.openxmlformats.org/presentationml/2006/main">
-  <p:cSld>
-    <p:spTree>
-      <p:nvGrpSpPr>
-        <p:cNvPr id="1" name=""/>
-        <p:cNvGrpSpPr/>
-        <p:nvPr/>
-      </p:nvGrpSpPr>
-      <p:grpSpPr>
-        <a:xfrm>
-          <a:off x="0" y="0"/>
-          <a:ext cx="0" cy="0"/>
-          <a:chOff x="0" y="0"/>
-          <a:chExt cx="0" cy="0"/>
-        </a:xfrm>
-      </p:grpSpPr>
-      <p:sp>
-        <p:nvSpPr>
-          <p:cNvPr id="2" name="Titel 1"/>
-          <p:cNvSpPr>
-            <a:spLocks noGrp="1"/>
-          </p:cNvSpPr>
-          <p:nvPr>
-            <p:ph type="title"/>
-          </p:nvPr>
-        </p:nvSpPr>
-        <p:spPr/>
-        <p:txBody>
-          <a:bodyPr/>
-          <a:lstStyle/>
-          <a:p>
-            <a:r>
-              <a:rPr lang="nl-BE" dirty="0"/>
-              <a:t>algoritmes</a:t>
-            </a:r>
-          </a:p>
-        </p:txBody>
-      </p:sp>
-      <p:sp>
-        <p:nvSpPr>
-          <p:cNvPr id="4" name="Tijdelijke aanduiding voor dianummer 3"/>
-          <p:cNvSpPr>
-            <a:spLocks noGrp="1"/>
-          </p:cNvSpPr>
-          <p:nvPr>
-            <p:ph type="sldNum" sz="quarter" idx="12"/>
-          </p:nvPr>
-        </p:nvSpPr>
-        <p:spPr/>
-        <p:txBody>
-          <a:bodyPr/>
-          <a:lstStyle/>
-          <a:p>
-            <a:fld id="{7AE184E0-0BD4-4705-A12B-9B71DDE63301}" type="slidenum">
-              <a:rPr lang="nl-BE" noProof="0" smtClean="0"/>
-              <a:t>13</a:t>
-            </a:fld>
-            <a:endParaRPr lang="nl-BE" noProof="0" dirty="0"/>
-          </a:p>
-        </p:txBody>
-      </p:sp>
-      <p:sp>
-        <p:nvSpPr>
-          <p:cNvPr id="5" name="Tekstvak 4">
-            <a:extLst>
-              <a:ext uri="{FF2B5EF4-FFF2-40B4-BE49-F238E27FC236}">
-                <a16:creationId xmlns:a16="http://schemas.microsoft.com/office/drawing/2014/main" id="{7156230E-C2B7-4A07-8237-75D67BBD7165}"/>
-              </a:ext>
-            </a:extLst>
-          </p:cNvPr>
-          <p:cNvSpPr txBox="1"/>
-          <p:nvPr/>
-        </p:nvSpPr>
-        <p:spPr>
-          <a:xfrm>
-            <a:off x="672353" y="1600200"/>
-            <a:ext cx="9628094" cy="5356403"/>
-          </a:xfrm>
-          <a:prstGeom prst="rect">
-            <a:avLst/>
-          </a:prstGeom>
-          <a:noFill/>
-        </p:spPr>
-        <p:txBody>
-          <a:bodyPr wrap="square" rtlCol="0">
-            <a:spAutoFit/>
-          </a:bodyPr>
-          <a:lstStyle/>
-          <a:p>
-            <a:pPr marL="342900" indent="-342900">
-              <a:lnSpc>
-                <a:spcPct val="120000"/>
-              </a:lnSpc>
-              <a:buFont typeface="Arial" panose="020B0604020202020204" pitchFamily="34" charset="0"/>
-              <a:buChar char="•"/>
-            </a:pPr>
-            <a:r>
-              <a:rPr lang="nl-BE" sz="3200" dirty="0"/>
-              <a:t>Support Vector </a:t>
-            </a:r>
-            <a:r>
-              <a:rPr lang="nl-BE" sz="3200" dirty="0" err="1"/>
-              <a:t>Classification</a:t>
-            </a:r>
-            <a:r>
-              <a:rPr lang="nl-BE" sz="3200" dirty="0"/>
-              <a:t> (SVC)</a:t>
-            </a:r>
-          </a:p>
-          <a:p>
-            <a:pPr marL="342900" indent="-342900">
-              <a:lnSpc>
-                <a:spcPct val="120000"/>
-              </a:lnSpc>
-              <a:buFont typeface="Arial" panose="020B0604020202020204" pitchFamily="34" charset="0"/>
-              <a:buChar char="•"/>
-            </a:pPr>
-            <a:r>
-              <a:rPr lang="nl-BE" sz="3200" dirty="0" err="1"/>
-              <a:t>Linear</a:t>
-            </a:r>
-            <a:r>
-              <a:rPr lang="nl-BE" sz="3200" dirty="0"/>
-              <a:t> Support Vector </a:t>
-            </a:r>
-            <a:r>
-              <a:rPr lang="nl-BE" sz="3200" dirty="0" err="1"/>
-              <a:t>Classification</a:t>
-            </a:r>
-            <a:r>
-              <a:rPr lang="nl-BE" sz="3200" dirty="0"/>
-              <a:t> (</a:t>
-            </a:r>
-            <a:r>
-              <a:rPr lang="nl-BE" sz="3200" dirty="0" err="1"/>
-              <a:t>LinearSVC</a:t>
-            </a:r>
-            <a:r>
-              <a:rPr lang="nl-BE" sz="3200" dirty="0"/>
-              <a:t>)</a:t>
-            </a:r>
-          </a:p>
-          <a:p>
-            <a:pPr marL="342900" indent="-342900">
-              <a:lnSpc>
-                <a:spcPct val="120000"/>
-              </a:lnSpc>
-              <a:buFont typeface="Arial" panose="020B0604020202020204" pitchFamily="34" charset="0"/>
-              <a:buChar char="•"/>
-            </a:pPr>
-            <a:r>
-              <a:rPr lang="nl-BE" sz="3200" dirty="0"/>
-              <a:t>Random </a:t>
-            </a:r>
-            <a:r>
-              <a:rPr lang="nl-BE" sz="3200" dirty="0" err="1"/>
-              <a:t>Forest</a:t>
-            </a:r>
-            <a:r>
-              <a:rPr lang="nl-BE" sz="3200" dirty="0"/>
-              <a:t> </a:t>
-            </a:r>
-            <a:r>
-              <a:rPr lang="nl-BE" sz="3200" dirty="0" err="1"/>
-              <a:t>Classifier</a:t>
-            </a:r>
-            <a:endParaRPr lang="nl-BE" sz="3200" dirty="0"/>
-          </a:p>
-          <a:p>
-            <a:pPr marL="342900" indent="-342900">
-              <a:lnSpc>
-                <a:spcPct val="120000"/>
-              </a:lnSpc>
-              <a:buFont typeface="Arial" panose="020B0604020202020204" pitchFamily="34" charset="0"/>
-              <a:buChar char="•"/>
-            </a:pPr>
-            <a:r>
-              <a:rPr lang="nl-BE" sz="3200" dirty="0" err="1"/>
-              <a:t>AdaBoost</a:t>
-            </a:r>
-            <a:endParaRPr lang="nl-BE" sz="3200" dirty="0"/>
-          </a:p>
-          <a:p>
-            <a:pPr marL="342900" indent="-342900">
-              <a:lnSpc>
-                <a:spcPct val="120000"/>
-              </a:lnSpc>
-              <a:buFont typeface="Arial" panose="020B0604020202020204" pitchFamily="34" charset="0"/>
-              <a:buChar char="•"/>
-            </a:pPr>
-            <a:r>
-              <a:rPr lang="nl-BE" sz="3200" dirty="0" err="1"/>
-              <a:t>Naive</a:t>
-            </a:r>
-            <a:r>
-              <a:rPr lang="nl-BE" sz="3200" dirty="0"/>
-              <a:t> Bayes</a:t>
-            </a:r>
-          </a:p>
-          <a:p>
-            <a:pPr marL="342900" indent="-342900">
-              <a:lnSpc>
-                <a:spcPct val="120000"/>
-              </a:lnSpc>
-              <a:buFont typeface="Arial" panose="020B0604020202020204" pitchFamily="34" charset="0"/>
-              <a:buChar char="•"/>
-            </a:pPr>
-            <a:r>
-              <a:rPr lang="nl-BE" sz="3200" dirty="0"/>
-              <a:t>K-</a:t>
-            </a:r>
-            <a:r>
-              <a:rPr lang="nl-BE" sz="3200" dirty="0" err="1"/>
-              <a:t>nearest</a:t>
-            </a:r>
-            <a:r>
-              <a:rPr lang="nl-BE" sz="3200" dirty="0"/>
-              <a:t> </a:t>
-            </a:r>
-            <a:r>
-              <a:rPr lang="nl-BE" sz="3200" dirty="0" err="1"/>
-              <a:t>neighbors</a:t>
-            </a:r>
-            <a:endParaRPr lang="nl-BE" sz="3200" dirty="0"/>
-          </a:p>
-          <a:p>
-            <a:pPr marL="342900" indent="-342900">
-              <a:lnSpc>
-                <a:spcPct val="120000"/>
-              </a:lnSpc>
-              <a:buFont typeface="Arial" panose="020B0604020202020204" pitchFamily="34" charset="0"/>
-              <a:buChar char="•"/>
-            </a:pPr>
-            <a:r>
-              <a:rPr lang="nl-BE" sz="3200" dirty="0" err="1"/>
-              <a:t>Stochastic</a:t>
-            </a:r>
-            <a:r>
-              <a:rPr lang="nl-BE" sz="3200" dirty="0"/>
-              <a:t> </a:t>
-            </a:r>
-            <a:r>
-              <a:rPr lang="nl-BE" sz="3200" dirty="0" err="1"/>
-              <a:t>Gradient</a:t>
-            </a:r>
-            <a:r>
-              <a:rPr lang="nl-BE" sz="3200" dirty="0"/>
-              <a:t> </a:t>
-            </a:r>
-            <a:r>
-              <a:rPr lang="nl-BE" sz="3200" dirty="0" err="1"/>
-              <a:t>Descent</a:t>
-            </a:r>
-            <a:r>
-              <a:rPr lang="nl-BE" sz="3200" dirty="0"/>
-              <a:t> </a:t>
-            </a:r>
-            <a:r>
-              <a:rPr lang="nl-BE" sz="3200" dirty="0" err="1"/>
-              <a:t>classifier</a:t>
-            </a:r>
-            <a:r>
-              <a:rPr lang="nl-BE" sz="3200" dirty="0"/>
-              <a:t> (SGD)</a:t>
-            </a:r>
-          </a:p>
-          <a:p>
-            <a:pPr marL="342900" indent="-342900">
-              <a:lnSpc>
-                <a:spcPct val="120000"/>
-              </a:lnSpc>
-              <a:buFont typeface="Arial" panose="020B0604020202020204" pitchFamily="34" charset="0"/>
-              <a:buChar char="•"/>
-            </a:pPr>
-            <a:r>
-              <a:rPr lang="nl-BE" sz="3200" dirty="0" err="1"/>
-              <a:t>Multilayer</a:t>
-            </a:r>
-            <a:r>
-              <a:rPr lang="nl-BE" sz="3200" dirty="0"/>
-              <a:t> </a:t>
-            </a:r>
-            <a:r>
-              <a:rPr lang="nl-BE" sz="3200" dirty="0" err="1"/>
-              <a:t>Percepton</a:t>
-            </a:r>
-            <a:r>
-              <a:rPr lang="nl-BE" sz="3200" dirty="0"/>
-              <a:t> </a:t>
-            </a:r>
-            <a:r>
-              <a:rPr lang="nl-BE" sz="3200" dirty="0" err="1"/>
-              <a:t>Classifier</a:t>
-            </a:r>
-            <a:r>
-              <a:rPr lang="nl-BE" sz="3200" dirty="0"/>
-              <a:t> (MLP)</a:t>
-            </a:r>
-          </a:p>
-          <a:p>
-            <a:pPr marL="342900" indent="-342900">
-              <a:lnSpc>
-                <a:spcPct val="120000"/>
-              </a:lnSpc>
-              <a:buFont typeface="Arial" panose="020B0604020202020204" pitchFamily="34" charset="0"/>
-              <a:buChar char="•"/>
-            </a:pPr>
-            <a:r>
-              <a:rPr lang="nl-BE" sz="3200" dirty="0" err="1"/>
-              <a:t>Convolutional</a:t>
-            </a:r>
-            <a:r>
-              <a:rPr lang="nl-BE" sz="3200" dirty="0"/>
-              <a:t> </a:t>
-            </a:r>
-            <a:r>
-              <a:rPr lang="nl-BE" sz="3200" dirty="0" err="1"/>
-              <a:t>Neural</a:t>
-            </a:r>
-            <a:r>
-              <a:rPr lang="nl-BE" sz="3200" dirty="0"/>
-              <a:t> Network (CNN)</a:t>
-            </a:r>
-            <a:endParaRPr lang="nl-BE" sz="4800" dirty="0"/>
-          </a:p>
-        </p:txBody>
-      </p:sp>
-    </p:spTree>
-    <p:extLst>
-      <p:ext uri="{BB962C8B-B14F-4D97-AF65-F5344CB8AC3E}">
-        <p14:creationId xmlns:p14="http://schemas.microsoft.com/office/powerpoint/2010/main" val="1364807490"/>
       </p:ext>
     </p:extLst>
   </p:cSld>
@@ -4975,7 +5297,7 @@
             <a:spLocks noGrp="1"/>
           </p:cNvSpPr>
           <p:nvPr>
-            <p:ph type="title"/>
+            <p:ph type="ctrTitle"/>
           </p:nvPr>
         </p:nvSpPr>
         <p:spPr/>
@@ -4985,19 +5307,19 @@
           <a:p>
             <a:r>
               <a:rPr lang="nl-BE" dirty="0"/>
-              <a:t>Berekeningen</a:t>
-            </a:r>
-          </a:p>
-        </p:txBody>
-      </p:sp>
-      <p:sp>
-        <p:nvSpPr>
-          <p:cNvPr id="4" name="Tijdelijke aanduiding voor dianummer 3"/>
+              <a:t>gezondheidsapplicatie</a:t>
+            </a:r>
+          </a:p>
+        </p:txBody>
+      </p:sp>
+      <p:sp>
+        <p:nvSpPr>
+          <p:cNvPr id="3" name="Tijdelijke aanduiding voor dianummer 2"/>
           <p:cNvSpPr>
             <a:spLocks noGrp="1"/>
           </p:cNvSpPr>
           <p:nvPr>
-            <p:ph type="sldNum" sz="quarter" idx="12"/>
+            <p:ph type="sldNum" sz="quarter" idx="4"/>
           </p:nvPr>
         </p:nvSpPr>
         <p:spPr/>
@@ -5007,72 +5329,17 @@
           <a:p>
             <a:fld id="{7AE184E0-0BD4-4705-A12B-9B71DDE63301}" type="slidenum">
               <a:rPr lang="nl-BE" noProof="0" smtClean="0"/>
+              <a:pPr/>
               <a:t>14</a:t>
             </a:fld>
             <a:endParaRPr lang="nl-BE" noProof="0" dirty="0"/>
           </a:p>
         </p:txBody>
       </p:sp>
-      <p:sp>
-        <p:nvSpPr>
-          <p:cNvPr id="5" name="Tekstvak 4">
-            <a:extLst>
-              <a:ext uri="{FF2B5EF4-FFF2-40B4-BE49-F238E27FC236}">
-                <a16:creationId xmlns:a16="http://schemas.microsoft.com/office/drawing/2014/main" id="{7156230E-C2B7-4A07-8237-75D67BBD7165}"/>
-              </a:ext>
-            </a:extLst>
-          </p:cNvPr>
-          <p:cNvSpPr txBox="1"/>
-          <p:nvPr/>
-        </p:nvSpPr>
-        <p:spPr>
-          <a:xfrm>
-            <a:off x="672353" y="1600200"/>
-            <a:ext cx="9628094" cy="1219886"/>
-          </a:xfrm>
-          <a:prstGeom prst="rect">
-            <a:avLst/>
-          </a:prstGeom>
-          <a:noFill/>
-        </p:spPr>
-        <p:txBody>
-          <a:bodyPr wrap="square" rtlCol="0">
-            <a:spAutoFit/>
-          </a:bodyPr>
-          <a:lstStyle/>
-          <a:p>
-            <a:pPr marL="342900" indent="-342900">
-              <a:lnSpc>
-                <a:spcPct val="120000"/>
-              </a:lnSpc>
-              <a:buFont typeface="Arial" panose="020B0604020202020204" pitchFamily="34" charset="0"/>
-              <a:buChar char="•"/>
-            </a:pPr>
-            <a:r>
-              <a:rPr lang="nl-BE" sz="3200" dirty="0"/>
-              <a:t>Aantal draaiingen</a:t>
-            </a:r>
-          </a:p>
-          <a:p>
-            <a:pPr marL="342900" indent="-342900">
-              <a:lnSpc>
-                <a:spcPct val="120000"/>
-              </a:lnSpc>
-              <a:buFont typeface="Arial" panose="020B0604020202020204" pitchFamily="34" charset="0"/>
-              <a:buChar char="•"/>
-            </a:pPr>
-            <a:r>
-              <a:rPr lang="nl-BE" sz="3200" dirty="0"/>
-              <a:t>Fouten </a:t>
-            </a:r>
-            <a:endParaRPr lang="nl-BE" sz="4800" dirty="0"/>
-          </a:p>
-        </p:txBody>
-      </p:sp>
     </p:spTree>
     <p:extLst>
       <p:ext uri="{BB962C8B-B14F-4D97-AF65-F5344CB8AC3E}">
-        <p14:creationId xmlns:p14="http://schemas.microsoft.com/office/powerpoint/2010/main" val="2274045792"/>
+        <p14:creationId xmlns:p14="http://schemas.microsoft.com/office/powerpoint/2010/main" val="3835773936"/>
       </p:ext>
     </p:extLst>
   </p:cSld>
@@ -5101,82 +5368,6 @@
       </p:grpSpPr>
       <p:sp>
         <p:nvSpPr>
-          <p:cNvPr id="2" name="Titel 1"/>
-          <p:cNvSpPr>
-            <a:spLocks noGrp="1"/>
-          </p:cNvSpPr>
-          <p:nvPr>
-            <p:ph type="ctrTitle"/>
-          </p:nvPr>
-        </p:nvSpPr>
-        <p:spPr/>
-        <p:txBody>
-          <a:bodyPr/>
-          <a:lstStyle/>
-          <a:p>
-            <a:r>
-              <a:rPr lang="nl-BE" dirty="0"/>
-              <a:t>gezondheidsapplicatie</a:t>
-            </a:r>
-          </a:p>
-        </p:txBody>
-      </p:sp>
-      <p:sp>
-        <p:nvSpPr>
-          <p:cNvPr id="3" name="Tijdelijke aanduiding voor dianummer 2"/>
-          <p:cNvSpPr>
-            <a:spLocks noGrp="1"/>
-          </p:cNvSpPr>
-          <p:nvPr>
-            <p:ph type="sldNum" sz="quarter" idx="4"/>
-          </p:nvPr>
-        </p:nvSpPr>
-        <p:spPr/>
-        <p:txBody>
-          <a:bodyPr/>
-          <a:lstStyle/>
-          <a:p>
-            <a:fld id="{7AE184E0-0BD4-4705-A12B-9B71DDE63301}" type="slidenum">
-              <a:rPr lang="nl-BE" noProof="0" smtClean="0"/>
-              <a:pPr/>
-              <a:t>15</a:t>
-            </a:fld>
-            <a:endParaRPr lang="nl-BE" noProof="0" dirty="0"/>
-          </a:p>
-        </p:txBody>
-      </p:sp>
-    </p:spTree>
-    <p:extLst>
-      <p:ext uri="{BB962C8B-B14F-4D97-AF65-F5344CB8AC3E}">
-        <p14:creationId xmlns:p14="http://schemas.microsoft.com/office/powerpoint/2010/main" val="3835773936"/>
-      </p:ext>
-    </p:extLst>
-  </p:cSld>
-  <p:clrMapOvr>
-    <a:masterClrMapping/>
-  </p:clrMapOvr>
-</p:sld>
-</file>
-
-<file path=ppt/slides/slide16.xml><?xml version="1.0" encoding="utf-8"?>
-<p:sld xmlns:a="http://schemas.openxmlformats.org/drawingml/2006/main" xmlns:r="http://schemas.openxmlformats.org/officeDocument/2006/relationships" xmlns:p="http://schemas.openxmlformats.org/presentationml/2006/main">
-  <p:cSld>
-    <p:spTree>
-      <p:nvGrpSpPr>
-        <p:cNvPr id="1" name=""/>
-        <p:cNvGrpSpPr/>
-        <p:nvPr/>
-      </p:nvGrpSpPr>
-      <p:grpSpPr>
-        <a:xfrm>
-          <a:off x="0" y="0"/>
-          <a:ext cx="0" cy="0"/>
-          <a:chOff x="0" y="0"/>
-          <a:chExt cx="0" cy="0"/>
-        </a:xfrm>
-      </p:grpSpPr>
-      <p:sp>
-        <p:nvSpPr>
           <p:cNvPr id="4" name="Tijdelijke aanduiding voor dianummer 3"/>
           <p:cNvSpPr>
             <a:spLocks noGrp="1"/>
@@ -5192,7 +5383,7 @@
           <a:p>
             <a:fld id="{7AE184E0-0BD4-4705-A12B-9B71DDE63301}" type="slidenum">
               <a:rPr lang="nl-BE" noProof="0" smtClean="0"/>
-              <a:t>16</a:t>
+              <a:t>15</a:t>
             </a:fld>
             <a:endParaRPr lang="nl-BE" noProof="0" dirty="0"/>
           </a:p>
@@ -5663,6 +5854,137 @@
 </p:sld>
 </file>
 
+<file path=ppt/slides/slide16.xml><?xml version="1.0" encoding="utf-8"?>
+<p:sld xmlns:a="http://schemas.openxmlformats.org/drawingml/2006/main" xmlns:r="http://schemas.openxmlformats.org/officeDocument/2006/relationships" xmlns:p="http://schemas.openxmlformats.org/presentationml/2006/main">
+  <p:cSld>
+    <p:spTree>
+      <p:nvGrpSpPr>
+        <p:cNvPr id="1" name=""/>
+        <p:cNvGrpSpPr/>
+        <p:nvPr/>
+      </p:nvGrpSpPr>
+      <p:grpSpPr>
+        <a:xfrm>
+          <a:off x="0" y="0"/>
+          <a:ext cx="0" cy="0"/>
+          <a:chOff x="0" y="0"/>
+          <a:chExt cx="0" cy="0"/>
+        </a:xfrm>
+      </p:grpSpPr>
+      <p:sp>
+        <p:nvSpPr>
+          <p:cNvPr id="2" name="Titel 1"/>
+          <p:cNvSpPr>
+            <a:spLocks noGrp="1"/>
+          </p:cNvSpPr>
+          <p:nvPr>
+            <p:ph type="title"/>
+          </p:nvPr>
+        </p:nvSpPr>
+        <p:spPr/>
+        <p:txBody>
+          <a:bodyPr/>
+          <a:lstStyle/>
+          <a:p>
+            <a:r>
+              <a:rPr lang="nl-BE" dirty="0"/>
+              <a:t>Berekeningen</a:t>
+            </a:r>
+          </a:p>
+        </p:txBody>
+      </p:sp>
+      <p:sp>
+        <p:nvSpPr>
+          <p:cNvPr id="4" name="Tijdelijke aanduiding voor dianummer 3"/>
+          <p:cNvSpPr>
+            <a:spLocks noGrp="1"/>
+          </p:cNvSpPr>
+          <p:nvPr>
+            <p:ph type="sldNum" sz="quarter" idx="12"/>
+          </p:nvPr>
+        </p:nvSpPr>
+        <p:spPr/>
+        <p:txBody>
+          <a:bodyPr/>
+          <a:lstStyle/>
+          <a:p>
+            <a:fld id="{7AE184E0-0BD4-4705-A12B-9B71DDE63301}" type="slidenum">
+              <a:rPr lang="nl-BE" noProof="0" smtClean="0"/>
+              <a:t>16</a:t>
+            </a:fld>
+            <a:endParaRPr lang="nl-BE" noProof="0" dirty="0"/>
+          </a:p>
+        </p:txBody>
+      </p:sp>
+      <p:sp>
+        <p:nvSpPr>
+          <p:cNvPr id="5" name="Tekstvak 4">
+            <a:extLst>
+              <a:ext uri="{FF2B5EF4-FFF2-40B4-BE49-F238E27FC236}">
+                <a16:creationId xmlns:a16="http://schemas.microsoft.com/office/drawing/2014/main" id="{7156230E-C2B7-4A07-8237-75D67BBD7165}"/>
+              </a:ext>
+            </a:extLst>
+          </p:cNvPr>
+          <p:cNvSpPr txBox="1"/>
+          <p:nvPr/>
+        </p:nvSpPr>
+        <p:spPr>
+          <a:xfrm>
+            <a:off x="672353" y="1600200"/>
+            <a:ext cx="9628094" cy="1219886"/>
+          </a:xfrm>
+          <a:prstGeom prst="rect">
+            <a:avLst/>
+          </a:prstGeom>
+          <a:noFill/>
+        </p:spPr>
+        <p:txBody>
+          <a:bodyPr wrap="square" rtlCol="0">
+            <a:spAutoFit/>
+          </a:bodyPr>
+          <a:lstStyle/>
+          <a:p>
+            <a:pPr marL="342900" indent="-342900">
+              <a:lnSpc>
+                <a:spcPct val="120000"/>
+              </a:lnSpc>
+              <a:buFont typeface="Arial" panose="020B0604020202020204" pitchFamily="34" charset="0"/>
+              <a:buChar char="•"/>
+            </a:pPr>
+            <a:r>
+              <a:rPr lang="nl-BE" sz="3200" dirty="0"/>
+              <a:t>Aantal draaiingen</a:t>
+            </a:r>
+          </a:p>
+          <a:p>
+            <a:pPr marL="342900" indent="-342900">
+              <a:lnSpc>
+                <a:spcPct val="120000"/>
+              </a:lnSpc>
+              <a:buFont typeface="Arial" panose="020B0604020202020204" pitchFamily="34" charset="0"/>
+              <a:buChar char="•"/>
+            </a:pPr>
+            <a:r>
+              <a:rPr lang="nl-BE" sz="3200" dirty="0"/>
+              <a:t>Fouten </a:t>
+            </a:r>
+            <a:endParaRPr lang="nl-BE" sz="4800" dirty="0"/>
+          </a:p>
+        </p:txBody>
+      </p:sp>
+    </p:spTree>
+    <p:extLst>
+      <p:ext uri="{BB962C8B-B14F-4D97-AF65-F5344CB8AC3E}">
+        <p14:creationId xmlns:p14="http://schemas.microsoft.com/office/powerpoint/2010/main" val="2274045792"/>
+      </p:ext>
+    </p:extLst>
+  </p:cSld>
+  <p:clrMapOvr>
+    <a:masterClrMapping/>
+  </p:clrMapOvr>
+</p:sld>
+</file>
+
 <file path=ppt/slides/slide17.xml><?xml version="1.0" encoding="utf-8"?>
 <p:sld xmlns:a="http://schemas.openxmlformats.org/drawingml/2006/main" xmlns:r="http://schemas.openxmlformats.org/officeDocument/2006/relationships" xmlns:p="http://schemas.openxmlformats.org/presentationml/2006/main">
   <p:cSld>
@@ -6296,7 +6618,7 @@
         <p:spPr>
           <a:xfrm>
             <a:off x="685798" y="3238499"/>
-            <a:ext cx="12694026" cy="6515099"/>
+            <a:ext cx="10806955" cy="6074714"/>
           </a:xfrm>
           <a:prstGeom prst="rect">
             <a:avLst/>
@@ -6309,8 +6631,8 @@
           </a:ln>
         </p:spPr>
         <p:txBody>
-          <a:bodyPr wrap="square" lIns="360000" tIns="360000" rIns="360000" bIns="360000" numCol="2" spcCol="360000" rtlCol="0" anchor="t">
-            <a:noAutofit/>
+          <a:bodyPr wrap="square" lIns="360000" tIns="360000" rIns="360000" bIns="360000" numCol="1" spcCol="360000" rtlCol="0" anchor="t">
+            <a:spAutoFit/>
           </a:bodyPr>
           <a:lstStyle/>
           <a:p>
@@ -6354,13 +6676,18 @@
               <a:buChar char="‒"/>
             </a:pPr>
             <a:r>
-              <a:rPr lang="en-US" sz="4800" dirty="0">
+              <a:rPr lang="en-US" sz="4800" dirty="0" err="1">
                 <a:solidFill>
                   <a:schemeClr val="bg1"/>
                 </a:solidFill>
               </a:rPr>
-              <a:t>Activity recognition</a:t>
-            </a:r>
+              <a:t>Meetopstelling</a:t>
+            </a:r>
+            <a:endParaRPr lang="en-US" sz="4800" dirty="0">
+              <a:solidFill>
+                <a:schemeClr val="bg1"/>
+              </a:solidFill>
+            </a:endParaRPr>
           </a:p>
           <a:p>
             <a:pPr marL="536400" indent="-450000">
@@ -6376,15 +6703,24 @@
                   <a:schemeClr val="bg1"/>
                 </a:solidFill>
               </a:rPr>
-              <a:t>Android </a:t>
-            </a:r>
+              <a:t>Machine learning</a:t>
+            </a:r>
+          </a:p>
+          <a:p>
+            <a:pPr marL="536400" indent="-450000">
+              <a:lnSpc>
+                <a:spcPct val="120000"/>
+              </a:lnSpc>
+              <a:buFont typeface="Arial" panose="020B0604020202020204" pitchFamily="34" charset="0"/>
+              <a:buChar char="‒"/>
+            </a:pPr>
             <a:r>
               <a:rPr lang="en-US" sz="4800" dirty="0" err="1">
                 <a:solidFill>
                   <a:schemeClr val="bg1"/>
                 </a:solidFill>
               </a:rPr>
-              <a:t>applicaties</a:t>
+              <a:t>gezondheidsapplicatie</a:t>
             </a:r>
             <a:endParaRPr lang="en-US" sz="4800" dirty="0">
               <a:solidFill>
@@ -7377,7 +7713,7 @@
           <p:nvPr/>
         </p:nvPicPr>
         <p:blipFill>
-          <a:blip r:embed="rId2">
+          <a:blip r:embed="rId3">
             <a:extLst>
               <a:ext uri="{28A0092B-C50C-407E-A947-70E740481C1C}">
                 <a14:useLocalDpi xmlns:a14="http://schemas.microsoft.com/office/drawing/2010/main" val="0"/>
@@ -7413,7 +7749,7 @@
           <p:nvPr/>
         </p:nvPicPr>
         <p:blipFill>
-          <a:blip r:embed="rId3">
+          <a:blip r:embed="rId4">
             <a:extLst>
               <a:ext uri="{28A0092B-C50C-407E-A947-70E740481C1C}">
                 <a14:useLocalDpi xmlns:a14="http://schemas.microsoft.com/office/drawing/2010/main" val="0"/>
@@ -7814,7 +8150,7 @@
           <p:nvPr/>
         </p:nvPicPr>
         <p:blipFill>
-          <a:blip r:embed="rId2">
+          <a:blip r:embed="rId3">
             <a:extLst>
               <a:ext uri="{28A0092B-C50C-407E-A947-70E740481C1C}">
                 <a14:useLocalDpi xmlns:a14="http://schemas.microsoft.com/office/drawing/2010/main" val="0"/>
@@ -7850,7 +8186,7 @@
           <p:nvPr/>
         </p:nvPicPr>
         <p:blipFill>
-          <a:blip r:embed="rId3">
+          <a:blip r:embed="rId4">
             <a:extLst>
               <a:ext uri="{28A0092B-C50C-407E-A947-70E740481C1C}">
                 <a14:useLocalDpi xmlns:a14="http://schemas.microsoft.com/office/drawing/2010/main" val="0"/>
@@ -8171,7 +8507,7 @@
           <p:nvPr/>
         </p:nvPicPr>
         <p:blipFill>
-          <a:blip r:embed="rId2">
+          <a:blip r:embed="rId3">
             <a:extLst>
               <a:ext uri="{28A0092B-C50C-407E-A947-70E740481C1C}">
                 <a14:useLocalDpi xmlns:a14="http://schemas.microsoft.com/office/drawing/2010/main" val="0"/>
@@ -8207,7 +8543,7 @@
           <p:nvPr/>
         </p:nvPicPr>
         <p:blipFill>
-          <a:blip r:embed="rId3">
+          <a:blip r:embed="rId4">
             <a:extLst>
               <a:ext uri="{28A0092B-C50C-407E-A947-70E740481C1C}">
                 <a14:useLocalDpi xmlns:a14="http://schemas.microsoft.com/office/drawing/2010/main" val="0"/>
@@ -9532,21 +9868,6 @@
 </file>
 
 <file path=customXml/item1.xml><?xml version="1.0" encoding="utf-8"?>
-<p:properties xmlns:p="http://schemas.microsoft.com/office/2006/metadata/properties" xmlns:xsi="http://www.w3.org/2001/XMLSchema-instance" xmlns:pc="http://schemas.microsoft.com/office/infopath/2007/PartnerControls">
-  <documentManagement/>
-</p:properties>
-</file>
-
-<file path=customXml/item2.xml><?xml version="1.0" encoding="utf-8"?>
-<?mso-contentType ?>
-<FormTemplates xmlns="http://schemas.microsoft.com/sharepoint/v3/contenttype/forms">
-  <Display>DocumentLibraryForm</Display>
-  <Edit>DocumentLibraryForm</Edit>
-  <New>DocumentLibraryForm</New>
-</FormTemplates>
-</file>
-
-<file path=customXml/item3.xml><?xml version="1.0" encoding="utf-8"?>
 <ct:contentTypeSchema xmlns:ct="http://schemas.microsoft.com/office/2006/metadata/contentType" xmlns:ma="http://schemas.microsoft.com/office/2006/metadata/properties/metaAttributes" ct:_="" ma:_="" ma:contentTypeName="Document" ma:contentTypeID="0x0101006485FDDAC6B575409C31AC848C388A85" ma:contentTypeVersion="" ma:contentTypeDescription="Een nieuw document maken." ma:contentTypeScope="" ma:versionID="af1196157f6ce1f05c24b0f61ce6f714">
   <xsd:schema xmlns:xsd="http://www.w3.org/2001/XMLSchema" xmlns:xs="http://www.w3.org/2001/XMLSchema" xmlns:p="http://schemas.microsoft.com/office/2006/metadata/properties" targetNamespace="http://schemas.microsoft.com/office/2006/metadata/properties" ma:root="true" ma:fieldsID="ded2a6fdfcb71de048e140027f1bc31d">
     <xsd:element name="properties">
@@ -9660,17 +9981,33 @@
 </ct:contentTypeSchema>
 </file>
 
+<file path=customXml/item2.xml><?xml version="1.0" encoding="utf-8"?>
+<?mso-contentType ?>
+<FormTemplates xmlns="http://schemas.microsoft.com/sharepoint/v3/contenttype/forms">
+  <Display>DocumentLibraryForm</Display>
+  <Edit>DocumentLibraryForm</Edit>
+  <New>DocumentLibraryForm</New>
+</FormTemplates>
+</file>
+
+<file path=customXml/item3.xml><?xml version="1.0" encoding="utf-8"?>
+<p:properties xmlns:p="http://schemas.microsoft.com/office/2006/metadata/properties" xmlns:xsi="http://www.w3.org/2001/XMLSchema-instance" xmlns:pc="http://schemas.microsoft.com/office/infopath/2007/PartnerControls">
+  <documentManagement/>
+</p:properties>
+</file>
+
 <file path=customXml/itemProps1.xml><?xml version="1.0" encoding="utf-8"?>
-<ds:datastoreItem xmlns:ds="http://schemas.openxmlformats.org/officeDocument/2006/customXml" ds:itemID="{04AF6CB7-2A18-4264-AB21-4901BBA09C44}">
+<ds:datastoreItem xmlns:ds="http://schemas.openxmlformats.org/officeDocument/2006/customXml" ds:itemID="{61CD111F-BAB6-4F2E-9651-10398B145E62}">
   <ds:schemaRefs>
-    <ds:schemaRef ds:uri="http://purl.org/dc/dcmitype/"/>
+    <ds:schemaRef ds:uri="http://schemas.microsoft.com/office/2006/metadata/contentType"/>
+    <ds:schemaRef ds:uri="http://schemas.microsoft.com/office/2006/metadata/properties/metaAttributes"/>
+    <ds:schemaRef ds:uri="http://www.w3.org/2001/XMLSchema"/>
+    <ds:schemaRef ds:uri="http://schemas.microsoft.com/office/2006/metadata/properties"/>
+    <ds:schemaRef ds:uri="http://schemas.openxmlformats.org/package/2006/metadata/core-properties"/>
+    <ds:schemaRef ds:uri="http://purl.org/dc/elements/1.1/"/>
+    <ds:schemaRef ds:uri="http://purl.org/dc/terms/"/>
+    <ds:schemaRef ds:uri="http://schemas.microsoft.com/internal/obd"/>
     <ds:schemaRef ds:uri="http://schemas.microsoft.com/office/infopath/2007/PartnerControls"/>
-    <ds:schemaRef ds:uri="http://purl.org/dc/elements/1.1/"/>
-    <ds:schemaRef ds:uri="http://schemas.microsoft.com/office/2006/metadata/properties"/>
-    <ds:schemaRef ds:uri="http://schemas.microsoft.com/office/2006/documentManagement/types"/>
-    <ds:schemaRef ds:uri="http://purl.org/dc/terms/"/>
-    <ds:schemaRef ds:uri="http://schemas.openxmlformats.org/package/2006/metadata/core-properties"/>
-    <ds:schemaRef ds:uri="http://www.w3.org/XML/1998/namespace"/>
   </ds:schemaRefs>
 </ds:datastoreItem>
 </file>
@@ -9684,17 +10021,16 @@
 </file>
 
 <file path=customXml/itemProps3.xml><?xml version="1.0" encoding="utf-8"?>
-<ds:datastoreItem xmlns:ds="http://schemas.openxmlformats.org/officeDocument/2006/customXml" ds:itemID="{61CD111F-BAB6-4F2E-9651-10398B145E62}">
+<ds:datastoreItem xmlns:ds="http://schemas.openxmlformats.org/officeDocument/2006/customXml" ds:itemID="{04AF6CB7-2A18-4264-AB21-4901BBA09C44}">
   <ds:schemaRefs>
-    <ds:schemaRef ds:uri="http://schemas.microsoft.com/office/2006/metadata/contentType"/>
-    <ds:schemaRef ds:uri="http://schemas.microsoft.com/office/2006/metadata/properties/metaAttributes"/>
-    <ds:schemaRef ds:uri="http://www.w3.org/2001/XMLSchema"/>
+    <ds:schemaRef ds:uri="http://purl.org/dc/dcmitype/"/>
+    <ds:schemaRef ds:uri="http://schemas.microsoft.com/office/infopath/2007/PartnerControls"/>
+    <ds:schemaRef ds:uri="http://purl.org/dc/elements/1.1/"/>
     <ds:schemaRef ds:uri="http://schemas.microsoft.com/office/2006/metadata/properties"/>
+    <ds:schemaRef ds:uri="http://schemas.microsoft.com/office/2006/documentManagement/types"/>
+    <ds:schemaRef ds:uri="http://purl.org/dc/terms/"/>
     <ds:schemaRef ds:uri="http://schemas.openxmlformats.org/package/2006/metadata/core-properties"/>
-    <ds:schemaRef ds:uri="http://purl.org/dc/elements/1.1/"/>
-    <ds:schemaRef ds:uri="http://purl.org/dc/terms/"/>
-    <ds:schemaRef ds:uri="http://schemas.microsoft.com/internal/obd"/>
-    <ds:schemaRef ds:uri="http://schemas.microsoft.com/office/infopath/2007/PartnerControls"/>
+    <ds:schemaRef ds:uri="http://www.w3.org/XML/1998/namespace"/>
   </ds:schemaRefs>
 </ds:datastoreItem>
 </file>
--- a/presentatie - 19 april.pptx
+++ b/presentatie - 19 april.pptx
@@ -253,7 +253,7 @@
           <a:p>
             <a:fld id="{86680C0C-85DF-417F-8238-DB0D15743621}" type="datetimeFigureOut">
               <a:rPr lang="en-GB" smtClean="0"/>
-              <a:t>11/04/2020</a:t>
+              <a:t>13/04/2020</a:t>
             </a:fld>
             <a:endParaRPr lang="en-GB"/>
           </a:p>
@@ -628,6 +628,949 @@
 </p:notes>
 </file>
 
+<file path=ppt/notesSlides/notesSlide10.xml><?xml version="1.0" encoding="utf-8"?>
+<p:notes xmlns:a="http://schemas.openxmlformats.org/drawingml/2006/main" xmlns:r="http://schemas.openxmlformats.org/officeDocument/2006/relationships" xmlns:p="http://schemas.openxmlformats.org/presentationml/2006/main">
+  <p:cSld>
+    <p:spTree>
+      <p:nvGrpSpPr>
+        <p:cNvPr id="1" name=""/>
+        <p:cNvGrpSpPr/>
+        <p:nvPr/>
+      </p:nvGrpSpPr>
+      <p:grpSpPr>
+        <a:xfrm>
+          <a:off x="0" y="0"/>
+          <a:ext cx="0" cy="0"/>
+          <a:chOff x="0" y="0"/>
+          <a:chExt cx="0" cy="0"/>
+        </a:xfrm>
+      </p:grpSpPr>
+      <p:sp>
+        <p:nvSpPr>
+          <p:cNvPr id="2" name="Tijdelijke aanduiding voor dia-afbeelding 1"/>
+          <p:cNvSpPr>
+            <a:spLocks noGrp="1" noRot="1" noChangeAspect="1"/>
+          </p:cNvSpPr>
+          <p:nvPr>
+            <p:ph type="sldImg"/>
+          </p:nvPr>
+        </p:nvSpPr>
+        <p:spPr/>
+      </p:sp>
+      <p:sp>
+        <p:nvSpPr>
+          <p:cNvPr id="3" name="Tijdelijke aanduiding voor notities 2"/>
+          <p:cNvSpPr>
+            <a:spLocks noGrp="1"/>
+          </p:cNvSpPr>
+          <p:nvPr>
+            <p:ph type="body" idx="1"/>
+          </p:nvPr>
+        </p:nvSpPr>
+        <p:spPr/>
+        <p:txBody>
+          <a:bodyPr/>
+          <a:lstStyle/>
+          <a:p>
+            <a:r>
+              <a:rPr lang="nl-BE" dirty="0"/>
+              <a:t>Door gebruik te maken van verschillende machine </a:t>
+            </a:r>
+            <a:r>
+              <a:rPr lang="nl-BE" dirty="0" err="1"/>
+              <a:t>learning</a:t>
+            </a:r>
+            <a:r>
+              <a:rPr lang="nl-BE" dirty="0"/>
+              <a:t> algoritmes kunnen bewegingen herkend worden uit de bekomen data. Deze moet echter wel eerst nog </a:t>
+            </a:r>
+            <a:r>
+              <a:rPr lang="nl-BE" dirty="0" err="1"/>
+              <a:t>gepreprocessed</a:t>
+            </a:r>
+            <a:r>
+              <a:rPr lang="nl-BE" dirty="0"/>
+              <a:t> worden. </a:t>
+            </a:r>
+            <a:r>
+              <a:rPr lang="nl-BE" dirty="0" err="1"/>
+              <a:t>Duplicate</a:t>
+            </a:r>
+            <a:r>
+              <a:rPr lang="nl-BE" dirty="0"/>
+              <a:t> samples moeten eruit gefilterd worden, alle data moet van het juiste type zijn..</a:t>
+            </a:r>
+          </a:p>
+          <a:p>
+            <a:r>
+              <a:rPr lang="nl-BE" dirty="0"/>
+              <a:t>Ook zal aan elk sample een klasse moeten toegekend worden zodat de gebruikte algoritmes hieruit kunnen leren.</a:t>
+            </a:r>
+          </a:p>
+          <a:p>
+            <a:r>
+              <a:rPr lang="nl-BE" dirty="0"/>
+              <a:t>De samples zullen ook moeten opgedeeld worden in segmenten. 1 enkel </a:t>
+            </a:r>
+            <a:r>
+              <a:rPr lang="nl-BE" dirty="0" err="1"/>
+              <a:t>accelerometer</a:t>
+            </a:r>
+            <a:r>
+              <a:rPr lang="nl-BE" dirty="0"/>
+              <a:t> data punt is namelijk te weinig om een verloop in te herkennen.</a:t>
+            </a:r>
+          </a:p>
+        </p:txBody>
+      </p:sp>
+      <p:sp>
+        <p:nvSpPr>
+          <p:cNvPr id="4" name="Tijdelijke aanduiding voor dianummer 3"/>
+          <p:cNvSpPr>
+            <a:spLocks noGrp="1"/>
+          </p:cNvSpPr>
+          <p:nvPr>
+            <p:ph type="sldNum" sz="quarter" idx="5"/>
+          </p:nvPr>
+        </p:nvSpPr>
+        <p:spPr/>
+        <p:txBody>
+          <a:bodyPr/>
+          <a:lstStyle/>
+          <a:p>
+            <a:fld id="{539A0A48-EDB1-4AFE-B1B7-10CE2A416496}" type="slidenum">
+              <a:rPr lang="en-GB" smtClean="0"/>
+              <a:t>11</a:t>
+            </a:fld>
+            <a:endParaRPr lang="en-GB"/>
+          </a:p>
+        </p:txBody>
+      </p:sp>
+    </p:spTree>
+    <p:extLst>
+      <p:ext uri="{BB962C8B-B14F-4D97-AF65-F5344CB8AC3E}">
+        <p14:creationId xmlns:p14="http://schemas.microsoft.com/office/powerpoint/2010/main" val="1648805966"/>
+      </p:ext>
+    </p:extLst>
+  </p:cSld>
+  <p:clrMapOvr>
+    <a:masterClrMapping/>
+  </p:clrMapOvr>
+</p:notes>
+</file>
+
+<file path=ppt/notesSlides/notesSlide11.xml><?xml version="1.0" encoding="utf-8"?>
+<p:notes xmlns:a="http://schemas.openxmlformats.org/drawingml/2006/main" xmlns:r="http://schemas.openxmlformats.org/officeDocument/2006/relationships" xmlns:p="http://schemas.openxmlformats.org/presentationml/2006/main">
+  <p:cSld>
+    <p:spTree>
+      <p:nvGrpSpPr>
+        <p:cNvPr id="1" name=""/>
+        <p:cNvGrpSpPr/>
+        <p:nvPr/>
+      </p:nvGrpSpPr>
+      <p:grpSpPr>
+        <a:xfrm>
+          <a:off x="0" y="0"/>
+          <a:ext cx="0" cy="0"/>
+          <a:chOff x="0" y="0"/>
+          <a:chExt cx="0" cy="0"/>
+        </a:xfrm>
+      </p:grpSpPr>
+      <p:sp>
+        <p:nvSpPr>
+          <p:cNvPr id="2" name="Tijdelijke aanduiding voor dia-afbeelding 1"/>
+          <p:cNvSpPr>
+            <a:spLocks noGrp="1" noRot="1" noChangeAspect="1"/>
+          </p:cNvSpPr>
+          <p:nvPr>
+            <p:ph type="sldImg"/>
+          </p:nvPr>
+        </p:nvSpPr>
+        <p:spPr/>
+      </p:sp>
+      <p:sp>
+        <p:nvSpPr>
+          <p:cNvPr id="3" name="Tijdelijke aanduiding voor notities 2"/>
+          <p:cNvSpPr>
+            <a:spLocks noGrp="1"/>
+          </p:cNvSpPr>
+          <p:nvPr>
+            <p:ph type="body" idx="1"/>
+          </p:nvPr>
+        </p:nvSpPr>
+        <p:spPr/>
+        <p:txBody>
+          <a:bodyPr/>
+          <a:lstStyle/>
+          <a:p>
+            <a:r>
+              <a:rPr lang="nl-BE" dirty="0"/>
+              <a:t>De gebruikte algoritmes zijn de volgende. Deze zullen elk op een verschillende manier samples toekennen aan een bepaalde klasse op basis van de data waarop getraind werd. Sommige van deze algoritmes vereisen meer input dan enkel de versnellingsvector op zich. Zaken zoals de energie inhoud van het signaal kunnen helpen om de segmenten van elkaar te onderscheiden.  </a:t>
+            </a:r>
+          </a:p>
+          <a:p>
+            <a:r>
+              <a:rPr lang="nl-BE" dirty="0"/>
+              <a:t>Een neuraal netwerk is zo gebouwd zodat deze bijkomende data zelf kan geleerd worden.</a:t>
+            </a:r>
+          </a:p>
+        </p:txBody>
+      </p:sp>
+      <p:sp>
+        <p:nvSpPr>
+          <p:cNvPr id="4" name="Tijdelijke aanduiding voor dianummer 3"/>
+          <p:cNvSpPr>
+            <a:spLocks noGrp="1"/>
+          </p:cNvSpPr>
+          <p:nvPr>
+            <p:ph type="sldNum" sz="quarter" idx="5"/>
+          </p:nvPr>
+        </p:nvSpPr>
+        <p:spPr/>
+        <p:txBody>
+          <a:bodyPr/>
+          <a:lstStyle/>
+          <a:p>
+            <a:fld id="{539A0A48-EDB1-4AFE-B1B7-10CE2A416496}" type="slidenum">
+              <a:rPr lang="en-GB" smtClean="0"/>
+              <a:t>12</a:t>
+            </a:fld>
+            <a:endParaRPr lang="en-GB"/>
+          </a:p>
+        </p:txBody>
+      </p:sp>
+    </p:spTree>
+    <p:extLst>
+      <p:ext uri="{BB962C8B-B14F-4D97-AF65-F5344CB8AC3E}">
+        <p14:creationId xmlns:p14="http://schemas.microsoft.com/office/powerpoint/2010/main" val="723607773"/>
+      </p:ext>
+    </p:extLst>
+  </p:cSld>
+  <p:clrMapOvr>
+    <a:masterClrMapping/>
+  </p:clrMapOvr>
+</p:notes>
+</file>
+
+<file path=ppt/notesSlides/notesSlide12.xml><?xml version="1.0" encoding="utf-8"?>
+<p:notes xmlns:a="http://schemas.openxmlformats.org/drawingml/2006/main" xmlns:r="http://schemas.openxmlformats.org/officeDocument/2006/relationships" xmlns:p="http://schemas.openxmlformats.org/presentationml/2006/main">
+  <p:cSld>
+    <p:spTree>
+      <p:nvGrpSpPr>
+        <p:cNvPr id="1" name=""/>
+        <p:cNvGrpSpPr/>
+        <p:nvPr/>
+      </p:nvGrpSpPr>
+      <p:grpSpPr>
+        <a:xfrm>
+          <a:off x="0" y="0"/>
+          <a:ext cx="0" cy="0"/>
+          <a:chOff x="0" y="0"/>
+          <a:chExt cx="0" cy="0"/>
+        </a:xfrm>
+      </p:grpSpPr>
+      <p:sp>
+        <p:nvSpPr>
+          <p:cNvPr id="2" name="Tijdelijke aanduiding voor dia-afbeelding 1"/>
+          <p:cNvSpPr>
+            <a:spLocks noGrp="1" noRot="1" noChangeAspect="1"/>
+          </p:cNvSpPr>
+          <p:nvPr>
+            <p:ph type="sldImg"/>
+          </p:nvPr>
+        </p:nvSpPr>
+        <p:spPr/>
+      </p:sp>
+      <p:sp>
+        <p:nvSpPr>
+          <p:cNvPr id="3" name="Tijdelijke aanduiding voor notities 2"/>
+          <p:cNvSpPr>
+            <a:spLocks noGrp="1"/>
+          </p:cNvSpPr>
+          <p:nvPr>
+            <p:ph type="body" idx="1"/>
+          </p:nvPr>
+        </p:nvSpPr>
+        <p:spPr/>
+        <p:txBody>
+          <a:bodyPr/>
+          <a:lstStyle/>
+          <a:p>
+            <a:r>
+              <a:rPr lang="nl-BE" dirty="0"/>
+              <a:t>Het is essentieel dat er genoeg variatie aanwezig is in de dataset. Er is namelijk een verschil in positionering van de assen bij dragen van de smartwatch op de rechter of </a:t>
+            </a:r>
+            <a:r>
+              <a:rPr lang="nl-BE" dirty="0" err="1"/>
+              <a:t>linkerpols</a:t>
+            </a:r>
+            <a:r>
+              <a:rPr lang="nl-BE" dirty="0"/>
+              <a:t>. Om ervoor te zorgen dat het model beide herkend moeten beide aanwezig zijn. Ook is er een verschil in data bij veranderen van draairichting. De sprong is echter nog steeds hetzelfde, dus ook deze data moet aanwezig zijn. </a:t>
+            </a:r>
+          </a:p>
+          <a:p>
+            <a:r>
+              <a:rPr lang="nl-BE" dirty="0"/>
+              <a:t>De forward en backward 180 sprongen hebben een andere onderscheid. Indien de forward 180 uitgevoerd wordt in de andere draairichting bekomen we de backward 180 en omgekeerd. Er is echter een ander verschil: het draaien kan in 2 richtingen gebeuren.</a:t>
+            </a:r>
+          </a:p>
+        </p:txBody>
+      </p:sp>
+      <p:sp>
+        <p:nvSpPr>
+          <p:cNvPr id="4" name="Tijdelijke aanduiding voor dianummer 3"/>
+          <p:cNvSpPr>
+            <a:spLocks noGrp="1"/>
+          </p:cNvSpPr>
+          <p:nvPr>
+            <p:ph type="sldNum" sz="quarter" idx="5"/>
+          </p:nvPr>
+        </p:nvSpPr>
+        <p:spPr/>
+        <p:txBody>
+          <a:bodyPr/>
+          <a:lstStyle/>
+          <a:p>
+            <a:fld id="{539A0A48-EDB1-4AFE-B1B7-10CE2A416496}" type="slidenum">
+              <a:rPr lang="en-GB" smtClean="0"/>
+              <a:t>13</a:t>
+            </a:fld>
+            <a:endParaRPr lang="en-GB"/>
+          </a:p>
+        </p:txBody>
+      </p:sp>
+    </p:spTree>
+    <p:extLst>
+      <p:ext uri="{BB962C8B-B14F-4D97-AF65-F5344CB8AC3E}">
+        <p14:creationId xmlns:p14="http://schemas.microsoft.com/office/powerpoint/2010/main" val="1033066917"/>
+      </p:ext>
+    </p:extLst>
+  </p:cSld>
+  <p:clrMapOvr>
+    <a:masterClrMapping/>
+  </p:clrMapOvr>
+</p:notes>
+</file>
+
+<file path=ppt/notesSlides/notesSlide13.xml><?xml version="1.0" encoding="utf-8"?>
+<p:notes xmlns:a="http://schemas.openxmlformats.org/drawingml/2006/main" xmlns:r="http://schemas.openxmlformats.org/officeDocument/2006/relationships" xmlns:p="http://schemas.openxmlformats.org/presentationml/2006/main">
+  <p:cSld>
+    <p:spTree>
+      <p:nvGrpSpPr>
+        <p:cNvPr id="1" name=""/>
+        <p:cNvGrpSpPr/>
+        <p:nvPr/>
+      </p:nvGrpSpPr>
+      <p:grpSpPr>
+        <a:xfrm>
+          <a:off x="0" y="0"/>
+          <a:ext cx="0" cy="0"/>
+          <a:chOff x="0" y="0"/>
+          <a:chExt cx="0" cy="0"/>
+        </a:xfrm>
+      </p:grpSpPr>
+      <p:sp>
+        <p:nvSpPr>
+          <p:cNvPr id="2" name="Tijdelijke aanduiding voor dia-afbeelding 1"/>
+          <p:cNvSpPr>
+            <a:spLocks noGrp="1" noRot="1" noChangeAspect="1"/>
+          </p:cNvSpPr>
+          <p:nvPr>
+            <p:ph type="sldImg"/>
+          </p:nvPr>
+        </p:nvSpPr>
+        <p:spPr/>
+      </p:sp>
+      <p:sp>
+        <p:nvSpPr>
+          <p:cNvPr id="3" name="Tijdelijke aanduiding voor notities 2"/>
+          <p:cNvSpPr>
+            <a:spLocks noGrp="1"/>
+          </p:cNvSpPr>
+          <p:nvPr>
+            <p:ph type="body" idx="1"/>
+          </p:nvPr>
+        </p:nvSpPr>
+        <p:spPr/>
+        <p:txBody>
+          <a:bodyPr/>
+          <a:lstStyle/>
+          <a:p>
+            <a:r>
+              <a:rPr lang="nl-BE" dirty="0"/>
+              <a:t>Het is de bedoeling dat gebruik makend van </a:t>
+            </a:r>
+            <a:r>
+              <a:rPr lang="nl-BE" dirty="0" err="1"/>
+              <a:t>rope</a:t>
+            </a:r>
+            <a:r>
+              <a:rPr lang="nl-BE" dirty="0"/>
+              <a:t> skipping de gezondheid kan geoptimaliseerd worden. Dit door persoonlijke aanbevelingen te geven.</a:t>
+            </a:r>
+          </a:p>
+        </p:txBody>
+      </p:sp>
+      <p:sp>
+        <p:nvSpPr>
+          <p:cNvPr id="4" name="Tijdelijke aanduiding voor dianummer 3"/>
+          <p:cNvSpPr>
+            <a:spLocks noGrp="1"/>
+          </p:cNvSpPr>
+          <p:nvPr>
+            <p:ph type="sldNum" sz="quarter" idx="5"/>
+          </p:nvPr>
+        </p:nvSpPr>
+        <p:spPr/>
+        <p:txBody>
+          <a:bodyPr/>
+          <a:lstStyle/>
+          <a:p>
+            <a:fld id="{539A0A48-EDB1-4AFE-B1B7-10CE2A416496}" type="slidenum">
+              <a:rPr lang="en-GB" smtClean="0"/>
+              <a:t>14</a:t>
+            </a:fld>
+            <a:endParaRPr lang="en-GB"/>
+          </a:p>
+        </p:txBody>
+      </p:sp>
+    </p:spTree>
+    <p:extLst>
+      <p:ext uri="{BB962C8B-B14F-4D97-AF65-F5344CB8AC3E}">
+        <p14:creationId xmlns:p14="http://schemas.microsoft.com/office/powerpoint/2010/main" val="2556906017"/>
+      </p:ext>
+    </p:extLst>
+  </p:cSld>
+  <p:clrMapOvr>
+    <a:masterClrMapping/>
+  </p:clrMapOvr>
+</p:notes>
+</file>
+
+<file path=ppt/notesSlides/notesSlide14.xml><?xml version="1.0" encoding="utf-8"?>
+<p:notes xmlns:a="http://schemas.openxmlformats.org/drawingml/2006/main" xmlns:r="http://schemas.openxmlformats.org/officeDocument/2006/relationships" xmlns:p="http://schemas.openxmlformats.org/presentationml/2006/main">
+  <p:cSld>
+    <p:spTree>
+      <p:nvGrpSpPr>
+        <p:cNvPr id="1" name=""/>
+        <p:cNvGrpSpPr/>
+        <p:nvPr/>
+      </p:nvGrpSpPr>
+      <p:grpSpPr>
+        <a:xfrm>
+          <a:off x="0" y="0"/>
+          <a:ext cx="0" cy="0"/>
+          <a:chOff x="0" y="0"/>
+          <a:chExt cx="0" cy="0"/>
+        </a:xfrm>
+      </p:grpSpPr>
+      <p:sp>
+        <p:nvSpPr>
+          <p:cNvPr id="2" name="Tijdelijke aanduiding voor dia-afbeelding 1"/>
+          <p:cNvSpPr>
+            <a:spLocks noGrp="1" noRot="1" noChangeAspect="1"/>
+          </p:cNvSpPr>
+          <p:nvPr>
+            <p:ph type="sldImg"/>
+          </p:nvPr>
+        </p:nvSpPr>
+        <p:spPr/>
+      </p:sp>
+      <p:sp>
+        <p:nvSpPr>
+          <p:cNvPr id="3" name="Tijdelijke aanduiding voor notities 2"/>
+          <p:cNvSpPr>
+            <a:spLocks noGrp="1"/>
+          </p:cNvSpPr>
+          <p:nvPr>
+            <p:ph type="body" idx="1"/>
+          </p:nvPr>
+        </p:nvSpPr>
+        <p:spPr/>
+        <p:txBody>
+          <a:bodyPr/>
+          <a:lstStyle/>
+          <a:p>
+            <a:r>
+              <a:rPr lang="nl-BE" dirty="0"/>
+              <a:t>De gebruiker kan vanop de smartwatch of smartphone een sessie starten waarin hij/zij verschillende </a:t>
+            </a:r>
+            <a:r>
+              <a:rPr lang="nl-BE" dirty="0" err="1"/>
+              <a:t>rope</a:t>
+            </a:r>
+            <a:r>
+              <a:rPr lang="nl-BE" dirty="0"/>
+              <a:t> skipping bewegingen </a:t>
+            </a:r>
+            <a:r>
+              <a:rPr lang="nl-BE" dirty="0" err="1"/>
+              <a:t>uitvoerd</a:t>
+            </a:r>
+            <a:r>
+              <a:rPr lang="nl-BE" dirty="0"/>
+              <a:t>. Er wordt ook weer gebruik gemaakt van bluetooth. Op de smartphone zal dan via het getrainde machine </a:t>
+            </a:r>
+            <a:r>
+              <a:rPr lang="nl-BE" dirty="0" err="1"/>
+              <a:t>learning</a:t>
+            </a:r>
+            <a:r>
+              <a:rPr lang="nl-BE" dirty="0"/>
+              <a:t> model nagegaan worden welke sprongen gedaan werden en wanneer. Ook zal het inspanningsniveau berekend worden. Hierover later meer.</a:t>
+            </a:r>
+          </a:p>
+        </p:txBody>
+      </p:sp>
+      <p:sp>
+        <p:nvSpPr>
+          <p:cNvPr id="4" name="Tijdelijke aanduiding voor dianummer 3"/>
+          <p:cNvSpPr>
+            <a:spLocks noGrp="1"/>
+          </p:cNvSpPr>
+          <p:nvPr>
+            <p:ph type="sldNum" sz="quarter" idx="5"/>
+          </p:nvPr>
+        </p:nvSpPr>
+        <p:spPr/>
+        <p:txBody>
+          <a:bodyPr/>
+          <a:lstStyle/>
+          <a:p>
+            <a:fld id="{539A0A48-EDB1-4AFE-B1B7-10CE2A416496}" type="slidenum">
+              <a:rPr lang="en-GB" smtClean="0"/>
+              <a:t>15</a:t>
+            </a:fld>
+            <a:endParaRPr lang="en-GB"/>
+          </a:p>
+        </p:txBody>
+      </p:sp>
+    </p:spTree>
+    <p:extLst>
+      <p:ext uri="{BB962C8B-B14F-4D97-AF65-F5344CB8AC3E}">
+        <p14:creationId xmlns:p14="http://schemas.microsoft.com/office/powerpoint/2010/main" val="1669104353"/>
+      </p:ext>
+    </p:extLst>
+  </p:cSld>
+  <p:clrMapOvr>
+    <a:masterClrMapping/>
+  </p:clrMapOvr>
+</p:notes>
+</file>
+
+<file path=ppt/notesSlides/notesSlide15.xml><?xml version="1.0" encoding="utf-8"?>
+<p:notes xmlns:a="http://schemas.openxmlformats.org/drawingml/2006/main" xmlns:r="http://schemas.openxmlformats.org/officeDocument/2006/relationships" xmlns:p="http://schemas.openxmlformats.org/presentationml/2006/main">
+  <p:cSld>
+    <p:spTree>
+      <p:nvGrpSpPr>
+        <p:cNvPr id="1" name=""/>
+        <p:cNvGrpSpPr/>
+        <p:nvPr/>
+      </p:nvGrpSpPr>
+      <p:grpSpPr>
+        <a:xfrm>
+          <a:off x="0" y="0"/>
+          <a:ext cx="0" cy="0"/>
+          <a:chOff x="0" y="0"/>
+          <a:chExt cx="0" cy="0"/>
+        </a:xfrm>
+      </p:grpSpPr>
+      <p:sp>
+        <p:nvSpPr>
+          <p:cNvPr id="2" name="Tijdelijke aanduiding voor dia-afbeelding 1"/>
+          <p:cNvSpPr>
+            <a:spLocks noGrp="1" noRot="1" noChangeAspect="1"/>
+          </p:cNvSpPr>
+          <p:nvPr>
+            <p:ph type="sldImg"/>
+          </p:nvPr>
+        </p:nvSpPr>
+        <p:spPr/>
+      </p:sp>
+      <p:sp>
+        <p:nvSpPr>
+          <p:cNvPr id="3" name="Tijdelijke aanduiding voor notities 2"/>
+          <p:cNvSpPr>
+            <a:spLocks noGrp="1"/>
+          </p:cNvSpPr>
+          <p:nvPr>
+            <p:ph type="body" idx="1"/>
+          </p:nvPr>
+        </p:nvSpPr>
+        <p:spPr/>
+        <p:txBody>
+          <a:bodyPr/>
+          <a:lstStyle/>
+          <a:p>
+            <a:r>
+              <a:rPr lang="nl-BE" dirty="0"/>
+              <a:t>Uit de binnengekomen data worden het aantal draaiingen berekend door telkens te kijken naar het aantal periodes. Ook zal gemeld worden wanneer een fout zich plaatsvindt. Het machine </a:t>
+            </a:r>
+            <a:r>
+              <a:rPr lang="nl-BE" dirty="0" err="1"/>
+              <a:t>learning</a:t>
+            </a:r>
+            <a:r>
+              <a:rPr lang="nl-BE" dirty="0"/>
+              <a:t> model wordt ook hierop getraind. Hierdoor weet men waar nog verbetering mogelijk is.</a:t>
+            </a:r>
+          </a:p>
+        </p:txBody>
+      </p:sp>
+      <p:sp>
+        <p:nvSpPr>
+          <p:cNvPr id="4" name="Tijdelijke aanduiding voor dianummer 3"/>
+          <p:cNvSpPr>
+            <a:spLocks noGrp="1"/>
+          </p:cNvSpPr>
+          <p:nvPr>
+            <p:ph type="sldNum" sz="quarter" idx="5"/>
+          </p:nvPr>
+        </p:nvSpPr>
+        <p:spPr/>
+        <p:txBody>
+          <a:bodyPr/>
+          <a:lstStyle/>
+          <a:p>
+            <a:fld id="{539A0A48-EDB1-4AFE-B1B7-10CE2A416496}" type="slidenum">
+              <a:rPr lang="en-GB" smtClean="0"/>
+              <a:t>16</a:t>
+            </a:fld>
+            <a:endParaRPr lang="en-GB"/>
+          </a:p>
+        </p:txBody>
+      </p:sp>
+    </p:spTree>
+    <p:extLst>
+      <p:ext uri="{BB962C8B-B14F-4D97-AF65-F5344CB8AC3E}">
+        <p14:creationId xmlns:p14="http://schemas.microsoft.com/office/powerpoint/2010/main" val="1797594430"/>
+      </p:ext>
+    </p:extLst>
+  </p:cSld>
+  <p:clrMapOvr>
+    <a:masterClrMapping/>
+  </p:clrMapOvr>
+</p:notes>
+</file>
+
+<file path=ppt/notesSlides/notesSlide16.xml><?xml version="1.0" encoding="utf-8"?>
+<p:notes xmlns:a="http://schemas.openxmlformats.org/drawingml/2006/main" xmlns:r="http://schemas.openxmlformats.org/officeDocument/2006/relationships" xmlns:p="http://schemas.openxmlformats.org/presentationml/2006/main">
+  <p:cSld>
+    <p:spTree>
+      <p:nvGrpSpPr>
+        <p:cNvPr id="1" name=""/>
+        <p:cNvGrpSpPr/>
+        <p:nvPr/>
+      </p:nvGrpSpPr>
+      <p:grpSpPr>
+        <a:xfrm>
+          <a:off x="0" y="0"/>
+          <a:ext cx="0" cy="0"/>
+          <a:chOff x="0" y="0"/>
+          <a:chExt cx="0" cy="0"/>
+        </a:xfrm>
+      </p:grpSpPr>
+      <p:sp>
+        <p:nvSpPr>
+          <p:cNvPr id="2" name="Tijdelijke aanduiding voor dia-afbeelding 1"/>
+          <p:cNvSpPr>
+            <a:spLocks noGrp="1" noRot="1" noChangeAspect="1"/>
+          </p:cNvSpPr>
+          <p:nvPr>
+            <p:ph type="sldImg"/>
+          </p:nvPr>
+        </p:nvSpPr>
+        <p:spPr/>
+      </p:sp>
+      <p:sp>
+        <p:nvSpPr>
+          <p:cNvPr id="3" name="Tijdelijke aanduiding voor notities 2"/>
+          <p:cNvSpPr>
+            <a:spLocks noGrp="1"/>
+          </p:cNvSpPr>
+          <p:nvPr>
+            <p:ph type="body" idx="1"/>
+          </p:nvPr>
+        </p:nvSpPr>
+        <p:spPr/>
+        <p:txBody>
+          <a:bodyPr/>
+          <a:lstStyle/>
+          <a:p>
+            <a:r>
+              <a:rPr lang="nl-BE" dirty="0"/>
+              <a:t>Vanuit de bekomen statistieken zullen persoonlijke aanbevelingen gegeven worden. Hierbij wordt data van 10 weken terug bekeken alsook de gemiddelde duur en het aantal sessies waarin deze werd beoefent van een sprong. Door de gemiddelde duur kan gezien worden hoe graag de persoon deze </a:t>
+            </a:r>
+            <a:r>
+              <a:rPr lang="nl-BE" dirty="0" err="1"/>
+              <a:t>uitoefend</a:t>
+            </a:r>
+            <a:r>
+              <a:rPr lang="nl-BE" dirty="0"/>
+              <a:t>. Indien veel fouten gemaakt werden zal ook hier rekening </a:t>
+            </a:r>
+            <a:r>
+              <a:rPr lang="nl-BE" dirty="0" err="1"/>
+              <a:t>meegehouden</a:t>
+            </a:r>
+            <a:r>
+              <a:rPr lang="nl-BE" dirty="0"/>
+              <a:t> worden. </a:t>
+            </a:r>
+          </a:p>
+        </p:txBody>
+      </p:sp>
+      <p:sp>
+        <p:nvSpPr>
+          <p:cNvPr id="4" name="Tijdelijke aanduiding voor dianummer 3"/>
+          <p:cNvSpPr>
+            <a:spLocks noGrp="1"/>
+          </p:cNvSpPr>
+          <p:nvPr>
+            <p:ph type="sldNum" sz="quarter" idx="5"/>
+          </p:nvPr>
+        </p:nvSpPr>
+        <p:spPr/>
+        <p:txBody>
+          <a:bodyPr/>
+          <a:lstStyle/>
+          <a:p>
+            <a:fld id="{539A0A48-EDB1-4AFE-B1B7-10CE2A416496}" type="slidenum">
+              <a:rPr lang="en-GB" smtClean="0"/>
+              <a:t>17</a:t>
+            </a:fld>
+            <a:endParaRPr lang="en-GB"/>
+          </a:p>
+        </p:txBody>
+      </p:sp>
+    </p:spTree>
+    <p:extLst>
+      <p:ext uri="{BB962C8B-B14F-4D97-AF65-F5344CB8AC3E}">
+        <p14:creationId xmlns:p14="http://schemas.microsoft.com/office/powerpoint/2010/main" val="4256095670"/>
+      </p:ext>
+    </p:extLst>
+  </p:cSld>
+  <p:clrMapOvr>
+    <a:masterClrMapping/>
+  </p:clrMapOvr>
+</p:notes>
+</file>
+
+<file path=ppt/notesSlides/notesSlide17.xml><?xml version="1.0" encoding="utf-8"?>
+<p:notes xmlns:a="http://schemas.openxmlformats.org/drawingml/2006/main" xmlns:r="http://schemas.openxmlformats.org/officeDocument/2006/relationships" xmlns:p="http://schemas.openxmlformats.org/presentationml/2006/main">
+  <p:cSld>
+    <p:spTree>
+      <p:nvGrpSpPr>
+        <p:cNvPr id="1" name=""/>
+        <p:cNvGrpSpPr/>
+        <p:nvPr/>
+      </p:nvGrpSpPr>
+      <p:grpSpPr>
+        <a:xfrm>
+          <a:off x="0" y="0"/>
+          <a:ext cx="0" cy="0"/>
+          <a:chOff x="0" y="0"/>
+          <a:chExt cx="0" cy="0"/>
+        </a:xfrm>
+      </p:grpSpPr>
+      <p:sp>
+        <p:nvSpPr>
+          <p:cNvPr id="2" name="Tijdelijke aanduiding voor dia-afbeelding 1"/>
+          <p:cNvSpPr>
+            <a:spLocks noGrp="1" noRot="1" noChangeAspect="1"/>
+          </p:cNvSpPr>
+          <p:nvPr>
+            <p:ph type="sldImg"/>
+          </p:nvPr>
+        </p:nvSpPr>
+        <p:spPr/>
+      </p:sp>
+      <p:sp>
+        <p:nvSpPr>
+          <p:cNvPr id="3" name="Tijdelijke aanduiding voor notities 2"/>
+          <p:cNvSpPr>
+            <a:spLocks noGrp="1"/>
+          </p:cNvSpPr>
+          <p:nvPr>
+            <p:ph type="body" idx="1"/>
+          </p:nvPr>
+        </p:nvSpPr>
+        <p:spPr/>
+        <p:txBody>
+          <a:bodyPr/>
+          <a:lstStyle/>
+          <a:p>
+            <a:r>
+              <a:rPr lang="nl-BE" dirty="0"/>
+              <a:t>Het inspanningsniveau tijdens een activiteit wordt berekend aan de hand van </a:t>
+            </a:r>
+            <a:r>
+              <a:rPr lang="nl-BE" dirty="0" err="1"/>
+              <a:t>METs</a:t>
+            </a:r>
+            <a:r>
+              <a:rPr lang="nl-BE" dirty="0"/>
+              <a:t>. Hierbij zal gebaseerd op de hartslag bepaald worden hoe intens de activiteit ervaren wordt.</a:t>
+            </a:r>
+          </a:p>
+        </p:txBody>
+      </p:sp>
+      <p:sp>
+        <p:nvSpPr>
+          <p:cNvPr id="4" name="Tijdelijke aanduiding voor dianummer 3"/>
+          <p:cNvSpPr>
+            <a:spLocks noGrp="1"/>
+          </p:cNvSpPr>
+          <p:nvPr>
+            <p:ph type="sldNum" sz="quarter" idx="5"/>
+          </p:nvPr>
+        </p:nvSpPr>
+        <p:spPr/>
+        <p:txBody>
+          <a:bodyPr/>
+          <a:lstStyle/>
+          <a:p>
+            <a:fld id="{539A0A48-EDB1-4AFE-B1B7-10CE2A416496}" type="slidenum">
+              <a:rPr lang="en-GB" smtClean="0"/>
+              <a:t>18</a:t>
+            </a:fld>
+            <a:endParaRPr lang="en-GB"/>
+          </a:p>
+        </p:txBody>
+      </p:sp>
+    </p:spTree>
+    <p:extLst>
+      <p:ext uri="{BB962C8B-B14F-4D97-AF65-F5344CB8AC3E}">
+        <p14:creationId xmlns:p14="http://schemas.microsoft.com/office/powerpoint/2010/main" val="2262970028"/>
+      </p:ext>
+    </p:extLst>
+  </p:cSld>
+  <p:clrMapOvr>
+    <a:masterClrMapping/>
+  </p:clrMapOvr>
+</p:notes>
+</file>
+
+<file path=ppt/notesSlides/notesSlide18.xml><?xml version="1.0" encoding="utf-8"?>
+<p:notes xmlns:a="http://schemas.openxmlformats.org/drawingml/2006/main" xmlns:r="http://schemas.openxmlformats.org/officeDocument/2006/relationships" xmlns:p="http://schemas.openxmlformats.org/presentationml/2006/main">
+  <p:cSld>
+    <p:spTree>
+      <p:nvGrpSpPr>
+        <p:cNvPr id="1" name=""/>
+        <p:cNvGrpSpPr/>
+        <p:nvPr/>
+      </p:nvGrpSpPr>
+      <p:grpSpPr>
+        <a:xfrm>
+          <a:off x="0" y="0"/>
+          <a:ext cx="0" cy="0"/>
+          <a:chOff x="0" y="0"/>
+          <a:chExt cx="0" cy="0"/>
+        </a:xfrm>
+      </p:grpSpPr>
+      <p:sp>
+        <p:nvSpPr>
+          <p:cNvPr id="2" name="Tijdelijke aanduiding voor dia-afbeelding 1"/>
+          <p:cNvSpPr>
+            <a:spLocks noGrp="1" noRot="1" noChangeAspect="1"/>
+          </p:cNvSpPr>
+          <p:nvPr>
+            <p:ph type="sldImg"/>
+          </p:nvPr>
+        </p:nvSpPr>
+        <p:spPr/>
+      </p:sp>
+      <p:sp>
+        <p:nvSpPr>
+          <p:cNvPr id="3" name="Tijdelijke aanduiding voor notities 2"/>
+          <p:cNvSpPr>
+            <a:spLocks noGrp="1"/>
+          </p:cNvSpPr>
+          <p:nvPr>
+            <p:ph type="body" idx="1"/>
+          </p:nvPr>
+        </p:nvSpPr>
+        <p:spPr/>
+        <p:txBody>
+          <a:bodyPr/>
+          <a:lstStyle/>
+          <a:p>
+            <a:r>
+              <a:rPr lang="nl-BE" dirty="0"/>
+              <a:t>De applicatie is context </a:t>
+            </a:r>
+            <a:r>
+              <a:rPr lang="nl-BE" dirty="0" err="1"/>
+              <a:t>aware</a:t>
+            </a:r>
+            <a:r>
+              <a:rPr lang="nl-BE" dirty="0"/>
+              <a:t> doordat aanbevelingen gegeven worden wanneer de gebruiker te lang stilzit. Ook is er een </a:t>
+            </a:r>
+            <a:r>
+              <a:rPr lang="nl-BE" dirty="0" err="1"/>
+              <a:t>snooze</a:t>
+            </a:r>
+            <a:r>
+              <a:rPr lang="nl-BE" dirty="0"/>
+              <a:t> functionaliteit. Door te leren uit de tijdstippen waarop </a:t>
+            </a:r>
+            <a:r>
+              <a:rPr lang="nl-BE" dirty="0" err="1"/>
+              <a:t>gesnoozed</a:t>
+            </a:r>
+            <a:r>
+              <a:rPr lang="nl-BE" dirty="0"/>
+              <a:t> wordt zal het systeem uiteindelijk correct getimede aanbevelingen geven. Ook zal er bij een te hoge hartslag een melding gegeven worden. Dit zorgt ervoor dat de </a:t>
+            </a:r>
+            <a:r>
+              <a:rPr lang="nl-BE" dirty="0" err="1"/>
+              <a:t>gruiker</a:t>
+            </a:r>
+            <a:r>
+              <a:rPr lang="nl-BE" dirty="0"/>
+              <a:t> niet over zijn limiet gaat.</a:t>
+            </a:r>
+          </a:p>
+        </p:txBody>
+      </p:sp>
+      <p:sp>
+        <p:nvSpPr>
+          <p:cNvPr id="4" name="Tijdelijke aanduiding voor dianummer 3"/>
+          <p:cNvSpPr>
+            <a:spLocks noGrp="1"/>
+          </p:cNvSpPr>
+          <p:nvPr>
+            <p:ph type="sldNum" sz="quarter" idx="5"/>
+          </p:nvPr>
+        </p:nvSpPr>
+        <p:spPr/>
+        <p:txBody>
+          <a:bodyPr/>
+          <a:lstStyle/>
+          <a:p>
+            <a:fld id="{539A0A48-EDB1-4AFE-B1B7-10CE2A416496}" type="slidenum">
+              <a:rPr lang="en-GB" smtClean="0"/>
+              <a:t>19</a:t>
+            </a:fld>
+            <a:endParaRPr lang="en-GB"/>
+          </a:p>
+        </p:txBody>
+      </p:sp>
+    </p:spTree>
+    <p:extLst>
+      <p:ext uri="{BB962C8B-B14F-4D97-AF65-F5344CB8AC3E}">
+        <p14:creationId xmlns:p14="http://schemas.microsoft.com/office/powerpoint/2010/main" val="1642469291"/>
+      </p:ext>
+    </p:extLst>
+  </p:cSld>
+  <p:clrMapOvr>
+    <a:masterClrMapping/>
+  </p:clrMapOvr>
+</p:notes>
+</file>
+
 <file path=ppt/notesSlides/notesSlide2.xml><?xml version="1.0" encoding="utf-8"?>
 <p:notes xmlns:a="http://schemas.openxmlformats.org/drawingml/2006/main" xmlns:r="http://schemas.openxmlformats.org/officeDocument/2006/relationships" xmlns:p="http://schemas.openxmlformats.org/presentationml/2006/main">
   <p:cSld>
@@ -1005,7 +1948,10 @@
           <a:bodyPr/>
           <a:lstStyle/>
           <a:p>
-            <a:endParaRPr lang="nl-BE" dirty="0"/>
+            <a:r>
+              <a:rPr lang="nl-BE" dirty="0"/>
+              <a:t>De side swing beweging wordt gedaan door het touw langs beide kanten van het lichaam te bewegen in een draaiende beweging. Deze beweging wordt vaak gedaan als overgang tussen 2 andere. </a:t>
+            </a:r>
           </a:p>
         </p:txBody>
       </p:sp>
@@ -1036,6 +1982,386 @@
     <p:extLst>
       <p:ext uri="{BB962C8B-B14F-4D97-AF65-F5344CB8AC3E}">
         <p14:creationId xmlns:p14="http://schemas.microsoft.com/office/powerpoint/2010/main" val="2093842284"/>
+      </p:ext>
+    </p:extLst>
+  </p:cSld>
+  <p:clrMapOvr>
+    <a:masterClrMapping/>
+  </p:clrMapOvr>
+</p:notes>
+</file>
+
+<file path=ppt/notesSlides/notesSlide6.xml><?xml version="1.0" encoding="utf-8"?>
+<p:notes xmlns:a="http://schemas.openxmlformats.org/drawingml/2006/main" xmlns:r="http://schemas.openxmlformats.org/officeDocument/2006/relationships" xmlns:p="http://schemas.openxmlformats.org/presentationml/2006/main">
+  <p:cSld>
+    <p:spTree>
+      <p:nvGrpSpPr>
+        <p:cNvPr id="1" name=""/>
+        <p:cNvGrpSpPr/>
+        <p:nvPr/>
+      </p:nvGrpSpPr>
+      <p:grpSpPr>
+        <a:xfrm>
+          <a:off x="0" y="0"/>
+          <a:ext cx="0" cy="0"/>
+          <a:chOff x="0" y="0"/>
+          <a:chExt cx="0" cy="0"/>
+        </a:xfrm>
+      </p:grpSpPr>
+      <p:sp>
+        <p:nvSpPr>
+          <p:cNvPr id="2" name="Tijdelijke aanduiding voor dia-afbeelding 1"/>
+          <p:cNvSpPr>
+            <a:spLocks noGrp="1" noRot="1" noChangeAspect="1"/>
+          </p:cNvSpPr>
+          <p:nvPr>
+            <p:ph type="sldImg"/>
+          </p:nvPr>
+        </p:nvSpPr>
+        <p:spPr/>
+      </p:sp>
+      <p:sp>
+        <p:nvSpPr>
+          <p:cNvPr id="3" name="Tijdelijke aanduiding voor notities 2"/>
+          <p:cNvSpPr>
+            <a:spLocks noGrp="1"/>
+          </p:cNvSpPr>
+          <p:nvPr>
+            <p:ph type="body" idx="1"/>
+          </p:nvPr>
+        </p:nvSpPr>
+        <p:spPr/>
+        <p:txBody>
+          <a:bodyPr/>
+          <a:lstStyle/>
+          <a:p>
+            <a:r>
+              <a:rPr lang="nl-BE" dirty="0"/>
+              <a:t>Forward 180 is een andere overgangsbeweging. Hierbij zal de springer via een halve side swing zichzelf en het touw 180 graden draaien. Bij de forward 180 wordt begonnen met een voorwaartse sprong en eindigt men met een achterwaartse sprong.</a:t>
+            </a:r>
+          </a:p>
+        </p:txBody>
+      </p:sp>
+      <p:sp>
+        <p:nvSpPr>
+          <p:cNvPr id="4" name="Tijdelijke aanduiding voor dianummer 3"/>
+          <p:cNvSpPr>
+            <a:spLocks noGrp="1"/>
+          </p:cNvSpPr>
+          <p:nvPr>
+            <p:ph type="sldNum" sz="quarter" idx="5"/>
+          </p:nvPr>
+        </p:nvSpPr>
+        <p:spPr/>
+        <p:txBody>
+          <a:bodyPr/>
+          <a:lstStyle/>
+          <a:p>
+            <a:fld id="{539A0A48-EDB1-4AFE-B1B7-10CE2A416496}" type="slidenum">
+              <a:rPr lang="en-GB" smtClean="0"/>
+              <a:t>7</a:t>
+            </a:fld>
+            <a:endParaRPr lang="en-GB"/>
+          </a:p>
+        </p:txBody>
+      </p:sp>
+    </p:spTree>
+    <p:extLst>
+      <p:ext uri="{BB962C8B-B14F-4D97-AF65-F5344CB8AC3E}">
+        <p14:creationId xmlns:p14="http://schemas.microsoft.com/office/powerpoint/2010/main" val="679308774"/>
+      </p:ext>
+    </p:extLst>
+  </p:cSld>
+  <p:clrMapOvr>
+    <a:masterClrMapping/>
+  </p:clrMapOvr>
+</p:notes>
+</file>
+
+<file path=ppt/notesSlides/notesSlide7.xml><?xml version="1.0" encoding="utf-8"?>
+<p:notes xmlns:a="http://schemas.openxmlformats.org/drawingml/2006/main" xmlns:r="http://schemas.openxmlformats.org/officeDocument/2006/relationships" xmlns:p="http://schemas.openxmlformats.org/presentationml/2006/main">
+  <p:cSld>
+    <p:spTree>
+      <p:nvGrpSpPr>
+        <p:cNvPr id="1" name=""/>
+        <p:cNvGrpSpPr/>
+        <p:nvPr/>
+      </p:nvGrpSpPr>
+      <p:grpSpPr>
+        <a:xfrm>
+          <a:off x="0" y="0"/>
+          <a:ext cx="0" cy="0"/>
+          <a:chOff x="0" y="0"/>
+          <a:chExt cx="0" cy="0"/>
+        </a:xfrm>
+      </p:grpSpPr>
+      <p:sp>
+        <p:nvSpPr>
+          <p:cNvPr id="2" name="Tijdelijke aanduiding voor dia-afbeelding 1"/>
+          <p:cNvSpPr>
+            <a:spLocks noGrp="1" noRot="1" noChangeAspect="1"/>
+          </p:cNvSpPr>
+          <p:nvPr>
+            <p:ph type="sldImg"/>
+          </p:nvPr>
+        </p:nvSpPr>
+        <p:spPr/>
+      </p:sp>
+      <p:sp>
+        <p:nvSpPr>
+          <p:cNvPr id="3" name="Tijdelijke aanduiding voor notities 2"/>
+          <p:cNvSpPr>
+            <a:spLocks noGrp="1"/>
+          </p:cNvSpPr>
+          <p:nvPr>
+            <p:ph type="body" idx="1"/>
+          </p:nvPr>
+        </p:nvSpPr>
+        <p:spPr/>
+        <p:txBody>
+          <a:bodyPr/>
+          <a:lstStyle/>
+          <a:p>
+            <a:r>
+              <a:rPr lang="nl-BE" dirty="0"/>
+              <a:t>De backward 180 is hetzelfde principe als de forward variant. Alleen zal nu begonnen worden met achterwaarts springen. De verplaatsing van het touw gebeurd ook op een andere manier. De overgang is niet meer een halve side swing, maar de springer zal wanneer het touw voor hem in de lucht komt zichzelf en het touw 180 graden draaien waarna de richting van springen wordt omgekeerd.</a:t>
+            </a:r>
+          </a:p>
+        </p:txBody>
+      </p:sp>
+      <p:sp>
+        <p:nvSpPr>
+          <p:cNvPr id="4" name="Tijdelijke aanduiding voor dianummer 3"/>
+          <p:cNvSpPr>
+            <a:spLocks noGrp="1"/>
+          </p:cNvSpPr>
+          <p:nvPr>
+            <p:ph type="sldNum" sz="quarter" idx="5"/>
+          </p:nvPr>
+        </p:nvSpPr>
+        <p:spPr/>
+        <p:txBody>
+          <a:bodyPr/>
+          <a:lstStyle/>
+          <a:p>
+            <a:fld id="{539A0A48-EDB1-4AFE-B1B7-10CE2A416496}" type="slidenum">
+              <a:rPr lang="en-GB" smtClean="0"/>
+              <a:t>8</a:t>
+            </a:fld>
+            <a:endParaRPr lang="en-GB"/>
+          </a:p>
+        </p:txBody>
+      </p:sp>
+    </p:spTree>
+    <p:extLst>
+      <p:ext uri="{BB962C8B-B14F-4D97-AF65-F5344CB8AC3E}">
+        <p14:creationId xmlns:p14="http://schemas.microsoft.com/office/powerpoint/2010/main" val="2178409182"/>
+      </p:ext>
+    </p:extLst>
+  </p:cSld>
+  <p:clrMapOvr>
+    <a:masterClrMapping/>
+  </p:clrMapOvr>
+</p:notes>
+</file>
+
+<file path=ppt/notesSlides/notesSlide8.xml><?xml version="1.0" encoding="utf-8"?>
+<p:notes xmlns:a="http://schemas.openxmlformats.org/drawingml/2006/main" xmlns:r="http://schemas.openxmlformats.org/officeDocument/2006/relationships" xmlns:p="http://schemas.openxmlformats.org/presentationml/2006/main">
+  <p:cSld>
+    <p:spTree>
+      <p:nvGrpSpPr>
+        <p:cNvPr id="1" name=""/>
+        <p:cNvGrpSpPr/>
+        <p:nvPr/>
+      </p:nvGrpSpPr>
+      <p:grpSpPr>
+        <a:xfrm>
+          <a:off x="0" y="0"/>
+          <a:ext cx="0" cy="0"/>
+          <a:chOff x="0" y="0"/>
+          <a:chExt cx="0" cy="0"/>
+        </a:xfrm>
+      </p:grpSpPr>
+      <p:sp>
+        <p:nvSpPr>
+          <p:cNvPr id="2" name="Tijdelijke aanduiding voor dia-afbeelding 1"/>
+          <p:cNvSpPr>
+            <a:spLocks noGrp="1" noRot="1" noChangeAspect="1"/>
+          </p:cNvSpPr>
+          <p:nvPr>
+            <p:ph type="sldImg"/>
+          </p:nvPr>
+        </p:nvSpPr>
+        <p:spPr/>
+      </p:sp>
+      <p:sp>
+        <p:nvSpPr>
+          <p:cNvPr id="3" name="Tijdelijke aanduiding voor notities 2"/>
+          <p:cNvSpPr>
+            <a:spLocks noGrp="1"/>
+          </p:cNvSpPr>
+          <p:nvPr>
+            <p:ph type="body" idx="1"/>
+          </p:nvPr>
+        </p:nvSpPr>
+        <p:spPr/>
+        <p:txBody>
+          <a:bodyPr/>
+          <a:lstStyle/>
+          <a:p>
+            <a:r>
+              <a:rPr lang="nl-BE" dirty="0"/>
+              <a:t>De bestaande applicatie voor de gebruikte smartwatch laten jammer genoeg niet toe om onbewerkte </a:t>
+            </a:r>
+            <a:r>
+              <a:rPr lang="nl-BE" dirty="0" err="1"/>
+              <a:t>accelerometer</a:t>
+            </a:r>
+            <a:r>
+              <a:rPr lang="nl-BE" dirty="0"/>
+              <a:t> data te downloaden. Daarom werd een eigen applicatie ontworpen.</a:t>
+            </a:r>
+          </a:p>
+        </p:txBody>
+      </p:sp>
+      <p:sp>
+        <p:nvSpPr>
+          <p:cNvPr id="4" name="Tijdelijke aanduiding voor dianummer 3"/>
+          <p:cNvSpPr>
+            <a:spLocks noGrp="1"/>
+          </p:cNvSpPr>
+          <p:nvPr>
+            <p:ph type="sldNum" sz="quarter" idx="5"/>
+          </p:nvPr>
+        </p:nvSpPr>
+        <p:spPr/>
+        <p:txBody>
+          <a:bodyPr/>
+          <a:lstStyle/>
+          <a:p>
+            <a:fld id="{539A0A48-EDB1-4AFE-B1B7-10CE2A416496}" type="slidenum">
+              <a:rPr lang="en-GB" smtClean="0"/>
+              <a:t>9</a:t>
+            </a:fld>
+            <a:endParaRPr lang="en-GB"/>
+          </a:p>
+        </p:txBody>
+      </p:sp>
+    </p:spTree>
+    <p:extLst>
+      <p:ext uri="{BB962C8B-B14F-4D97-AF65-F5344CB8AC3E}">
+        <p14:creationId xmlns:p14="http://schemas.microsoft.com/office/powerpoint/2010/main" val="1303449039"/>
+      </p:ext>
+    </p:extLst>
+  </p:cSld>
+  <p:clrMapOvr>
+    <a:masterClrMapping/>
+  </p:clrMapOvr>
+</p:notes>
+</file>
+
+<file path=ppt/notesSlides/notesSlide9.xml><?xml version="1.0" encoding="utf-8"?>
+<p:notes xmlns:a="http://schemas.openxmlformats.org/drawingml/2006/main" xmlns:r="http://schemas.openxmlformats.org/officeDocument/2006/relationships" xmlns:p="http://schemas.openxmlformats.org/presentationml/2006/main">
+  <p:cSld>
+    <p:spTree>
+      <p:nvGrpSpPr>
+        <p:cNvPr id="1" name=""/>
+        <p:cNvGrpSpPr/>
+        <p:nvPr/>
+      </p:nvGrpSpPr>
+      <p:grpSpPr>
+        <a:xfrm>
+          <a:off x="0" y="0"/>
+          <a:ext cx="0" cy="0"/>
+          <a:chOff x="0" y="0"/>
+          <a:chExt cx="0" cy="0"/>
+        </a:xfrm>
+      </p:grpSpPr>
+      <p:sp>
+        <p:nvSpPr>
+          <p:cNvPr id="2" name="Tijdelijke aanduiding voor dia-afbeelding 1"/>
+          <p:cNvSpPr>
+            <a:spLocks noGrp="1" noRot="1" noChangeAspect="1"/>
+          </p:cNvSpPr>
+          <p:nvPr>
+            <p:ph type="sldImg"/>
+          </p:nvPr>
+        </p:nvSpPr>
+        <p:spPr/>
+      </p:sp>
+      <p:sp>
+        <p:nvSpPr>
+          <p:cNvPr id="3" name="Tijdelijke aanduiding voor notities 2"/>
+          <p:cNvSpPr>
+            <a:spLocks noGrp="1"/>
+          </p:cNvSpPr>
+          <p:nvPr>
+            <p:ph type="body" idx="1"/>
+          </p:nvPr>
+        </p:nvSpPr>
+        <p:spPr/>
+        <p:txBody>
+          <a:bodyPr/>
+          <a:lstStyle/>
+          <a:p>
+            <a:r>
+              <a:rPr lang="nl-BE" dirty="0"/>
+              <a:t>Via een bluetooth verbinding zullen de binnenkomende sensorsamples telkens verstuurd worden naar de gekoppelde smartphone. Hierop wordt een </a:t>
+            </a:r>
+            <a:r>
+              <a:rPr lang="nl-BE" dirty="0" err="1"/>
+              <a:t>csv</a:t>
+            </a:r>
+            <a:r>
+              <a:rPr lang="nl-BE" dirty="0"/>
+              <a:t> file aangemaakt waarin de x, y en </a:t>
+            </a:r>
+            <a:r>
+              <a:rPr lang="nl-BE" dirty="0" err="1"/>
+              <a:t>z</a:t>
+            </a:r>
+            <a:r>
+              <a:rPr lang="nl-BE" dirty="0"/>
+              <a:t> </a:t>
+            </a:r>
+            <a:r>
+              <a:rPr lang="nl-BE" dirty="0" err="1"/>
+              <a:t>coordinaat</a:t>
+            </a:r>
+            <a:r>
+              <a:rPr lang="nl-BE" dirty="0"/>
+              <a:t> van de versnellingsvector samen met het tijdstip van de meting in opgeslagen worden.</a:t>
+            </a:r>
+          </a:p>
+        </p:txBody>
+      </p:sp>
+      <p:sp>
+        <p:nvSpPr>
+          <p:cNvPr id="4" name="Tijdelijke aanduiding voor dianummer 3"/>
+          <p:cNvSpPr>
+            <a:spLocks noGrp="1"/>
+          </p:cNvSpPr>
+          <p:nvPr>
+            <p:ph type="sldNum" sz="quarter" idx="5"/>
+          </p:nvPr>
+        </p:nvSpPr>
+        <p:spPr/>
+        <p:txBody>
+          <a:bodyPr/>
+          <a:lstStyle/>
+          <a:p>
+            <a:fld id="{539A0A48-EDB1-4AFE-B1B7-10CE2A416496}" type="slidenum">
+              <a:rPr lang="en-GB" smtClean="0"/>
+              <a:t>10</a:t>
+            </a:fld>
+            <a:endParaRPr lang="en-GB"/>
+          </a:p>
+        </p:txBody>
+      </p:sp>
+    </p:spTree>
+    <p:extLst>
+      <p:ext uri="{BB962C8B-B14F-4D97-AF65-F5344CB8AC3E}">
+        <p14:creationId xmlns:p14="http://schemas.microsoft.com/office/powerpoint/2010/main" val="2924407510"/>
       </p:ext>
     </p:extLst>
   </p:cSld>
@@ -1079,7 +2405,7 @@
           <a:p>
             <a:fld id="{5A24147F-ED97-47AF-A1B3-C82A179CF7F3}" type="datetime1">
               <a:rPr lang="nl-NL" smtClean="0"/>
-              <a:t>11-4-2020</a:t>
+              <a:t>13-4-2020</a:t>
             </a:fld>
             <a:endParaRPr lang="en-GB"/>
           </a:p>
@@ -2037,7 +3363,7 @@
           <a:p>
             <a:fld id="{25470885-0B31-4E06-AE71-7E16801F2838}" type="datetime1">
               <a:rPr lang="nl-BE" noProof="0" smtClean="0"/>
-              <a:t>11/04/2020</a:t>
+              <a:t>13/04/2020</a:t>
             </a:fld>
             <a:endParaRPr lang="nl-BE" noProof="0" dirty="0"/>
           </a:p>
@@ -2155,7 +3481,7 @@
           <a:p>
             <a:fld id="{E7410F60-8C93-4C37-B51A-4DDAE36F7E9B}" type="datetime1">
               <a:rPr lang="nl-BE" noProof="0" smtClean="0"/>
-              <a:t>11/04/2020</a:t>
+              <a:t>13/04/2020</a:t>
             </a:fld>
             <a:endParaRPr lang="nl-BE" noProof="0" dirty="0"/>
           </a:p>
@@ -2434,7 +3760,7 @@
           <a:p>
             <a:fld id="{656594B6-17DF-4759-A7A5-128AFEA77F2C}" type="datetime1">
               <a:rPr lang="nl-BE" noProof="0" smtClean="0"/>
-              <a:t>11/04/2020</a:t>
+              <a:t>13/04/2020</a:t>
             </a:fld>
             <a:endParaRPr lang="nl-BE" noProof="0" dirty="0"/>
           </a:p>
@@ -2575,7 +3901,7 @@
           <a:p>
             <a:fld id="{66A81384-1200-4D40-BEF0-3A17A1F906F4}" type="datetime1">
               <a:rPr lang="nl-NL" noProof="0" smtClean="0"/>
-              <a:t>11-4-2020</a:t>
+              <a:t>13-4-2020</a:t>
             </a:fld>
             <a:endParaRPr lang="nl-NL" noProof="0" dirty="0"/>
           </a:p>
@@ -3085,7 +4411,7 @@
           <a:p>
             <a:fld id="{66A81384-1200-4D40-BEF0-3A17A1F906F4}" type="datetime1">
               <a:rPr lang="nl-NL" noProof="0" smtClean="0"/>
-              <a:t>11-4-2020</a:t>
+              <a:t>13-4-2020</a:t>
             </a:fld>
             <a:endParaRPr lang="nl-NL" noProof="0" dirty="0"/>
           </a:p>
@@ -3371,7 +4697,7 @@
           <a:p>
             <a:fld id="{FA870D1A-A3AB-4E9F-892E-C45B5A80FDBF}" type="datetime1">
               <a:rPr lang="nl-BE" noProof="0" smtClean="0"/>
-              <a:t>11/04/2020</a:t>
+              <a:t>13/04/2020</a:t>
             </a:fld>
             <a:endParaRPr lang="nl-BE" noProof="0" dirty="0"/>
           </a:p>
@@ -4400,7 +5726,7 @@
           <p:nvPr/>
         </p:nvPicPr>
         <p:blipFill>
-          <a:blip r:embed="rId2">
+          <a:blip r:embed="rId3">
             <a:extLst>
               <a:ext uri="{28A0092B-C50C-407E-A947-70E740481C1C}">
                 <a14:useLocalDpi xmlns:a14="http://schemas.microsoft.com/office/drawing/2010/main" val="0"/>
@@ -4447,7 +5773,7 @@
           <p:nvPr/>
         </p:nvPicPr>
         <p:blipFill>
-          <a:blip r:embed="rId3">
+          <a:blip r:embed="rId4">
             <a:extLst>
               <a:ext uri="{28A0092B-C50C-407E-A947-70E740481C1C}">
                 <a14:useLocalDpi xmlns:a14="http://schemas.microsoft.com/office/drawing/2010/main" val="0"/>
@@ -4537,7 +5863,7 @@
           <p:nvPr/>
         </p:nvPicPr>
         <p:blipFill>
-          <a:blip r:embed="rId4" cstate="print">
+          <a:blip r:embed="rId5" cstate="print">
             <a:extLst>
               <a:ext uri="{28A0092B-C50C-407E-A947-70E740481C1C}">
                 <a14:useLocalDpi xmlns:a14="http://schemas.microsoft.com/office/drawing/2010/main" val="0"/>
@@ -4584,7 +5910,7 @@
           <p:nvPr/>
         </p:nvPicPr>
         <p:blipFill>
-          <a:blip r:embed="rId5">
+          <a:blip r:embed="rId6">
             <a:extLst>
               <a:ext uri="{28A0092B-C50C-407E-A947-70E740481C1C}">
                 <a14:useLocalDpi xmlns:a14="http://schemas.microsoft.com/office/drawing/2010/main" val="0"/>
@@ -5239,7 +6565,7 @@
           <p:nvPr/>
         </p:nvPicPr>
         <p:blipFill>
-          <a:blip r:embed="rId2">
+          <a:blip r:embed="rId3">
             <a:extLst>
               <a:ext uri="{28A0092B-C50C-407E-A947-70E740481C1C}">
                 <a14:useLocalDpi xmlns:a14="http://schemas.microsoft.com/office/drawing/2010/main" val="0"/>
@@ -5617,7 +6943,7 @@
           <p:nvPr/>
         </p:nvPicPr>
         <p:blipFill>
-          <a:blip r:embed="rId2">
+          <a:blip r:embed="rId3">
             <a:extLst>
               <a:ext uri="{28A0092B-C50C-407E-A947-70E740481C1C}">
                 <a14:useLocalDpi xmlns:a14="http://schemas.microsoft.com/office/drawing/2010/main" val="0"/>
@@ -5664,7 +6990,7 @@
           <p:nvPr/>
         </p:nvPicPr>
         <p:blipFill>
-          <a:blip r:embed="rId3">
+          <a:blip r:embed="rId4">
             <a:extLst>
               <a:ext uri="{28A0092B-C50C-407E-A947-70E740481C1C}">
                 <a14:useLocalDpi xmlns:a14="http://schemas.microsoft.com/office/drawing/2010/main" val="0"/>
@@ -5754,7 +7080,7 @@
           <p:nvPr/>
         </p:nvPicPr>
         <p:blipFill>
-          <a:blip r:embed="rId4" cstate="print">
+          <a:blip r:embed="rId5" cstate="print">
             <a:extLst>
               <a:ext uri="{28A0092B-C50C-407E-A947-70E740481C1C}">
                 <a14:useLocalDpi xmlns:a14="http://schemas.microsoft.com/office/drawing/2010/main" val="0"/>
@@ -6123,7 +7449,7 @@
             </a:pPr>
             <a:r>
               <a:rPr lang="nl-BE" sz="3200" dirty="0"/>
-              <a:t>Activiteiten van 10 weken terug</a:t>
+              <a:t>10 weken </a:t>
             </a:r>
           </a:p>
           <a:p>
@@ -6162,7 +7488,7 @@
             </a:pPr>
             <a:r>
               <a:rPr lang="nl-BE" sz="3200" dirty="0"/>
-              <a:t>Fouten tijdens </a:t>
+              <a:t>Fouten </a:t>
             </a:r>
           </a:p>
         </p:txBody>
@@ -8864,7 +10190,7 @@
           <p:nvPr/>
         </p:nvPicPr>
         <p:blipFill>
-          <a:blip r:embed="rId2">
+          <a:blip r:embed="rId3">
             <a:extLst>
               <a:ext uri="{28A0092B-C50C-407E-A947-70E740481C1C}">
                 <a14:useLocalDpi xmlns:a14="http://schemas.microsoft.com/office/drawing/2010/main" val="0"/>
@@ -8900,7 +10226,7 @@
           <p:nvPr/>
         </p:nvPicPr>
         <p:blipFill>
-          <a:blip r:embed="rId3">
+          <a:blip r:embed="rId4">
             <a:extLst>
               <a:ext uri="{28A0092B-C50C-407E-A947-70E740481C1C}">
                 <a14:useLocalDpi xmlns:a14="http://schemas.microsoft.com/office/drawing/2010/main" val="0"/>
@@ -9221,7 +10547,7 @@
           <p:nvPr/>
         </p:nvPicPr>
         <p:blipFill>
-          <a:blip r:embed="rId2">
+          <a:blip r:embed="rId3">
             <a:extLst>
               <a:ext uri="{28A0092B-C50C-407E-A947-70E740481C1C}">
                 <a14:useLocalDpi xmlns:a14="http://schemas.microsoft.com/office/drawing/2010/main" val="0"/>
@@ -9868,6 +11194,21 @@
 </file>
 
 <file path=customXml/item1.xml><?xml version="1.0" encoding="utf-8"?>
+<p:properties xmlns:p="http://schemas.microsoft.com/office/2006/metadata/properties" xmlns:xsi="http://www.w3.org/2001/XMLSchema-instance" xmlns:pc="http://schemas.microsoft.com/office/infopath/2007/PartnerControls">
+  <documentManagement/>
+</p:properties>
+</file>
+
+<file path=customXml/item2.xml><?xml version="1.0" encoding="utf-8"?>
+<?mso-contentType ?>
+<FormTemplates xmlns="http://schemas.microsoft.com/sharepoint/v3/contenttype/forms">
+  <Display>DocumentLibraryForm</Display>
+  <Edit>DocumentLibraryForm</Edit>
+  <New>DocumentLibraryForm</New>
+</FormTemplates>
+</file>
+
+<file path=customXml/item3.xml><?xml version="1.0" encoding="utf-8"?>
 <ct:contentTypeSchema xmlns:ct="http://schemas.microsoft.com/office/2006/metadata/contentType" xmlns:ma="http://schemas.microsoft.com/office/2006/metadata/properties/metaAttributes" ct:_="" ma:_="" ma:contentTypeName="Document" ma:contentTypeID="0x0101006485FDDAC6B575409C31AC848C388A85" ma:contentTypeVersion="" ma:contentTypeDescription="Een nieuw document maken." ma:contentTypeScope="" ma:versionID="af1196157f6ce1f05c24b0f61ce6f714">
   <xsd:schema xmlns:xsd="http://www.w3.org/2001/XMLSchema" xmlns:xs="http://www.w3.org/2001/XMLSchema" xmlns:p="http://schemas.microsoft.com/office/2006/metadata/properties" targetNamespace="http://schemas.microsoft.com/office/2006/metadata/properties" ma:root="true" ma:fieldsID="ded2a6fdfcb71de048e140027f1bc31d">
     <xsd:element name="properties">
@@ -9981,22 +11322,30 @@
 </ct:contentTypeSchema>
 </file>
 
-<file path=customXml/item2.xml><?xml version="1.0" encoding="utf-8"?>
-<?mso-contentType ?>
-<FormTemplates xmlns="http://schemas.microsoft.com/sharepoint/v3/contenttype/forms">
-  <Display>DocumentLibraryForm</Display>
-  <Edit>DocumentLibraryForm</Edit>
-  <New>DocumentLibraryForm</New>
-</FormTemplates>
+<file path=customXml/itemProps1.xml><?xml version="1.0" encoding="utf-8"?>
+<ds:datastoreItem xmlns:ds="http://schemas.openxmlformats.org/officeDocument/2006/customXml" ds:itemID="{04AF6CB7-2A18-4264-AB21-4901BBA09C44}">
+  <ds:schemaRefs>
+    <ds:schemaRef ds:uri="http://purl.org/dc/dcmitype/"/>
+    <ds:schemaRef ds:uri="http://schemas.microsoft.com/office/infopath/2007/PartnerControls"/>
+    <ds:schemaRef ds:uri="http://purl.org/dc/elements/1.1/"/>
+    <ds:schemaRef ds:uri="http://schemas.microsoft.com/office/2006/metadata/properties"/>
+    <ds:schemaRef ds:uri="http://schemas.microsoft.com/office/2006/documentManagement/types"/>
+    <ds:schemaRef ds:uri="http://purl.org/dc/terms/"/>
+    <ds:schemaRef ds:uri="http://schemas.openxmlformats.org/package/2006/metadata/core-properties"/>
+    <ds:schemaRef ds:uri="http://www.w3.org/XML/1998/namespace"/>
+  </ds:schemaRefs>
+</ds:datastoreItem>
 </file>
 
-<file path=customXml/item3.xml><?xml version="1.0" encoding="utf-8"?>
-<p:properties xmlns:p="http://schemas.microsoft.com/office/2006/metadata/properties" xmlns:xsi="http://www.w3.org/2001/XMLSchema-instance" xmlns:pc="http://schemas.microsoft.com/office/infopath/2007/PartnerControls">
-  <documentManagement/>
-</p:properties>
+<file path=customXml/itemProps2.xml><?xml version="1.0" encoding="utf-8"?>
+<ds:datastoreItem xmlns:ds="http://schemas.openxmlformats.org/officeDocument/2006/customXml" ds:itemID="{71D78EDA-9406-49B8-AD09-1141E1AE700B}">
+  <ds:schemaRefs>
+    <ds:schemaRef ds:uri="http://schemas.microsoft.com/sharepoint/v3/contenttype/forms"/>
+  </ds:schemaRefs>
+</ds:datastoreItem>
 </file>
 
-<file path=customXml/itemProps1.xml><?xml version="1.0" encoding="utf-8"?>
+<file path=customXml/itemProps3.xml><?xml version="1.0" encoding="utf-8"?>
 <ds:datastoreItem xmlns:ds="http://schemas.openxmlformats.org/officeDocument/2006/customXml" ds:itemID="{61CD111F-BAB6-4F2E-9651-10398B145E62}">
   <ds:schemaRefs>
     <ds:schemaRef ds:uri="http://schemas.microsoft.com/office/2006/metadata/contentType"/>
@@ -10010,27 +11359,4 @@
     <ds:schemaRef ds:uri="http://schemas.microsoft.com/office/infopath/2007/PartnerControls"/>
   </ds:schemaRefs>
 </ds:datastoreItem>
-</file>
-
-<file path=customXml/itemProps2.xml><?xml version="1.0" encoding="utf-8"?>
-<ds:datastoreItem xmlns:ds="http://schemas.openxmlformats.org/officeDocument/2006/customXml" ds:itemID="{71D78EDA-9406-49B8-AD09-1141E1AE700B}">
-  <ds:schemaRefs>
-    <ds:schemaRef ds:uri="http://schemas.microsoft.com/sharepoint/v3/contenttype/forms"/>
-  </ds:schemaRefs>
-</ds:datastoreItem>
-</file>
-
-<file path=customXml/itemProps3.xml><?xml version="1.0" encoding="utf-8"?>
-<ds:datastoreItem xmlns:ds="http://schemas.openxmlformats.org/officeDocument/2006/customXml" ds:itemID="{04AF6CB7-2A18-4264-AB21-4901BBA09C44}">
-  <ds:schemaRefs>
-    <ds:schemaRef ds:uri="http://purl.org/dc/dcmitype/"/>
-    <ds:schemaRef ds:uri="http://schemas.microsoft.com/office/infopath/2007/PartnerControls"/>
-    <ds:schemaRef ds:uri="http://purl.org/dc/elements/1.1/"/>
-    <ds:schemaRef ds:uri="http://schemas.microsoft.com/office/2006/metadata/properties"/>
-    <ds:schemaRef ds:uri="http://schemas.microsoft.com/office/2006/documentManagement/types"/>
-    <ds:schemaRef ds:uri="http://purl.org/dc/terms/"/>
-    <ds:schemaRef ds:uri="http://schemas.openxmlformats.org/package/2006/metadata/core-properties"/>
-    <ds:schemaRef ds:uri="http://www.w3.org/XML/1998/namespace"/>
-  </ds:schemaRefs>
-</ds:datastoreItem>
 </file>
--- a/presentatie - 19 april.pptx
+++ b/presentatie - 19 april.pptx
@@ -253,7 +253,7 @@
           <a:p>
             <a:fld id="{86680C0C-85DF-417F-8238-DB0D15743621}" type="datetimeFigureOut">
               <a:rPr lang="en-GB" smtClean="0"/>
-              <a:t>13/04/2020</a:t>
+              <a:t>15/04/2020</a:t>
             </a:fld>
             <a:endParaRPr lang="en-GB"/>
           </a:p>
@@ -573,7 +573,19 @@
           <a:p>
             <a:r>
               <a:rPr lang="nl-BE" dirty="0"/>
-              <a:t>Vele bestaande gezondheidsapplicatie doen dit door middel van het tellen van het aantal stappen of door sporten zoals lopen, fietsen.. aan te bevelen.</a:t>
+              <a:t>Vele bestaande gezondheidsapplicatie doen dit bijvoorbeeld door middel van het tellen van het aantal stappen of door sporten zoals lopen, fietsen.. aan te bevelen. </a:t>
+            </a:r>
+          </a:p>
+          <a:p>
+            <a:r>
+              <a:rPr lang="nl-BE" dirty="0"/>
+              <a:t>Vaak zijn deze aanbevelingen statisch en houden ze geen rekening met persoonlijke conditie van de gebruiker.</a:t>
+            </a:r>
+          </a:p>
+          <a:p>
+            <a:r>
+              <a:rPr lang="nl-BE" dirty="0"/>
+              <a:t>Iemand die geen sport gewend is moet je niet laten trainen op topniveau.</a:t>
             </a:r>
           </a:p>
           <a:p>
@@ -674,51 +686,31 @@
           <a:p>
             <a:r>
               <a:rPr lang="nl-BE" dirty="0"/>
-              <a:t>Door gebruik te maken van verschillende machine </a:t>
+              <a:t>Via een bluetooth verbinding zullen de binnenkomende sensorsamples telkens verstuurd worden naar de gekoppelde smartphone. Hierop wordt een </a:t>
             </a:r>
             <a:r>
               <a:rPr lang="nl-BE" dirty="0" err="1"/>
-              <a:t>learning</a:t>
+              <a:t>csv</a:t>
             </a:r>
             <a:r>
               <a:rPr lang="nl-BE" dirty="0"/>
-              <a:t> algoritmes kunnen bewegingen herkend worden uit de bekomen data. Deze moet echter wel eerst nog </a:t>
+              <a:t> file aangemaakt waarin de x, y en </a:t>
             </a:r>
             <a:r>
               <a:rPr lang="nl-BE" dirty="0" err="1"/>
-              <a:t>gepreprocessed</a:t>
+              <a:t>z</a:t>
             </a:r>
             <a:r>
               <a:rPr lang="nl-BE" dirty="0"/>
-              <a:t> worden. </a:t>
+              <a:t> </a:t>
             </a:r>
             <a:r>
               <a:rPr lang="nl-BE" dirty="0" err="1"/>
-              <a:t>Duplicate</a:t>
+              <a:t>coordinaat</a:t>
             </a:r>
             <a:r>
               <a:rPr lang="nl-BE" dirty="0"/>
-              <a:t> samples moeten eruit gefilterd worden, alle data moet van het juiste type zijn..</a:t>
-            </a:r>
-          </a:p>
-          <a:p>
-            <a:r>
-              <a:rPr lang="nl-BE" dirty="0"/>
-              <a:t>Ook zal aan elk sample een klasse moeten toegekend worden zodat de gebruikte algoritmes hieruit kunnen leren.</a:t>
-            </a:r>
-          </a:p>
-          <a:p>
-            <a:r>
-              <a:rPr lang="nl-BE" dirty="0"/>
-              <a:t>De samples zullen ook moeten opgedeeld worden in segmenten. 1 enkel </a:t>
-            </a:r>
-            <a:r>
-              <a:rPr lang="nl-BE" dirty="0" err="1"/>
-              <a:t>accelerometer</a:t>
-            </a:r>
-            <a:r>
-              <a:rPr lang="nl-BE" dirty="0"/>
-              <a:t> data punt is namelijk te weinig om een verloop in te herkennen.</a:t>
+              <a:t> van de versnellingsvector samen met het tijdstip van de meting in opgeslagen worden.</a:t>
             </a:r>
           </a:p>
         </p:txBody>
@@ -740,7 +732,7 @@
           <a:p>
             <a:fld id="{539A0A48-EDB1-4AFE-B1B7-10CE2A416496}" type="slidenum">
               <a:rPr lang="en-GB" smtClean="0"/>
-              <a:t>11</a:t>
+              <a:t>10</a:t>
             </a:fld>
             <a:endParaRPr lang="en-GB"/>
           </a:p>
@@ -749,7 +741,7 @@
     </p:spTree>
     <p:extLst>
       <p:ext uri="{BB962C8B-B14F-4D97-AF65-F5344CB8AC3E}">
-        <p14:creationId xmlns:p14="http://schemas.microsoft.com/office/powerpoint/2010/main" val="1648805966"/>
+        <p14:creationId xmlns:p14="http://schemas.microsoft.com/office/powerpoint/2010/main" val="2924407510"/>
       </p:ext>
     </p:extLst>
   </p:cSld>
@@ -805,13 +797,68 @@
           <a:p>
             <a:r>
               <a:rPr lang="nl-BE" dirty="0"/>
-              <a:t>De gebruikte algoritmes zijn de volgende. Deze zullen elk op een verschillende manier samples toekennen aan een bepaalde klasse op basis van de data waarop getraind werd. Sommige van deze algoritmes vereisen meer input dan enkel de versnellingsvector op zich. Zaken zoals de energie inhoud van het signaal kunnen helpen om de segmenten van elkaar te onderscheiden.  </a:t>
-            </a:r>
-          </a:p>
-          <a:p>
+              <a:t>Door gebruik te maken van verschillende machine </a:t>
+            </a:r>
+            <a:r>
+              <a:rPr lang="nl-BE" dirty="0" err="1"/>
+              <a:t>learning</a:t>
+            </a:r>
             <a:r>
               <a:rPr lang="nl-BE" dirty="0"/>
-              <a:t>Een neuraal netwerk is zo gebouwd zodat deze bijkomende data zelf kan geleerd worden.</a:t>
+              <a:t> algoritmes kunnen bewegingen herkend worden uit de bekomen data. </a:t>
+            </a:r>
+          </a:p>
+          <a:p>
+            <a:r>
+              <a:rPr lang="nl-BE" dirty="0"/>
+              <a:t>Deze moet echter wel eerst nog </a:t>
+            </a:r>
+            <a:r>
+              <a:rPr lang="nl-BE" dirty="0" err="1"/>
+              <a:t>gepreprocessed</a:t>
+            </a:r>
+            <a:r>
+              <a:rPr lang="nl-BE" dirty="0"/>
+              <a:t> worden: </a:t>
+            </a:r>
+            <a:r>
+              <a:rPr lang="nl-BE" dirty="0" err="1"/>
+              <a:t>duplicate</a:t>
+            </a:r>
+            <a:r>
+              <a:rPr lang="nl-BE" dirty="0"/>
+              <a:t> samples moeten eruit gefilterd worden, alle data moet van het juiste type zijn..</a:t>
+            </a:r>
+          </a:p>
+          <a:p>
+            <a:endParaRPr lang="nl-BE" dirty="0"/>
+          </a:p>
+          <a:p>
+            <a:r>
+              <a:rPr lang="nl-BE" dirty="0"/>
+              <a:t>Ook zal aan elk sample een klasse moeten toegekend worden zodat de gebruikte algoritmes hieruit kunnen leren. De </a:t>
+            </a:r>
+            <a:r>
+              <a:rPr lang="nl-BE" dirty="0" err="1"/>
+              <a:t>klasses</a:t>
+            </a:r>
+            <a:r>
+              <a:rPr lang="nl-BE" dirty="0"/>
+              <a:t> bestaan uit</a:t>
+            </a:r>
+          </a:p>
+          <a:p>
+            <a:r>
+              <a:rPr lang="nl-BE" dirty="0"/>
+              <a:t>De samples zullen ook moeten opgedeeld worden in segmenten. 1 enkel </a:t>
+            </a:r>
+            <a:r>
+              <a:rPr lang="nl-BE" dirty="0" err="1"/>
+              <a:t>accelerometer</a:t>
+            </a:r>
+            <a:r>
+              <a:rPr lang="nl-BE" dirty="0"/>
+              <a:t> data punt is namelijk te weinig om een verloop in te herkennen.</a:t>
             </a:r>
           </a:p>
         </p:txBody>
@@ -833,7 +880,7 @@
           <a:p>
             <a:fld id="{539A0A48-EDB1-4AFE-B1B7-10CE2A416496}" type="slidenum">
               <a:rPr lang="en-GB" smtClean="0"/>
-              <a:t>12</a:t>
+              <a:t>11</a:t>
             </a:fld>
             <a:endParaRPr lang="en-GB"/>
           </a:p>
@@ -842,7 +889,7 @@
     </p:spTree>
     <p:extLst>
       <p:ext uri="{BB962C8B-B14F-4D97-AF65-F5344CB8AC3E}">
-        <p14:creationId xmlns:p14="http://schemas.microsoft.com/office/powerpoint/2010/main" val="723607773"/>
+        <p14:creationId xmlns:p14="http://schemas.microsoft.com/office/powerpoint/2010/main" val="1648805966"/>
       </p:ext>
     </p:extLst>
   </p:cSld>
@@ -898,21 +945,13 @@
           <a:p>
             <a:r>
               <a:rPr lang="nl-BE" dirty="0"/>
-              <a:t>Het is essentieel dat er genoeg variatie aanwezig is in de dataset. Er is namelijk een verschil in positionering van de assen bij dragen van de smartwatch op de rechter of </a:t>
-            </a:r>
-            <a:r>
-              <a:rPr lang="nl-BE" dirty="0" err="1"/>
-              <a:t>linkerpols</a:t>
-            </a:r>
+              <a:t>De gebruikte algoritmes zijn de volgende. Deze zullen elk op een verschillende manier samples toekennen aan een bepaalde klasse op basis van de data waarop getraind werd. Sommige van deze algoritmes vereisen meer input dan enkel de versnellingsvector op zich. Zaken zoals de energie inhoud van het signaal kunnen helpen om de segmenten van elkaar te onderscheiden.  </a:t>
+            </a:r>
+          </a:p>
+          <a:p>
             <a:r>
               <a:rPr lang="nl-BE" dirty="0"/>
-              <a:t>. Om ervoor te zorgen dat het model beide herkend moeten beide aanwezig zijn. Ook is er een verschil in data bij veranderen van draairichting. De sprong is echter nog steeds hetzelfde, dus ook deze data moet aanwezig zijn. </a:t>
-            </a:r>
-          </a:p>
-          <a:p>
-            <a:r>
-              <a:rPr lang="nl-BE" dirty="0"/>
-              <a:t>De forward en backward 180 sprongen hebben een andere onderscheid. Indien de forward 180 uitgevoerd wordt in de andere draairichting bekomen we de backward 180 en omgekeerd. Er is echter een ander verschil: het draaien kan in 2 richtingen gebeuren.</a:t>
+              <a:t>Een neuraal netwerk is zo gebouwd zodat deze bijkomende data zelf kan geleerd worden.</a:t>
             </a:r>
           </a:p>
         </p:txBody>
@@ -934,7 +973,7 @@
           <a:p>
             <a:fld id="{539A0A48-EDB1-4AFE-B1B7-10CE2A416496}" type="slidenum">
               <a:rPr lang="en-GB" smtClean="0"/>
-              <a:t>13</a:t>
+              <a:t>12</a:t>
             </a:fld>
             <a:endParaRPr lang="en-GB"/>
           </a:p>
@@ -943,7 +982,7 @@
     </p:spTree>
     <p:extLst>
       <p:ext uri="{BB962C8B-B14F-4D97-AF65-F5344CB8AC3E}">
-        <p14:creationId xmlns:p14="http://schemas.microsoft.com/office/powerpoint/2010/main" val="1033066917"/>
+        <p14:creationId xmlns:p14="http://schemas.microsoft.com/office/powerpoint/2010/main" val="723607773"/>
       </p:ext>
     </p:extLst>
   </p:cSld>
@@ -999,15 +1038,21 @@
           <a:p>
             <a:r>
               <a:rPr lang="nl-BE" dirty="0"/>
-              <a:t>Het is de bedoeling dat gebruik makend van </a:t>
+              <a:t>Het is essentieel dat er genoeg variatie aanwezig is in de dataset. Er is namelijk een verschil in positionering van de assen bij dragen van de smartwatch op de rechter of </a:t>
             </a:r>
             <a:r>
               <a:rPr lang="nl-BE" dirty="0" err="1"/>
-              <a:t>rope</a:t>
+              <a:t>linkerpols</a:t>
             </a:r>
             <a:r>
               <a:rPr lang="nl-BE" dirty="0"/>
-              <a:t> skipping de gezondheid kan geoptimaliseerd worden. Dit door persoonlijke aanbevelingen te geven.</a:t>
+              <a:t>. Om ervoor te zorgen dat het model beide herkend moeten beide aanwezig zijn. Ook is er een verschil in data bij veranderen van draairichting. De sprong is echter nog steeds hetzelfde, dus ook deze data moet aanwezig zijn. </a:t>
+            </a:r>
+          </a:p>
+          <a:p>
+            <a:r>
+              <a:rPr lang="nl-BE" dirty="0"/>
+              <a:t>De forward en backward 180 sprongen hebben een andere onderscheid. Indien de forward 180 uitgevoerd wordt in de andere draairichting bekomen we de backward 180 en omgekeerd. Er is echter een ander verschil: het draaien kan in 2 richtingen gebeuren.</a:t>
             </a:r>
           </a:p>
         </p:txBody>
@@ -1029,7 +1074,7 @@
           <a:p>
             <a:fld id="{539A0A48-EDB1-4AFE-B1B7-10CE2A416496}" type="slidenum">
               <a:rPr lang="en-GB" smtClean="0"/>
-              <a:t>14</a:t>
+              <a:t>13</a:t>
             </a:fld>
             <a:endParaRPr lang="en-GB"/>
           </a:p>
@@ -1038,7 +1083,7 @@
     </p:spTree>
     <p:extLst>
       <p:ext uri="{BB962C8B-B14F-4D97-AF65-F5344CB8AC3E}">
-        <p14:creationId xmlns:p14="http://schemas.microsoft.com/office/powerpoint/2010/main" val="2556906017"/>
+        <p14:creationId xmlns:p14="http://schemas.microsoft.com/office/powerpoint/2010/main" val="1033066917"/>
       </p:ext>
     </p:extLst>
   </p:cSld>
@@ -1094,7 +1139,7 @@
           <a:p>
             <a:r>
               <a:rPr lang="nl-BE" dirty="0"/>
-              <a:t>De gebruiker kan vanop de smartwatch of smartphone een sessie starten waarin hij/zij verschillende </a:t>
+              <a:t>Het is de bedoeling dat gebruik makend van </a:t>
             </a:r>
             <a:r>
               <a:rPr lang="nl-BE" dirty="0" err="1"/>
@@ -1102,23 +1147,7 @@
             </a:r>
             <a:r>
               <a:rPr lang="nl-BE" dirty="0"/>
-              <a:t> skipping bewegingen </a:t>
-            </a:r>
-            <a:r>
-              <a:rPr lang="nl-BE" dirty="0" err="1"/>
-              <a:t>uitvoerd</a:t>
-            </a:r>
-            <a:r>
-              <a:rPr lang="nl-BE" dirty="0"/>
-              <a:t>. Er wordt ook weer gebruik gemaakt van bluetooth. Op de smartphone zal dan via het getrainde machine </a:t>
-            </a:r>
-            <a:r>
-              <a:rPr lang="nl-BE" dirty="0" err="1"/>
-              <a:t>learning</a:t>
-            </a:r>
-            <a:r>
-              <a:rPr lang="nl-BE" dirty="0"/>
-              <a:t> model nagegaan worden welke sprongen gedaan werden en wanneer. Ook zal het inspanningsniveau berekend worden. Hierover later meer.</a:t>
+              <a:t> skipping de gezondheid kan geoptimaliseerd worden. Dit door persoonlijke aanbevelingen te geven.</a:t>
             </a:r>
           </a:p>
         </p:txBody>
@@ -1140,7 +1169,7 @@
           <a:p>
             <a:fld id="{539A0A48-EDB1-4AFE-B1B7-10CE2A416496}" type="slidenum">
               <a:rPr lang="en-GB" smtClean="0"/>
-              <a:t>15</a:t>
+              <a:t>14</a:t>
             </a:fld>
             <a:endParaRPr lang="en-GB"/>
           </a:p>
@@ -1149,7 +1178,7 @@
     </p:spTree>
     <p:extLst>
       <p:ext uri="{BB962C8B-B14F-4D97-AF65-F5344CB8AC3E}">
-        <p14:creationId xmlns:p14="http://schemas.microsoft.com/office/powerpoint/2010/main" val="1669104353"/>
+        <p14:creationId xmlns:p14="http://schemas.microsoft.com/office/powerpoint/2010/main" val="2556906017"/>
       </p:ext>
     </p:extLst>
   </p:cSld>
@@ -1205,7 +1234,23 @@
           <a:p>
             <a:r>
               <a:rPr lang="nl-BE" dirty="0"/>
-              <a:t>Uit de binnengekomen data worden het aantal draaiingen berekend door telkens te kijken naar het aantal periodes. Ook zal gemeld worden wanneer een fout zich plaatsvindt. Het machine </a:t>
+              <a:t>De gebruiker kan vanop de smartwatch of smartphone een sessie starten waarin hij/zij verschillende </a:t>
+            </a:r>
+            <a:r>
+              <a:rPr lang="nl-BE" dirty="0" err="1"/>
+              <a:t>rope</a:t>
+            </a:r>
+            <a:r>
+              <a:rPr lang="nl-BE" dirty="0"/>
+              <a:t> skipping bewegingen </a:t>
+            </a:r>
+            <a:r>
+              <a:rPr lang="nl-BE" dirty="0" err="1"/>
+              <a:t>uitvoerd</a:t>
+            </a:r>
+            <a:r>
+              <a:rPr lang="nl-BE" dirty="0"/>
+              <a:t>. Er wordt ook weer gebruik gemaakt van bluetooth. Op de smartphone zal dan via het getrainde machine </a:t>
             </a:r>
             <a:r>
               <a:rPr lang="nl-BE" dirty="0" err="1"/>
@@ -1213,7 +1258,7 @@
             </a:r>
             <a:r>
               <a:rPr lang="nl-BE" dirty="0"/>
-              <a:t> model wordt ook hierop getraind. Hierdoor weet men waar nog verbetering mogelijk is.</a:t>
+              <a:t> model nagegaan worden welke sprongen gedaan werden en wanneer. Ook zal het inspanningsniveau berekend worden. Hierover later meer.</a:t>
             </a:r>
           </a:p>
         </p:txBody>
@@ -1235,7 +1280,7 @@
           <a:p>
             <a:fld id="{539A0A48-EDB1-4AFE-B1B7-10CE2A416496}" type="slidenum">
               <a:rPr lang="en-GB" smtClean="0"/>
-              <a:t>16</a:t>
+              <a:t>15</a:t>
             </a:fld>
             <a:endParaRPr lang="en-GB"/>
           </a:p>
@@ -1244,7 +1289,7 @@
     </p:spTree>
     <p:extLst>
       <p:ext uri="{BB962C8B-B14F-4D97-AF65-F5344CB8AC3E}">
-        <p14:creationId xmlns:p14="http://schemas.microsoft.com/office/powerpoint/2010/main" val="1797594430"/>
+        <p14:creationId xmlns:p14="http://schemas.microsoft.com/office/powerpoint/2010/main" val="1669104353"/>
       </p:ext>
     </p:extLst>
   </p:cSld>
@@ -1300,23 +1345,15 @@
           <a:p>
             <a:r>
               <a:rPr lang="nl-BE" dirty="0"/>
-              <a:t>Vanuit de bekomen statistieken zullen persoonlijke aanbevelingen gegeven worden. Hierbij wordt data van 10 weken terug bekeken alsook de gemiddelde duur en het aantal sessies waarin deze werd beoefent van een sprong. Door de gemiddelde duur kan gezien worden hoe graag de persoon deze </a:t>
+              <a:t>Uit de binnengekomen data worden het aantal draaiingen berekend door telkens te kijken naar het aantal periodes. Ook zal gemeld worden wanneer een fout zich plaatsvindt. Het machine </a:t>
             </a:r>
             <a:r>
               <a:rPr lang="nl-BE" dirty="0" err="1"/>
-              <a:t>uitoefend</a:t>
+              <a:t>learning</a:t>
             </a:r>
             <a:r>
               <a:rPr lang="nl-BE" dirty="0"/>
-              <a:t>. Indien veel fouten gemaakt werden zal ook hier rekening </a:t>
-            </a:r>
-            <a:r>
-              <a:rPr lang="nl-BE" dirty="0" err="1"/>
-              <a:t>meegehouden</a:t>
-            </a:r>
-            <a:r>
-              <a:rPr lang="nl-BE" dirty="0"/>
-              <a:t> worden. </a:t>
+              <a:t> model wordt ook hierop getraind. Hierdoor weet men waar nog verbetering mogelijk is.</a:t>
             </a:r>
           </a:p>
         </p:txBody>
@@ -1338,7 +1375,7 @@
           <a:p>
             <a:fld id="{539A0A48-EDB1-4AFE-B1B7-10CE2A416496}" type="slidenum">
               <a:rPr lang="en-GB" smtClean="0"/>
-              <a:t>17</a:t>
+              <a:t>16</a:t>
             </a:fld>
             <a:endParaRPr lang="en-GB"/>
           </a:p>
@@ -1347,7 +1384,7 @@
     </p:spTree>
     <p:extLst>
       <p:ext uri="{BB962C8B-B14F-4D97-AF65-F5344CB8AC3E}">
-        <p14:creationId xmlns:p14="http://schemas.microsoft.com/office/powerpoint/2010/main" val="4256095670"/>
+        <p14:creationId xmlns:p14="http://schemas.microsoft.com/office/powerpoint/2010/main" val="1797594430"/>
       </p:ext>
     </p:extLst>
   </p:cSld>
@@ -1403,6 +1440,109 @@
           <a:p>
             <a:r>
               <a:rPr lang="nl-BE" dirty="0"/>
+              <a:t>Vanuit de bekomen statistieken zullen persoonlijke aanbevelingen gegeven worden. Hierbij wordt data van 10 weken terug bekeken alsook de gemiddelde duur en het aantal sessies waarin deze werd beoefent van een sprong. Door de gemiddelde duur kan gezien worden hoe graag de persoon deze </a:t>
+            </a:r>
+            <a:r>
+              <a:rPr lang="nl-BE" dirty="0" err="1"/>
+              <a:t>uitoefend</a:t>
+            </a:r>
+            <a:r>
+              <a:rPr lang="nl-BE" dirty="0"/>
+              <a:t>. Indien veel fouten gemaakt werden zal ook hier rekening </a:t>
+            </a:r>
+            <a:r>
+              <a:rPr lang="nl-BE" dirty="0" err="1"/>
+              <a:t>meegehouden</a:t>
+            </a:r>
+            <a:r>
+              <a:rPr lang="nl-BE" dirty="0"/>
+              <a:t> worden. </a:t>
+            </a:r>
+          </a:p>
+        </p:txBody>
+      </p:sp>
+      <p:sp>
+        <p:nvSpPr>
+          <p:cNvPr id="4" name="Tijdelijke aanduiding voor dianummer 3"/>
+          <p:cNvSpPr>
+            <a:spLocks noGrp="1"/>
+          </p:cNvSpPr>
+          <p:nvPr>
+            <p:ph type="sldNum" sz="quarter" idx="5"/>
+          </p:nvPr>
+        </p:nvSpPr>
+        <p:spPr/>
+        <p:txBody>
+          <a:bodyPr/>
+          <a:lstStyle/>
+          <a:p>
+            <a:fld id="{539A0A48-EDB1-4AFE-B1B7-10CE2A416496}" type="slidenum">
+              <a:rPr lang="en-GB" smtClean="0"/>
+              <a:t>17</a:t>
+            </a:fld>
+            <a:endParaRPr lang="en-GB"/>
+          </a:p>
+        </p:txBody>
+      </p:sp>
+    </p:spTree>
+    <p:extLst>
+      <p:ext uri="{BB962C8B-B14F-4D97-AF65-F5344CB8AC3E}">
+        <p14:creationId xmlns:p14="http://schemas.microsoft.com/office/powerpoint/2010/main" val="4256095670"/>
+      </p:ext>
+    </p:extLst>
+  </p:cSld>
+  <p:clrMapOvr>
+    <a:masterClrMapping/>
+  </p:clrMapOvr>
+</p:notes>
+</file>
+
+<file path=ppt/notesSlides/notesSlide18.xml><?xml version="1.0" encoding="utf-8"?>
+<p:notes xmlns:a="http://schemas.openxmlformats.org/drawingml/2006/main" xmlns:r="http://schemas.openxmlformats.org/officeDocument/2006/relationships" xmlns:p="http://schemas.openxmlformats.org/presentationml/2006/main">
+  <p:cSld>
+    <p:spTree>
+      <p:nvGrpSpPr>
+        <p:cNvPr id="1" name=""/>
+        <p:cNvGrpSpPr/>
+        <p:nvPr/>
+      </p:nvGrpSpPr>
+      <p:grpSpPr>
+        <a:xfrm>
+          <a:off x="0" y="0"/>
+          <a:ext cx="0" cy="0"/>
+          <a:chOff x="0" y="0"/>
+          <a:chExt cx="0" cy="0"/>
+        </a:xfrm>
+      </p:grpSpPr>
+      <p:sp>
+        <p:nvSpPr>
+          <p:cNvPr id="2" name="Tijdelijke aanduiding voor dia-afbeelding 1"/>
+          <p:cNvSpPr>
+            <a:spLocks noGrp="1" noRot="1" noChangeAspect="1"/>
+          </p:cNvSpPr>
+          <p:nvPr>
+            <p:ph type="sldImg"/>
+          </p:nvPr>
+        </p:nvSpPr>
+        <p:spPr/>
+      </p:sp>
+      <p:sp>
+        <p:nvSpPr>
+          <p:cNvPr id="3" name="Tijdelijke aanduiding voor notities 2"/>
+          <p:cNvSpPr>
+            <a:spLocks noGrp="1"/>
+          </p:cNvSpPr>
+          <p:nvPr>
+            <p:ph type="body" idx="1"/>
+          </p:nvPr>
+        </p:nvSpPr>
+        <p:spPr/>
+        <p:txBody>
+          <a:bodyPr/>
+          <a:lstStyle/>
+          <a:p>
+            <a:r>
+              <a:rPr lang="nl-BE" dirty="0"/>
               <a:t>Het inspanningsniveau tijdens een activiteit wordt berekend aan de hand van </a:t>
             </a:r>
             <a:r>
@@ -1452,7 +1592,7 @@
 </p:notes>
 </file>
 
-<file path=ppt/notesSlides/notesSlide18.xml><?xml version="1.0" encoding="utf-8"?>
+<file path=ppt/notesSlides/notesSlide19.xml><?xml version="1.0" encoding="utf-8"?>
 <p:notes xmlns:a="http://schemas.openxmlformats.org/drawingml/2006/main" xmlns:r="http://schemas.openxmlformats.org/officeDocument/2006/relationships" xmlns:p="http://schemas.openxmlformats.org/presentationml/2006/main">
   <p:cSld>
     <p:spTree>
@@ -1615,66 +1755,7 @@
           <a:bodyPr/>
           <a:lstStyle/>
           <a:p>
-            <a:pPr marL="0" marR="0" indent="0" algn="l" defTabSz="914400" rtl="0" eaLnBrk="1" fontAlgn="auto" latinLnBrk="0" hangingPunct="1">
-              <a:lnSpc>
-                <a:spcPct val="100000"/>
-              </a:lnSpc>
-              <a:spcBef>
-                <a:spcPts val="0"/>
-              </a:spcBef>
-              <a:spcAft>
-                <a:spcPts val="0"/>
-              </a:spcAft>
-              <a:buClrTx/>
-              <a:buSzTx/>
-              <a:buFontTx/>
-              <a:buNone/>
-              <a:tabLst/>
-              <a:defRPr/>
-            </a:pPr>
-            <a:r>
-              <a:rPr lang="nl-BE" dirty="0"/>
-              <a:t>Zoals gezegd wordt </a:t>
-            </a:r>
-            <a:r>
-              <a:rPr lang="nl-BE" dirty="0" err="1"/>
-              <a:t>rope</a:t>
-            </a:r>
-            <a:r>
-              <a:rPr lang="nl-BE" dirty="0"/>
-              <a:t> skipping gebruikt om de conditie te trainen. Hiervoor is het noodzakelijk dat bepaalde bewegingen herkend worden.  De bewegingen worden gemeten via een smartwatch gedragen op de pols. Deze smartwatch heeft een </a:t>
-            </a:r>
-            <a:r>
-              <a:rPr lang="nl-BE" dirty="0" err="1"/>
-              <a:t>accelerometer</a:t>
-            </a:r>
-            <a:r>
-              <a:rPr lang="nl-BE" dirty="0"/>
-              <a:t> waardoor aan een frequentie van 52 Hz versnellingsvectoren binnenkomen.</a:t>
-            </a:r>
-          </a:p>
-          <a:p>
-            <a:pPr marL="0" marR="0" indent="0" algn="l" defTabSz="914400" rtl="0" eaLnBrk="1" fontAlgn="auto" latinLnBrk="0" hangingPunct="1">
-              <a:lnSpc>
-                <a:spcPct val="100000"/>
-              </a:lnSpc>
-              <a:spcBef>
-                <a:spcPts val="0"/>
-              </a:spcBef>
-              <a:spcAft>
-                <a:spcPts val="0"/>
-              </a:spcAft>
-              <a:buClrTx/>
-              <a:buSzTx/>
-              <a:buFontTx/>
-              <a:buNone/>
-              <a:tabLst/>
-              <a:defRPr/>
-            </a:pPr>
-            <a:r>
-              <a:rPr lang="nl-BE" dirty="0"/>
-              <a:t>Op die manier kunnen persoonlijke aanbevelingen gegeven worden. Dit wordt later toegelicht.</a:t>
-            </a:r>
+            <a:endParaRPr lang="nl-BE" dirty="0"/>
           </a:p>
         </p:txBody>
       </p:sp>
@@ -1685,7 +1766,7 @@
             <a:spLocks noGrp="1"/>
           </p:cNvSpPr>
           <p:nvPr>
-            <p:ph type="sldNum" sz="quarter" idx="10"/>
+            <p:ph type="sldNum" sz="quarter" idx="5"/>
           </p:nvPr>
         </p:nvSpPr>
         <p:spPr/>
@@ -1695,7 +1776,7 @@
           <a:p>
             <a:fld id="{539A0A48-EDB1-4AFE-B1B7-10CE2A416496}" type="slidenum">
               <a:rPr lang="en-GB" smtClean="0"/>
-              <a:t>3</a:t>
+              <a:t>2</a:t>
             </a:fld>
             <a:endParaRPr lang="en-GB"/>
           </a:p>
@@ -1704,7 +1785,7 @@
     </p:spTree>
     <p:extLst>
       <p:ext uri="{BB962C8B-B14F-4D97-AF65-F5344CB8AC3E}">
-        <p14:creationId xmlns:p14="http://schemas.microsoft.com/office/powerpoint/2010/main" val="892243099"/>
+        <p14:creationId xmlns:p14="http://schemas.microsoft.com/office/powerpoint/2010/main" val="3693134774"/>
       </p:ext>
     </p:extLst>
   </p:cSld>
@@ -1758,9 +1839,223 @@
           <a:bodyPr/>
           <a:lstStyle/>
           <a:p>
+            <a:pPr marL="0" marR="0" indent="0" algn="l" defTabSz="914400" rtl="0" eaLnBrk="1" fontAlgn="auto" latinLnBrk="0" hangingPunct="1">
+              <a:lnSpc>
+                <a:spcPct val="100000"/>
+              </a:lnSpc>
+              <a:spcBef>
+                <a:spcPts val="0"/>
+              </a:spcBef>
+              <a:spcAft>
+                <a:spcPts val="0"/>
+              </a:spcAft>
+              <a:buClrTx/>
+              <a:buSzTx/>
+              <a:buFontTx/>
+              <a:buNone/>
+              <a:tabLst/>
+              <a:defRPr/>
+            </a:pPr>
             <a:r>
               <a:rPr lang="nl-BE" dirty="0"/>
-              <a:t>De 2 eerste bewegingen zijn: springen met en zonder tussensprong. Zoals te zien is op de grafieken, is er een duidelijk verschil in verloop.</a:t>
+              <a:t>Zoals gezegd wordt </a:t>
+            </a:r>
+            <a:r>
+              <a:rPr lang="nl-BE" dirty="0" err="1"/>
+              <a:t>rope</a:t>
+            </a:r>
+            <a:r>
+              <a:rPr lang="nl-BE" dirty="0"/>
+              <a:t> skipping gebruikt om de conditie te trainen. </a:t>
+            </a:r>
+          </a:p>
+          <a:p>
+            <a:pPr marL="0" marR="0" indent="0" algn="l" defTabSz="914400" rtl="0" eaLnBrk="1" fontAlgn="auto" latinLnBrk="0" hangingPunct="1">
+              <a:lnSpc>
+                <a:spcPct val="100000"/>
+              </a:lnSpc>
+              <a:spcBef>
+                <a:spcPts val="0"/>
+              </a:spcBef>
+              <a:spcAft>
+                <a:spcPts val="0"/>
+              </a:spcAft>
+              <a:buClrTx/>
+              <a:buSzTx/>
+              <a:buFontTx/>
+              <a:buNone/>
+              <a:tabLst/>
+              <a:defRPr/>
+            </a:pPr>
+            <a:r>
+              <a:rPr lang="nl-BE" dirty="0"/>
+              <a:t>Hiervoor is het noodzakelijk dat bepaalde bewegingen herkend worden.  Op die manier kan userfeedback gegeven worden per beweging. Er zal bijvoorbeeld gemeld worden hoeveel draaiingen verricht zijn tijdens een sessie en per beweging. Ook zullen fouten herkend worden.</a:t>
+            </a:r>
+          </a:p>
+          <a:p>
+            <a:pPr marL="0" marR="0" indent="0" algn="l" defTabSz="914400" rtl="0" eaLnBrk="1" fontAlgn="auto" latinLnBrk="0" hangingPunct="1">
+              <a:lnSpc>
+                <a:spcPct val="100000"/>
+              </a:lnSpc>
+              <a:spcBef>
+                <a:spcPts val="0"/>
+              </a:spcBef>
+              <a:spcAft>
+                <a:spcPts val="0"/>
+              </a:spcAft>
+              <a:buClrTx/>
+              <a:buSzTx/>
+              <a:buFontTx/>
+              <a:buNone/>
+              <a:tabLst/>
+              <a:defRPr/>
+            </a:pPr>
+            <a:r>
+              <a:rPr lang="nl-BE" dirty="0"/>
+              <a:t>De aanbevelingen zullen dan ook per beweging gemaakt worden.</a:t>
+            </a:r>
+          </a:p>
+          <a:p>
+            <a:pPr marL="0" marR="0" indent="0" algn="l" defTabSz="914400" rtl="0" eaLnBrk="1" fontAlgn="auto" latinLnBrk="0" hangingPunct="1">
+              <a:lnSpc>
+                <a:spcPct val="100000"/>
+              </a:lnSpc>
+              <a:spcBef>
+                <a:spcPts val="0"/>
+              </a:spcBef>
+              <a:spcAft>
+                <a:spcPts val="0"/>
+              </a:spcAft>
+              <a:buClrTx/>
+              <a:buSzTx/>
+              <a:buFontTx/>
+              <a:buNone/>
+              <a:tabLst/>
+              <a:defRPr/>
+            </a:pPr>
+            <a:r>
+              <a:rPr lang="nl-BE" dirty="0"/>
+              <a:t>Deze factoren zorgen voor extra aanmoediging, de gebruiker heeft namelijk een duidelijk beeld van zijn/haar capaciteiten per beweging.</a:t>
+            </a:r>
+          </a:p>
+          <a:p>
+            <a:pPr marL="0" marR="0" indent="0" algn="l" defTabSz="914400" rtl="0" eaLnBrk="1" fontAlgn="auto" latinLnBrk="0" hangingPunct="1">
+              <a:lnSpc>
+                <a:spcPct val="100000"/>
+              </a:lnSpc>
+              <a:spcBef>
+                <a:spcPts val="0"/>
+              </a:spcBef>
+              <a:spcAft>
+                <a:spcPts val="0"/>
+              </a:spcAft>
+              <a:buClrTx/>
+              <a:buSzTx/>
+              <a:buFontTx/>
+              <a:buNone/>
+              <a:tabLst/>
+              <a:defRPr/>
+            </a:pPr>
+            <a:r>
+              <a:rPr lang="nl-BE" dirty="0"/>
+              <a:t>Indien er meer fouten gemaakt worden in een bepaalde beweging, zal deze meer gewicht krijgen bij het genereren van aanbevelingen.</a:t>
+            </a:r>
+          </a:p>
+          <a:p>
+            <a:pPr marL="0" marR="0" indent="0" algn="l" defTabSz="914400" rtl="0" eaLnBrk="1" fontAlgn="auto" latinLnBrk="0" hangingPunct="1">
+              <a:lnSpc>
+                <a:spcPct val="100000"/>
+              </a:lnSpc>
+              <a:spcBef>
+                <a:spcPts val="0"/>
+              </a:spcBef>
+              <a:spcAft>
+                <a:spcPts val="0"/>
+              </a:spcAft>
+              <a:buClrTx/>
+              <a:buSzTx/>
+              <a:buFontTx/>
+              <a:buNone/>
+              <a:tabLst/>
+              <a:defRPr/>
+            </a:pPr>
+            <a:r>
+              <a:rPr lang="nl-BE" dirty="0"/>
+              <a:t>De bewegingen worden gemeten via een smartwatch gedragen op de pols. Deze smartwatch heeft een </a:t>
+            </a:r>
+            <a:r>
+              <a:rPr lang="nl-BE" dirty="0" err="1"/>
+              <a:t>accelerometer</a:t>
+            </a:r>
+            <a:r>
+              <a:rPr lang="nl-BE" dirty="0"/>
+              <a:t> waardoor aan een frequentie van 52 Hz versnellingsvectoren binnenkomen.</a:t>
+            </a:r>
+          </a:p>
+          <a:p>
+            <a:pPr marL="0" marR="0" indent="0" algn="l" defTabSz="914400" rtl="0" eaLnBrk="1" fontAlgn="auto" latinLnBrk="0" hangingPunct="1">
+              <a:lnSpc>
+                <a:spcPct val="100000"/>
+              </a:lnSpc>
+              <a:spcBef>
+                <a:spcPts val="0"/>
+              </a:spcBef>
+              <a:spcAft>
+                <a:spcPts val="0"/>
+              </a:spcAft>
+              <a:buClrTx/>
+              <a:buSzTx/>
+              <a:buFontTx/>
+              <a:buNone/>
+              <a:tabLst/>
+              <a:defRPr/>
+            </a:pPr>
+            <a:r>
+              <a:rPr lang="nl-BE" dirty="0"/>
+              <a:t>Op die manier kunnen persoonlijke aanbevelingen gegeven worden. </a:t>
+            </a:r>
+          </a:p>
+          <a:p>
+            <a:pPr marL="0" marR="0" indent="0" algn="l" defTabSz="914400" rtl="0" eaLnBrk="1" fontAlgn="auto" latinLnBrk="0" hangingPunct="1">
+              <a:lnSpc>
+                <a:spcPct val="100000"/>
+              </a:lnSpc>
+              <a:spcBef>
+                <a:spcPts val="0"/>
+              </a:spcBef>
+              <a:spcAft>
+                <a:spcPts val="0"/>
+              </a:spcAft>
+              <a:buClrTx/>
+              <a:buSzTx/>
+              <a:buFontTx/>
+              <a:buNone/>
+              <a:tabLst/>
+              <a:defRPr/>
+            </a:pPr>
+            <a:endParaRPr lang="nl-BE" dirty="0"/>
+          </a:p>
+          <a:p>
+            <a:pPr marL="0" marR="0" indent="0" algn="l" defTabSz="914400" rtl="0" eaLnBrk="1" fontAlgn="auto" latinLnBrk="0" hangingPunct="1">
+              <a:lnSpc>
+                <a:spcPct val="100000"/>
+              </a:lnSpc>
+              <a:spcBef>
+                <a:spcPts val="0"/>
+              </a:spcBef>
+              <a:spcAft>
+                <a:spcPts val="0"/>
+              </a:spcAft>
+              <a:buClrTx/>
+              <a:buSzTx/>
+              <a:buFontTx/>
+              <a:buNone/>
+              <a:tabLst/>
+              <a:defRPr/>
+            </a:pPr>
+            <a:r>
+              <a:rPr lang="nl-BE" dirty="0"/>
+              <a:t>Volgende slides introduceren de diverse bewegingen die zullen herkend worden.</a:t>
             </a:r>
           </a:p>
         </p:txBody>
@@ -1772,7 +2067,7 @@
             <a:spLocks noGrp="1"/>
           </p:cNvSpPr>
           <p:nvPr>
-            <p:ph type="sldNum" sz="quarter" idx="5"/>
+            <p:ph type="sldNum" sz="quarter" idx="10"/>
           </p:nvPr>
         </p:nvSpPr>
         <p:spPr/>
@@ -1782,7 +2077,7 @@
           <a:p>
             <a:fld id="{539A0A48-EDB1-4AFE-B1B7-10CE2A416496}" type="slidenum">
               <a:rPr lang="en-GB" smtClean="0"/>
-              <a:t>4</a:t>
+              <a:t>3</a:t>
             </a:fld>
             <a:endParaRPr lang="en-GB"/>
           </a:p>
@@ -1791,7 +2086,7 @@
     </p:spTree>
     <p:extLst>
       <p:ext uri="{BB962C8B-B14F-4D97-AF65-F5344CB8AC3E}">
-        <p14:creationId xmlns:p14="http://schemas.microsoft.com/office/powerpoint/2010/main" val="790204025"/>
+        <p14:creationId xmlns:p14="http://schemas.microsoft.com/office/powerpoint/2010/main" val="892243099"/>
       </p:ext>
     </p:extLst>
   </p:cSld>
@@ -1847,23 +2142,35 @@
           <a:p>
             <a:r>
               <a:rPr lang="nl-BE" dirty="0"/>
-              <a:t>Zoals te zien op de figuur is een cross over en beweging gedaan door te springen met de armen </a:t>
+              <a:t>Op deze grafieken is te zien hoe de versnellingsvector verandert volgens de x, y en </a:t>
             </a:r>
             <a:r>
               <a:rPr lang="nl-BE" dirty="0" err="1"/>
-              <a:t>gekruisd</a:t>
+              <a:t>z</a:t>
             </a:r>
             <a:r>
               <a:rPr lang="nl-BE" dirty="0"/>
-              <a:t>. Het verloop in </a:t>
+              <a:t> as.</a:t>
+            </a:r>
+          </a:p>
+          <a:p>
+            <a:r>
+              <a:rPr lang="nl-BE" dirty="0"/>
+              <a:t>Aangezien deze data later zal gebruikt worden als input voor het machine </a:t>
             </a:r>
             <a:r>
               <a:rPr lang="nl-BE" dirty="0" err="1"/>
-              <a:t>accelerometer</a:t>
+              <a:t>learning</a:t>
             </a:r>
             <a:r>
               <a:rPr lang="nl-BE" dirty="0"/>
-              <a:t> data is te zien op de grafiek.</a:t>
+              <a:t> model, is het nodig om te weten of er een duidelijk verschil tussen de verschillende bewegingen.</a:t>
+            </a:r>
+          </a:p>
+          <a:p>
+            <a:r>
+              <a:rPr lang="nl-BE" dirty="0"/>
+              <a:t>Deze grafieken geven springen met en zonder tussensprong weer. Zoals te zien is er wel degelijk een onderscheid.</a:t>
             </a:r>
           </a:p>
         </p:txBody>
@@ -1885,7 +2192,7 @@
           <a:p>
             <a:fld id="{539A0A48-EDB1-4AFE-B1B7-10CE2A416496}" type="slidenum">
               <a:rPr lang="en-GB" smtClean="0"/>
-              <a:t>5</a:t>
+              <a:t>4</a:t>
             </a:fld>
             <a:endParaRPr lang="en-GB"/>
           </a:p>
@@ -1894,7 +2201,7 @@
     </p:spTree>
     <p:extLst>
       <p:ext uri="{BB962C8B-B14F-4D97-AF65-F5344CB8AC3E}">
-        <p14:creationId xmlns:p14="http://schemas.microsoft.com/office/powerpoint/2010/main" val="2078204413"/>
+        <p14:creationId xmlns:p14="http://schemas.microsoft.com/office/powerpoint/2010/main" val="790204025"/>
       </p:ext>
     </p:extLst>
   </p:cSld>
@@ -1950,7 +2257,23 @@
           <a:p>
             <a:r>
               <a:rPr lang="nl-BE" dirty="0"/>
-              <a:t>De side swing beweging wordt gedaan door het touw langs beide kanten van het lichaam te bewegen in een draaiende beweging. Deze beweging wordt vaak gedaan als overgang tussen 2 andere. </a:t>
+              <a:t>Zoals te zien op de figuur is een cross over en beweging gedaan door te springen met de armen </a:t>
+            </a:r>
+            <a:r>
+              <a:rPr lang="nl-BE" dirty="0" err="1"/>
+              <a:t>gekruisd</a:t>
+            </a:r>
+            <a:r>
+              <a:rPr lang="nl-BE" dirty="0"/>
+              <a:t>. Het verloop in </a:t>
+            </a:r>
+            <a:r>
+              <a:rPr lang="nl-BE" dirty="0" err="1"/>
+              <a:t>accelerometer</a:t>
+            </a:r>
+            <a:r>
+              <a:rPr lang="nl-BE" dirty="0"/>
+              <a:t> data is te zien op de grafiek, ook hier is een verschil merkbaar met voorgaande grafieken.</a:t>
             </a:r>
           </a:p>
         </p:txBody>
@@ -1972,7 +2295,7 @@
           <a:p>
             <a:fld id="{539A0A48-EDB1-4AFE-B1B7-10CE2A416496}" type="slidenum">
               <a:rPr lang="en-GB" smtClean="0"/>
-              <a:t>6</a:t>
+              <a:t>5</a:t>
             </a:fld>
             <a:endParaRPr lang="en-GB"/>
           </a:p>
@@ -1981,7 +2304,7 @@
     </p:spTree>
     <p:extLst>
       <p:ext uri="{BB962C8B-B14F-4D97-AF65-F5344CB8AC3E}">
-        <p14:creationId xmlns:p14="http://schemas.microsoft.com/office/powerpoint/2010/main" val="2093842284"/>
+        <p14:creationId xmlns:p14="http://schemas.microsoft.com/office/powerpoint/2010/main" val="2078204413"/>
       </p:ext>
     </p:extLst>
   </p:cSld>
@@ -2037,7 +2360,7 @@
           <a:p>
             <a:r>
               <a:rPr lang="nl-BE" dirty="0"/>
-              <a:t>Forward 180 is een andere overgangsbeweging. Hierbij zal de springer via een halve side swing zichzelf en het touw 180 graden draaien. Bij de forward 180 wordt begonnen met een voorwaartse sprong en eindigt men met een achterwaartse sprong.</a:t>
+              <a:t>De side swing beweging wordt gedaan door het touw langs beide kanten van het lichaam te bewegen in een draaiende beweging. Deze beweging wordt vaak gebruikt als overgang tussen 2 andere. Ook hier is een onderscheid merkbaar.</a:t>
             </a:r>
           </a:p>
         </p:txBody>
@@ -2059,7 +2382,7 @@
           <a:p>
             <a:fld id="{539A0A48-EDB1-4AFE-B1B7-10CE2A416496}" type="slidenum">
               <a:rPr lang="en-GB" smtClean="0"/>
-              <a:t>7</a:t>
+              <a:t>6</a:t>
             </a:fld>
             <a:endParaRPr lang="en-GB"/>
           </a:p>
@@ -2068,7 +2391,7 @@
     </p:spTree>
     <p:extLst>
       <p:ext uri="{BB962C8B-B14F-4D97-AF65-F5344CB8AC3E}">
-        <p14:creationId xmlns:p14="http://schemas.microsoft.com/office/powerpoint/2010/main" val="679308774"/>
+        <p14:creationId xmlns:p14="http://schemas.microsoft.com/office/powerpoint/2010/main" val="2093842284"/>
       </p:ext>
     </p:extLst>
   </p:cSld>
@@ -2124,7 +2447,7 @@
           <a:p>
             <a:r>
               <a:rPr lang="nl-BE" dirty="0"/>
-              <a:t>De backward 180 is hetzelfde principe als de forward variant. Alleen zal nu begonnen worden met achterwaarts springen. De verplaatsing van het touw gebeurd ook op een andere manier. De overgang is niet meer een halve side swing, maar de springer zal wanneer het touw voor hem in de lucht komt zichzelf en het touw 180 graden draaien waarna de richting van springen wordt omgekeerd.</a:t>
+              <a:t>Forward 180 is een andere overgangsbeweging. Hierbij zal de springer via een halve side swing zichzelf en het touw 180 graden draaien. Bij de forward 180 wordt begonnen met een voorwaartse sprong en eindigt men met een achterwaartse sprong. De grafiek geeft het verloop weer en toont dat dit verschillend is.</a:t>
             </a:r>
           </a:p>
         </p:txBody>
@@ -2146,7 +2469,7 @@
           <a:p>
             <a:fld id="{539A0A48-EDB1-4AFE-B1B7-10CE2A416496}" type="slidenum">
               <a:rPr lang="en-GB" smtClean="0"/>
-              <a:t>8</a:t>
+              <a:t>7</a:t>
             </a:fld>
             <a:endParaRPr lang="en-GB"/>
           </a:p>
@@ -2155,7 +2478,7 @@
     </p:spTree>
     <p:extLst>
       <p:ext uri="{BB962C8B-B14F-4D97-AF65-F5344CB8AC3E}">
-        <p14:creationId xmlns:p14="http://schemas.microsoft.com/office/powerpoint/2010/main" val="2178409182"/>
+        <p14:creationId xmlns:p14="http://schemas.microsoft.com/office/powerpoint/2010/main" val="679308774"/>
       </p:ext>
     </p:extLst>
   </p:cSld>
@@ -2211,15 +2534,7 @@
           <a:p>
             <a:r>
               <a:rPr lang="nl-BE" dirty="0"/>
-              <a:t>De bestaande applicatie voor de gebruikte smartwatch laten jammer genoeg niet toe om onbewerkte </a:t>
-            </a:r>
-            <a:r>
-              <a:rPr lang="nl-BE" dirty="0" err="1"/>
-              <a:t>accelerometer</a:t>
-            </a:r>
-            <a:r>
-              <a:rPr lang="nl-BE" dirty="0"/>
-              <a:t> data te downloaden. Daarom werd een eigen applicatie ontworpen.</a:t>
+              <a:t>De backward 180 is hetzelfde principe als de voorwaartse variant. Alleen zal nu begonnen worden met achterwaarts springen. De verplaatsing van het touw gebeurd ook op een andere manier. De overgang gebeurt niet meer via een halve side swing. De springer zal, wanneer het touw voor hem in de lucht komt, zichzelf en het touw 180 graden draaien waarna de richting van springen wordt omgekeerd.</a:t>
             </a:r>
           </a:p>
         </p:txBody>
@@ -2241,7 +2556,7 @@
           <a:p>
             <a:fld id="{539A0A48-EDB1-4AFE-B1B7-10CE2A416496}" type="slidenum">
               <a:rPr lang="en-GB" smtClean="0"/>
-              <a:t>9</a:t>
+              <a:t>8</a:t>
             </a:fld>
             <a:endParaRPr lang="en-GB"/>
           </a:p>
@@ -2250,7 +2565,7 @@
     </p:spTree>
     <p:extLst>
       <p:ext uri="{BB962C8B-B14F-4D97-AF65-F5344CB8AC3E}">
-        <p14:creationId xmlns:p14="http://schemas.microsoft.com/office/powerpoint/2010/main" val="1303449039"/>
+        <p14:creationId xmlns:p14="http://schemas.microsoft.com/office/powerpoint/2010/main" val="2178409182"/>
       </p:ext>
     </p:extLst>
   </p:cSld>
@@ -2306,31 +2621,23 @@
           <a:p>
             <a:r>
               <a:rPr lang="nl-BE" dirty="0"/>
-              <a:t>Via een bluetooth verbinding zullen de binnenkomende sensorsamples telkens verstuurd worden naar de gekoppelde smartphone. Hierop wordt een </a:t>
+              <a:t>De bestaande applicaties voor de gebruikte smartwatch (</a:t>
             </a:r>
             <a:r>
               <a:rPr lang="nl-BE" dirty="0" err="1"/>
-              <a:t>csv</a:t>
+              <a:t>polar</a:t>
             </a:r>
             <a:r>
               <a:rPr lang="nl-BE" dirty="0"/>
-              <a:t> file aangemaakt waarin de x, y en </a:t>
+              <a:t> M600) laten jammer genoeg niet toe om onbewerkte </a:t>
             </a:r>
             <a:r>
               <a:rPr lang="nl-BE" dirty="0" err="1"/>
-              <a:t>z</a:t>
+              <a:t>accelerometer</a:t>
             </a:r>
             <a:r>
               <a:rPr lang="nl-BE" dirty="0"/>
-              <a:t> </a:t>
-            </a:r>
-            <a:r>
-              <a:rPr lang="nl-BE" dirty="0" err="1"/>
-              <a:t>coordinaat</a:t>
-            </a:r>
-            <a:r>
-              <a:rPr lang="nl-BE" dirty="0"/>
-              <a:t> van de versnellingsvector samen met het tijdstip van de meting in opgeslagen worden.</a:t>
+              <a:t> data te downloaden. Daarom werd een eigen applicatie ontworpen.</a:t>
             </a:r>
           </a:p>
         </p:txBody>
@@ -2352,7 +2659,7 @@
           <a:p>
             <a:fld id="{539A0A48-EDB1-4AFE-B1B7-10CE2A416496}" type="slidenum">
               <a:rPr lang="en-GB" smtClean="0"/>
-              <a:t>10</a:t>
+              <a:t>9</a:t>
             </a:fld>
             <a:endParaRPr lang="en-GB"/>
           </a:p>
@@ -2361,7 +2668,7 @@
     </p:spTree>
     <p:extLst>
       <p:ext uri="{BB962C8B-B14F-4D97-AF65-F5344CB8AC3E}">
-        <p14:creationId xmlns:p14="http://schemas.microsoft.com/office/powerpoint/2010/main" val="2924407510"/>
+        <p14:creationId xmlns:p14="http://schemas.microsoft.com/office/powerpoint/2010/main" val="1303449039"/>
       </p:ext>
     </p:extLst>
   </p:cSld>
@@ -2405,7 +2712,7 @@
           <a:p>
             <a:fld id="{5A24147F-ED97-47AF-A1B3-C82A179CF7F3}" type="datetime1">
               <a:rPr lang="nl-NL" smtClean="0"/>
-              <a:t>13-4-2020</a:t>
+              <a:t>15-4-2020</a:t>
             </a:fld>
             <a:endParaRPr lang="en-GB"/>
           </a:p>
@@ -3363,7 +3670,7 @@
           <a:p>
             <a:fld id="{25470885-0B31-4E06-AE71-7E16801F2838}" type="datetime1">
               <a:rPr lang="nl-BE" noProof="0" smtClean="0"/>
-              <a:t>13/04/2020</a:t>
+              <a:t>15/04/2020</a:t>
             </a:fld>
             <a:endParaRPr lang="nl-BE" noProof="0" dirty="0"/>
           </a:p>
@@ -3481,7 +3788,7 @@
           <a:p>
             <a:fld id="{E7410F60-8C93-4C37-B51A-4DDAE36F7E9B}" type="datetime1">
               <a:rPr lang="nl-BE" noProof="0" smtClean="0"/>
-              <a:t>13/04/2020</a:t>
+              <a:t>15/04/2020</a:t>
             </a:fld>
             <a:endParaRPr lang="nl-BE" noProof="0" dirty="0"/>
           </a:p>
@@ -3760,7 +4067,7 @@
           <a:p>
             <a:fld id="{656594B6-17DF-4759-A7A5-128AFEA77F2C}" type="datetime1">
               <a:rPr lang="nl-BE" noProof="0" smtClean="0"/>
-              <a:t>13/04/2020</a:t>
+              <a:t>15/04/2020</a:t>
             </a:fld>
             <a:endParaRPr lang="nl-BE" noProof="0" dirty="0"/>
           </a:p>
@@ -3901,7 +4208,7 @@
           <a:p>
             <a:fld id="{66A81384-1200-4D40-BEF0-3A17A1F906F4}" type="datetime1">
               <a:rPr lang="nl-NL" noProof="0" smtClean="0"/>
-              <a:t>13-4-2020</a:t>
+              <a:t>15-4-2020</a:t>
             </a:fld>
             <a:endParaRPr lang="nl-NL" noProof="0" dirty="0"/>
           </a:p>
@@ -4411,7 +4718,7 @@
           <a:p>
             <a:fld id="{66A81384-1200-4D40-BEF0-3A17A1F906F4}" type="datetime1">
               <a:rPr lang="nl-NL" noProof="0" smtClean="0"/>
-              <a:t>13-4-2020</a:t>
+              <a:t>15-4-2020</a:t>
             </a:fld>
             <a:endParaRPr lang="nl-NL" noProof="0" dirty="0"/>
           </a:p>
@@ -4697,7 +5004,7 @@
           <a:p>
             <a:fld id="{FA870D1A-A3AB-4E9F-892E-C45B5A80FDBF}" type="datetime1">
               <a:rPr lang="nl-BE" noProof="0" smtClean="0"/>
-              <a:t>13/04/2020</a:t>
+              <a:t>15/04/2020</a:t>
             </a:fld>
             <a:endParaRPr lang="nl-BE" noProof="0" dirty="0"/>
           </a:p>
@@ -7897,7 +8204,7 @@
           <p:nvPr/>
         </p:nvPicPr>
         <p:blipFill>
-          <a:blip r:embed="rId2"/>
+          <a:blip r:embed="rId3"/>
           <a:stretch>
             <a:fillRect/>
           </a:stretch>
@@ -11194,21 +11501,6 @@
 </file>
 
 <file path=customXml/item1.xml><?xml version="1.0" encoding="utf-8"?>
-<p:properties xmlns:p="http://schemas.microsoft.com/office/2006/metadata/properties" xmlns:xsi="http://www.w3.org/2001/XMLSchema-instance" xmlns:pc="http://schemas.microsoft.com/office/infopath/2007/PartnerControls">
-  <documentManagement/>
-</p:properties>
-</file>
-
-<file path=customXml/item2.xml><?xml version="1.0" encoding="utf-8"?>
-<?mso-contentType ?>
-<FormTemplates xmlns="http://schemas.microsoft.com/sharepoint/v3/contenttype/forms">
-  <Display>DocumentLibraryForm</Display>
-  <Edit>DocumentLibraryForm</Edit>
-  <New>DocumentLibraryForm</New>
-</FormTemplates>
-</file>
-
-<file path=customXml/item3.xml><?xml version="1.0" encoding="utf-8"?>
 <ct:contentTypeSchema xmlns:ct="http://schemas.microsoft.com/office/2006/metadata/contentType" xmlns:ma="http://schemas.microsoft.com/office/2006/metadata/properties/metaAttributes" ct:_="" ma:_="" ma:contentTypeName="Document" ma:contentTypeID="0x0101006485FDDAC6B575409C31AC848C388A85" ma:contentTypeVersion="" ma:contentTypeDescription="Een nieuw document maken." ma:contentTypeScope="" ma:versionID="af1196157f6ce1f05c24b0f61ce6f714">
   <xsd:schema xmlns:xsd="http://www.w3.org/2001/XMLSchema" xmlns:xs="http://www.w3.org/2001/XMLSchema" xmlns:p="http://schemas.microsoft.com/office/2006/metadata/properties" targetNamespace="http://schemas.microsoft.com/office/2006/metadata/properties" ma:root="true" ma:fieldsID="ded2a6fdfcb71de048e140027f1bc31d">
     <xsd:element name="properties">
@@ -11322,17 +11614,33 @@
 </ct:contentTypeSchema>
 </file>
 
+<file path=customXml/item2.xml><?xml version="1.0" encoding="utf-8"?>
+<?mso-contentType ?>
+<FormTemplates xmlns="http://schemas.microsoft.com/sharepoint/v3/contenttype/forms">
+  <Display>DocumentLibraryForm</Display>
+  <Edit>DocumentLibraryForm</Edit>
+  <New>DocumentLibraryForm</New>
+</FormTemplates>
+</file>
+
+<file path=customXml/item3.xml><?xml version="1.0" encoding="utf-8"?>
+<p:properties xmlns:p="http://schemas.microsoft.com/office/2006/metadata/properties" xmlns:xsi="http://www.w3.org/2001/XMLSchema-instance" xmlns:pc="http://schemas.microsoft.com/office/infopath/2007/PartnerControls">
+  <documentManagement/>
+</p:properties>
+</file>
+
 <file path=customXml/itemProps1.xml><?xml version="1.0" encoding="utf-8"?>
-<ds:datastoreItem xmlns:ds="http://schemas.openxmlformats.org/officeDocument/2006/customXml" ds:itemID="{04AF6CB7-2A18-4264-AB21-4901BBA09C44}">
+<ds:datastoreItem xmlns:ds="http://schemas.openxmlformats.org/officeDocument/2006/customXml" ds:itemID="{61CD111F-BAB6-4F2E-9651-10398B145E62}">
   <ds:schemaRefs>
-    <ds:schemaRef ds:uri="http://purl.org/dc/dcmitype/"/>
+    <ds:schemaRef ds:uri="http://schemas.microsoft.com/office/2006/metadata/contentType"/>
+    <ds:schemaRef ds:uri="http://schemas.microsoft.com/office/2006/metadata/properties/metaAttributes"/>
+    <ds:schemaRef ds:uri="http://www.w3.org/2001/XMLSchema"/>
+    <ds:schemaRef ds:uri="http://schemas.microsoft.com/office/2006/metadata/properties"/>
+    <ds:schemaRef ds:uri="http://schemas.openxmlformats.org/package/2006/metadata/core-properties"/>
+    <ds:schemaRef ds:uri="http://purl.org/dc/elements/1.1/"/>
+    <ds:schemaRef ds:uri="http://purl.org/dc/terms/"/>
+    <ds:schemaRef ds:uri="http://schemas.microsoft.com/internal/obd"/>
     <ds:schemaRef ds:uri="http://schemas.microsoft.com/office/infopath/2007/PartnerControls"/>
-    <ds:schemaRef ds:uri="http://purl.org/dc/elements/1.1/"/>
-    <ds:schemaRef ds:uri="http://schemas.microsoft.com/office/2006/metadata/properties"/>
-    <ds:schemaRef ds:uri="http://schemas.microsoft.com/office/2006/documentManagement/types"/>
-    <ds:schemaRef ds:uri="http://purl.org/dc/terms/"/>
-    <ds:schemaRef ds:uri="http://schemas.openxmlformats.org/package/2006/metadata/core-properties"/>
-    <ds:schemaRef ds:uri="http://www.w3.org/XML/1998/namespace"/>
   </ds:schemaRefs>
 </ds:datastoreItem>
 </file>
@@ -11346,17 +11654,16 @@
 </file>
 
 <file path=customXml/itemProps3.xml><?xml version="1.0" encoding="utf-8"?>
-<ds:datastoreItem xmlns:ds="http://schemas.openxmlformats.org/officeDocument/2006/customXml" ds:itemID="{61CD111F-BAB6-4F2E-9651-10398B145E62}">
+<ds:datastoreItem xmlns:ds="http://schemas.openxmlformats.org/officeDocument/2006/customXml" ds:itemID="{04AF6CB7-2A18-4264-AB21-4901BBA09C44}">
   <ds:schemaRefs>
-    <ds:schemaRef ds:uri="http://schemas.microsoft.com/office/2006/metadata/contentType"/>
-    <ds:schemaRef ds:uri="http://schemas.microsoft.com/office/2006/metadata/properties/metaAttributes"/>
-    <ds:schemaRef ds:uri="http://www.w3.org/2001/XMLSchema"/>
+    <ds:schemaRef ds:uri="http://purl.org/dc/dcmitype/"/>
+    <ds:schemaRef ds:uri="http://schemas.microsoft.com/office/infopath/2007/PartnerControls"/>
+    <ds:schemaRef ds:uri="http://purl.org/dc/elements/1.1/"/>
     <ds:schemaRef ds:uri="http://schemas.microsoft.com/office/2006/metadata/properties"/>
+    <ds:schemaRef ds:uri="http://schemas.microsoft.com/office/2006/documentManagement/types"/>
+    <ds:schemaRef ds:uri="http://purl.org/dc/terms/"/>
     <ds:schemaRef ds:uri="http://schemas.openxmlformats.org/package/2006/metadata/core-properties"/>
-    <ds:schemaRef ds:uri="http://purl.org/dc/elements/1.1/"/>
-    <ds:schemaRef ds:uri="http://purl.org/dc/terms/"/>
-    <ds:schemaRef ds:uri="http://schemas.microsoft.com/internal/obd"/>
-    <ds:schemaRef ds:uri="http://schemas.microsoft.com/office/infopath/2007/PartnerControls"/>
+    <ds:schemaRef ds:uri="http://www.w3.org/XML/1998/namespace"/>
   </ds:schemaRefs>
 </ds:datastoreItem>
 </file>
--- a/presentatie - 19 april.pptx
+++ b/presentatie - 19 april.pptx
@@ -5,7 +5,7 @@
     <p:sldMasterId id="2147483660" r:id="rId4"/>
   </p:sldMasterIdLst>
   <p:notesMasterIdLst>
-    <p:notesMasterId r:id="rId25"/>
+    <p:notesMasterId r:id="rId26"/>
   </p:notesMasterIdLst>
   <p:sldIdLst>
     <p:sldId id="339" r:id="rId5"/>
@@ -20,14 +20,15 @@
     <p:sldId id="344" r:id="rId14"/>
     <p:sldId id="300" r:id="rId15"/>
     <p:sldId id="346" r:id="rId16"/>
-    <p:sldId id="345" r:id="rId17"/>
-    <p:sldId id="306" r:id="rId18"/>
-    <p:sldId id="351" r:id="rId19"/>
-    <p:sldId id="347" r:id="rId20"/>
-    <p:sldId id="348" r:id="rId21"/>
+    <p:sldId id="352" r:id="rId17"/>
+    <p:sldId id="345" r:id="rId18"/>
+    <p:sldId id="306" r:id="rId19"/>
+    <p:sldId id="351" r:id="rId20"/>
+    <p:sldId id="347" r:id="rId21"/>
     <p:sldId id="349" r:id="rId22"/>
-    <p:sldId id="350" r:id="rId23"/>
-    <p:sldId id="308" r:id="rId24"/>
+    <p:sldId id="348" r:id="rId23"/>
+    <p:sldId id="350" r:id="rId24"/>
+    <p:sldId id="308" r:id="rId25"/>
   </p:sldIdLst>
   <p:sldSz cx="17338675" cy="9753600"/>
   <p:notesSz cx="6858000" cy="9144000"/>
@@ -253,7 +254,7 @@
           <a:p>
             <a:fld id="{86680C0C-85DF-417F-8238-DB0D15743621}" type="datetimeFigureOut">
               <a:rPr lang="en-GB" smtClean="0"/>
-              <a:t>15/04/2020</a:t>
+              <a:t>16/04/2020</a:t>
             </a:fld>
             <a:endParaRPr lang="en-GB"/>
           </a:p>
@@ -808,59 +809,6 @@
               <a:t> algoritmes kunnen bewegingen herkend worden uit de bekomen data. </a:t>
             </a:r>
           </a:p>
-          <a:p>
-            <a:r>
-              <a:rPr lang="nl-BE" dirty="0"/>
-              <a:t>Deze moet echter wel eerst nog </a:t>
-            </a:r>
-            <a:r>
-              <a:rPr lang="nl-BE" dirty="0" err="1"/>
-              <a:t>gepreprocessed</a:t>
-            </a:r>
-            <a:r>
-              <a:rPr lang="nl-BE" dirty="0"/>
-              <a:t> worden: </a:t>
-            </a:r>
-            <a:r>
-              <a:rPr lang="nl-BE" dirty="0" err="1"/>
-              <a:t>duplicate</a:t>
-            </a:r>
-            <a:r>
-              <a:rPr lang="nl-BE" dirty="0"/>
-              <a:t> samples moeten eruit gefilterd worden, alle data moet van het juiste type zijn..</a:t>
-            </a:r>
-          </a:p>
-          <a:p>
-            <a:endParaRPr lang="nl-BE" dirty="0"/>
-          </a:p>
-          <a:p>
-            <a:r>
-              <a:rPr lang="nl-BE" dirty="0"/>
-              <a:t>Ook zal aan elk sample een klasse moeten toegekend worden zodat de gebruikte algoritmes hieruit kunnen leren. De </a:t>
-            </a:r>
-            <a:r>
-              <a:rPr lang="nl-BE" dirty="0" err="1"/>
-              <a:t>klasses</a:t>
-            </a:r>
-            <a:r>
-              <a:rPr lang="nl-BE" dirty="0"/>
-              <a:t> bestaan uit</a:t>
-            </a:r>
-          </a:p>
-          <a:p>
-            <a:r>
-              <a:rPr lang="nl-BE" dirty="0"/>
-              <a:t>De samples zullen ook moeten opgedeeld worden in segmenten. 1 enkel </a:t>
-            </a:r>
-            <a:r>
-              <a:rPr lang="nl-BE" dirty="0" err="1"/>
-              <a:t>accelerometer</a:t>
-            </a:r>
-            <a:r>
-              <a:rPr lang="nl-BE" dirty="0"/>
-              <a:t> data punt is namelijk te weinig om een verloop in te herkennen.</a:t>
-            </a:r>
-          </a:p>
         </p:txBody>
       </p:sp>
       <p:sp>
@@ -945,13 +893,57 @@
           <a:p>
             <a:r>
               <a:rPr lang="nl-BE" dirty="0"/>
-              <a:t>De gebruikte algoritmes zijn de volgende. Deze zullen elk op een verschillende manier samples toekennen aan een bepaalde klasse op basis van de data waarop getraind werd. Sommige van deze algoritmes vereisen meer input dan enkel de versnellingsvector op zich. Zaken zoals de energie inhoud van het signaal kunnen helpen om de segmenten van elkaar te onderscheiden.  </a:t>
-            </a:r>
-          </a:p>
-          <a:p>
+              <a:t>Deze moet echter wel eerst nog </a:t>
+            </a:r>
+            <a:r>
+              <a:rPr lang="nl-BE" dirty="0" err="1"/>
+              <a:t>gepreprocessed</a:t>
+            </a:r>
             <a:r>
               <a:rPr lang="nl-BE" dirty="0"/>
-              <a:t>Een neuraal netwerk is zo gebouwd zodat deze bijkomende data zelf kan geleerd worden.</a:t>
+              <a:t> worden: </a:t>
+            </a:r>
+            <a:r>
+              <a:rPr lang="nl-BE" dirty="0" err="1"/>
+              <a:t>duplicate</a:t>
+            </a:r>
+            <a:r>
+              <a:rPr lang="nl-BE" dirty="0"/>
+              <a:t> samples moeten eruit gefilterd worden, alle data moet van het juiste type zijn en er moet voor gezorgd worden dat er geen </a:t>
+            </a:r>
+            <a:r>
+              <a:rPr lang="nl-BE" dirty="0" err="1"/>
+              <a:t>NaN</a:t>
+            </a:r>
+            <a:r>
+              <a:rPr lang="nl-BE" dirty="0"/>
+              <a:t> waardes zijn.</a:t>
+            </a:r>
+          </a:p>
+          <a:p>
+            <a:endParaRPr lang="nl-BE" dirty="0"/>
+          </a:p>
+          <a:p>
+            <a:r>
+              <a:rPr lang="nl-BE" dirty="0"/>
+              <a:t>Ook zal aan elk sample een label moeten toegekend worden zodat de gebruikte algoritmes hieruit kunnen leren. In voorgaande slides werden de gebruikte klassen toegelicht.</a:t>
+            </a:r>
+          </a:p>
+          <a:p>
+            <a:endParaRPr lang="nl-BE" dirty="0"/>
+          </a:p>
+          <a:p>
+            <a:r>
+              <a:rPr lang="nl-BE" dirty="0"/>
+              <a:t>De samples zullen ook moeten opgedeeld worden in segmenten. 1 enkel </a:t>
+            </a:r>
+            <a:r>
+              <a:rPr lang="nl-BE" dirty="0" err="1"/>
+              <a:t>accelerometer</a:t>
+            </a:r>
+            <a:r>
+              <a:rPr lang="nl-BE" dirty="0"/>
+              <a:t> data punt is namelijk te weinig om een verloop in te herkennen.</a:t>
             </a:r>
           </a:p>
         </p:txBody>
@@ -1038,21 +1030,13 @@
           <a:p>
             <a:r>
               <a:rPr lang="nl-BE" dirty="0"/>
-              <a:t>Het is essentieel dat er genoeg variatie aanwezig is in de dataset. Er is namelijk een verschil in positionering van de assen bij dragen van de smartwatch op de rechter of </a:t>
-            </a:r>
-            <a:r>
-              <a:rPr lang="nl-BE" dirty="0" err="1"/>
-              <a:t>linkerpols</a:t>
-            </a:r>
+              <a:t>De gebruikte algoritmes zijn de volgende. Deze zullen elk op een verschillende manier samples toekennen aan een bepaalde klasse op basis van de data waarop getraind werd. Sommige van deze algoritmes vereisen meer input dan enkel de versnellingsvector op zich. Zaken zoals de energie inhoud van het signaal kunnen helpen om de segmenten van elkaar te onderscheiden.  </a:t>
+            </a:r>
+          </a:p>
+          <a:p>
             <a:r>
               <a:rPr lang="nl-BE" dirty="0"/>
-              <a:t>. Om ervoor te zorgen dat het model beide herkend moeten beide aanwezig zijn. Ook is er een verschil in data bij veranderen van draairichting. De sprong is echter nog steeds hetzelfde, dus ook deze data moet aanwezig zijn. </a:t>
-            </a:r>
-          </a:p>
-          <a:p>
-            <a:r>
-              <a:rPr lang="nl-BE" dirty="0"/>
-              <a:t>De forward en backward 180 sprongen hebben een andere onderscheid. Indien de forward 180 uitgevoerd wordt in de andere draairichting bekomen we de backward 180 en omgekeerd. Er is echter een ander verschil: het draaien kan in 2 richtingen gebeuren.</a:t>
+              <a:t>Een neuraal netwerk is zo gebouwd zodat deze bijkomende data zelf kan geleerd worden.</a:t>
             </a:r>
           </a:p>
         </p:txBody>
@@ -1083,7 +1067,7 @@
     </p:spTree>
     <p:extLst>
       <p:ext uri="{BB962C8B-B14F-4D97-AF65-F5344CB8AC3E}">
-        <p14:creationId xmlns:p14="http://schemas.microsoft.com/office/powerpoint/2010/main" val="1033066917"/>
+        <p14:creationId xmlns:p14="http://schemas.microsoft.com/office/powerpoint/2010/main" val="2855438699"/>
       </p:ext>
     </p:extLst>
   </p:cSld>
@@ -1139,15 +1123,21 @@
           <a:p>
             <a:r>
               <a:rPr lang="nl-BE" dirty="0"/>
-              <a:t>Het is de bedoeling dat gebruik makend van </a:t>
+              <a:t>Het is essentieel dat er genoeg variatie aanwezig is in de dataset. Er is namelijk een verschil in positionering van de assen bij dragen van de smartwatch op de rechter of </a:t>
             </a:r>
             <a:r>
               <a:rPr lang="nl-BE" dirty="0" err="1"/>
-              <a:t>rope</a:t>
+              <a:t>linkerpols</a:t>
             </a:r>
             <a:r>
               <a:rPr lang="nl-BE" dirty="0"/>
-              <a:t> skipping de gezondheid kan geoptimaliseerd worden. Dit door persoonlijke aanbevelingen te geven.</a:t>
+              <a:t>. Om ervoor te zorgen dat het model beide herkend moeten beide aanwezig zijn. Ook is er een verschil in data bij veranderen van draairichting. De sprong is echter nog steeds hetzelfde, dus ook deze data moet aanwezig zijn. </a:t>
+            </a:r>
+          </a:p>
+          <a:p>
+            <a:r>
+              <a:rPr lang="nl-BE" dirty="0"/>
+              <a:t>De forward en backward 180 sprongen hebben een andere onderscheid. Indien de forward 180 uitgevoerd wordt in de andere draairichting bekomen we de backward 180 en omgekeerd. Er is echter een ander verschil. De 180 graden draai kan gebeuren in 2 richtingen</a:t>
             </a:r>
           </a:p>
         </p:txBody>
@@ -1178,7 +1168,7 @@
     </p:spTree>
     <p:extLst>
       <p:ext uri="{BB962C8B-B14F-4D97-AF65-F5344CB8AC3E}">
-        <p14:creationId xmlns:p14="http://schemas.microsoft.com/office/powerpoint/2010/main" val="2556906017"/>
+        <p14:creationId xmlns:p14="http://schemas.microsoft.com/office/powerpoint/2010/main" val="1033066917"/>
       </p:ext>
     </p:extLst>
   </p:cSld>
@@ -1234,7 +1224,7 @@
           <a:p>
             <a:r>
               <a:rPr lang="nl-BE" dirty="0"/>
-              <a:t>De gebruiker kan vanop de smartwatch of smartphone een sessie starten waarin hij/zij verschillende </a:t>
+              <a:t>Het is de bedoeling dat gebruik makend van </a:t>
             </a:r>
             <a:r>
               <a:rPr lang="nl-BE" dirty="0" err="1"/>
@@ -1242,23 +1232,7 @@
             </a:r>
             <a:r>
               <a:rPr lang="nl-BE" dirty="0"/>
-              <a:t> skipping bewegingen </a:t>
-            </a:r>
-            <a:r>
-              <a:rPr lang="nl-BE" dirty="0" err="1"/>
-              <a:t>uitvoerd</a:t>
-            </a:r>
-            <a:r>
-              <a:rPr lang="nl-BE" dirty="0"/>
-              <a:t>. Er wordt ook weer gebruik gemaakt van bluetooth. Op de smartphone zal dan via het getrainde machine </a:t>
-            </a:r>
-            <a:r>
-              <a:rPr lang="nl-BE" dirty="0" err="1"/>
-              <a:t>learning</a:t>
-            </a:r>
-            <a:r>
-              <a:rPr lang="nl-BE" dirty="0"/>
-              <a:t> model nagegaan worden welke sprongen gedaan werden en wanneer. Ook zal het inspanningsniveau berekend worden. Hierover later meer.</a:t>
+              <a:t> skipping de gezondheid kan geoptimaliseerd worden. Dit door persoonlijke aanbevelingen te geven.</a:t>
             </a:r>
           </a:p>
         </p:txBody>
@@ -1289,7 +1263,7 @@
     </p:spTree>
     <p:extLst>
       <p:ext uri="{BB962C8B-B14F-4D97-AF65-F5344CB8AC3E}">
-        <p14:creationId xmlns:p14="http://schemas.microsoft.com/office/powerpoint/2010/main" val="1669104353"/>
+        <p14:creationId xmlns:p14="http://schemas.microsoft.com/office/powerpoint/2010/main" val="2556906017"/>
       </p:ext>
     </p:extLst>
   </p:cSld>
@@ -1345,7 +1319,15 @@
           <a:p>
             <a:r>
               <a:rPr lang="nl-BE" dirty="0"/>
-              <a:t>Uit de binnengekomen data worden het aantal draaiingen berekend door telkens te kijken naar het aantal periodes. Ook zal gemeld worden wanneer een fout zich plaatsvindt. Het machine </a:t>
+              <a:t>De gebruiker kan vanop de smartwatch of smartphone een sessie starten waarin hij/zij verschillende </a:t>
+            </a:r>
+            <a:r>
+              <a:rPr lang="nl-BE" dirty="0" err="1"/>
+              <a:t>rope</a:t>
+            </a:r>
+            <a:r>
+              <a:rPr lang="nl-BE" dirty="0"/>
+              <a:t> skipping bewegingen uitvoert. Er wordt ook weer gebruik gemaakt van bluetooth. Op de smartphone zal dan via het getrainde machine </a:t>
             </a:r>
             <a:r>
               <a:rPr lang="nl-BE" dirty="0" err="1"/>
@@ -1353,7 +1335,7 @@
             </a:r>
             <a:r>
               <a:rPr lang="nl-BE" dirty="0"/>
-              <a:t> model wordt ook hierop getraind. Hierdoor weet men waar nog verbetering mogelijk is.</a:t>
+              <a:t> model nagegaan worden welke sprongen gedaan werden en wanneer. Ook zal het inspanningsniveau berekend worden. Hierover later meer.</a:t>
             </a:r>
           </a:p>
         </p:txBody>
@@ -1384,7 +1366,7 @@
     </p:spTree>
     <p:extLst>
       <p:ext uri="{BB962C8B-B14F-4D97-AF65-F5344CB8AC3E}">
-        <p14:creationId xmlns:p14="http://schemas.microsoft.com/office/powerpoint/2010/main" val="1797594430"/>
+        <p14:creationId xmlns:p14="http://schemas.microsoft.com/office/powerpoint/2010/main" val="1669104353"/>
       </p:ext>
     </p:extLst>
   </p:cSld>
@@ -1440,23 +1422,21 @@
           <a:p>
             <a:r>
               <a:rPr lang="nl-BE" dirty="0"/>
-              <a:t>Vanuit de bekomen statistieken zullen persoonlijke aanbevelingen gegeven worden. Hierbij wordt data van 10 weken terug bekeken alsook de gemiddelde duur en het aantal sessies waarin deze werd beoefent van een sprong. Door de gemiddelde duur kan gezien worden hoe graag de persoon deze </a:t>
+              <a:t>Uit de binnengekomen data worden het aantal draaiingen berekend door telkens te kijken naar het aantal periodes. Ook zal gemeld worden wanneer een fout zich plaatsvindt. Het machine </a:t>
             </a:r>
             <a:r>
               <a:rPr lang="nl-BE" dirty="0" err="1"/>
-              <a:t>uitoefend</a:t>
+              <a:t>learning</a:t>
             </a:r>
             <a:r>
               <a:rPr lang="nl-BE" dirty="0"/>
-              <a:t>. Indien veel fouten gemaakt werden zal ook hier rekening </a:t>
-            </a:r>
-            <a:r>
-              <a:rPr lang="nl-BE" dirty="0" err="1"/>
-              <a:t>meegehouden</a:t>
-            </a:r>
+              <a:t> model wordt er ook op getraind om dit te herkennen. Hierdoor is er naast data afkomstig van sprongen ook data van foute bewegingen nodig. </a:t>
+            </a:r>
+          </a:p>
+          <a:p>
             <a:r>
               <a:rPr lang="nl-BE" dirty="0"/>
-              <a:t> worden. </a:t>
+              <a:t>Door fouten te melden aan de gebruiker weet men waar verbetering mogelijk is. Dit is een extra stimulans om meer te sporten.</a:t>
             </a:r>
           </a:p>
         </p:txBody>
@@ -1487,7 +1467,7 @@
     </p:spTree>
     <p:extLst>
       <p:ext uri="{BB962C8B-B14F-4D97-AF65-F5344CB8AC3E}">
-        <p14:creationId xmlns:p14="http://schemas.microsoft.com/office/powerpoint/2010/main" val="4256095670"/>
+        <p14:creationId xmlns:p14="http://schemas.microsoft.com/office/powerpoint/2010/main" val="1797594430"/>
       </p:ext>
     </p:extLst>
   </p:cSld>
@@ -1552,6 +1532,15 @@
             <a:r>
               <a:rPr lang="nl-BE" dirty="0"/>
               <a:t>. Hierbij zal gebaseerd op de hartslag bepaald worden hoe intens de activiteit ervaren wordt.</a:t>
+            </a:r>
+          </a:p>
+          <a:p>
+            <a:endParaRPr lang="nl-BE" dirty="0"/>
+          </a:p>
+          <a:p>
+            <a:r>
+              <a:rPr lang="nl-BE" dirty="0"/>
+              <a:t>De hartslag wordt hierbij opgedeeld in intervallen die de intensiteit aanduiden. Ook wordt gebruik gemaakt van een bovengrens. Dit is de hoogste hartslag die de gezondheid niet schaadt.</a:t>
             </a:r>
           </a:p>
         </p:txBody>
@@ -1638,39 +1627,33 @@
           <a:p>
             <a:r>
               <a:rPr lang="nl-BE" dirty="0"/>
-              <a:t>De applicatie is context </a:t>
+              <a:t>Vanuit de bekomen statistieken zullen persoonlijke aanbevelingen gegeven worden. Hierbij wordt data van 10 weken terug bekeken alsook de gemiddelde duur van een activiteit en het aantal sessies waarin deze werd beoefent. Met activiteit wordt 1 specifieke </a:t>
             </a:r>
             <a:r>
               <a:rPr lang="nl-BE" dirty="0" err="1"/>
-              <a:t>aware</a:t>
+              <a:t>rope</a:t>
             </a:r>
             <a:r>
               <a:rPr lang="nl-BE" dirty="0"/>
-              <a:t> doordat aanbevelingen gegeven worden wanneer de gebruiker te lang stilzit. Ook is er een </a:t>
-            </a:r>
-            <a:r>
-              <a:rPr lang="nl-BE" dirty="0" err="1"/>
-              <a:t>snooze</a:t>
-            </a:r>
+              <a:t> skipping beweging bedoelt </a:t>
+            </a:r>
+          </a:p>
+          <a:p>
+            <a:endParaRPr lang="nl-BE" dirty="0"/>
+          </a:p>
+          <a:p>
             <a:r>
               <a:rPr lang="nl-BE" dirty="0"/>
-              <a:t> functionaliteit. Door te leren uit de tijdstippen waarop </a:t>
-            </a:r>
-            <a:r>
-              <a:rPr lang="nl-BE" dirty="0" err="1"/>
-              <a:t>gesnoozed</a:t>
-            </a:r>
+              <a:t>Verschillende aspecten maken dit systeem persoonlijk. Een eerste uit zich in het rekening houden met de persoonlijke voorkeur van een gebruiker. Door rekening te houden met het aantal sessies waarin de activiteit wordt beoefend, en dus meer gewicht te geven aan frequent beoefende bewegingen, wordt een persoonlijk aspect verwezenlijkt. Ook zal het aantal gemaakte fouten meespelen in de hoeveelheid gewicht gegeven wordt aan de activiteit.</a:t>
+            </a:r>
+          </a:p>
+          <a:p>
+            <a:endParaRPr lang="nl-BE" dirty="0"/>
+          </a:p>
+          <a:p>
             <a:r>
               <a:rPr lang="nl-BE" dirty="0"/>
-              <a:t> wordt zal het systeem uiteindelijk correct getimede aanbevelingen geven. Ook zal er bij een te hoge hartslag een melding gegeven worden. Dit zorgt ervoor dat de </a:t>
-            </a:r>
-            <a:r>
-              <a:rPr lang="nl-BE" dirty="0" err="1"/>
-              <a:t>gruiker</a:t>
-            </a:r>
-            <a:r>
-              <a:rPr lang="nl-BE" dirty="0"/>
-              <a:t> niet over zijn limiet gaat.</a:t>
+              <a:t>Een tweede persoonlijk aspect bestaat uit het rekening houden met het inspanningsniveau tijdens de activiteiten. Hierdoor wordt een bovengrens gesteld aan het aantal aanbevelingen rekening houdend met de capaciteiten van de gebruiker.</a:t>
             </a:r>
           </a:p>
         </p:txBody>
@@ -1701,7 +1684,7 @@
     </p:spTree>
     <p:extLst>
       <p:ext uri="{BB962C8B-B14F-4D97-AF65-F5344CB8AC3E}">
-        <p14:creationId xmlns:p14="http://schemas.microsoft.com/office/powerpoint/2010/main" val="1642469291"/>
+        <p14:creationId xmlns:p14="http://schemas.microsoft.com/office/powerpoint/2010/main" val="4256095670"/>
       </p:ext>
     </p:extLst>
   </p:cSld>
@@ -1786,6 +1769,123 @@
     <p:extLst>
       <p:ext uri="{BB962C8B-B14F-4D97-AF65-F5344CB8AC3E}">
         <p14:creationId xmlns:p14="http://schemas.microsoft.com/office/powerpoint/2010/main" val="3693134774"/>
+      </p:ext>
+    </p:extLst>
+  </p:cSld>
+  <p:clrMapOvr>
+    <a:masterClrMapping/>
+  </p:clrMapOvr>
+</p:notes>
+</file>
+
+<file path=ppt/notesSlides/notesSlide20.xml><?xml version="1.0" encoding="utf-8"?>
+<p:notes xmlns:a="http://schemas.openxmlformats.org/drawingml/2006/main" xmlns:r="http://schemas.openxmlformats.org/officeDocument/2006/relationships" xmlns:p="http://schemas.openxmlformats.org/presentationml/2006/main">
+  <p:cSld>
+    <p:spTree>
+      <p:nvGrpSpPr>
+        <p:cNvPr id="1" name=""/>
+        <p:cNvGrpSpPr/>
+        <p:nvPr/>
+      </p:nvGrpSpPr>
+      <p:grpSpPr>
+        <a:xfrm>
+          <a:off x="0" y="0"/>
+          <a:ext cx="0" cy="0"/>
+          <a:chOff x="0" y="0"/>
+          <a:chExt cx="0" cy="0"/>
+        </a:xfrm>
+      </p:grpSpPr>
+      <p:sp>
+        <p:nvSpPr>
+          <p:cNvPr id="2" name="Tijdelijke aanduiding voor dia-afbeelding 1"/>
+          <p:cNvSpPr>
+            <a:spLocks noGrp="1" noRot="1" noChangeAspect="1"/>
+          </p:cNvSpPr>
+          <p:nvPr>
+            <p:ph type="sldImg"/>
+          </p:nvPr>
+        </p:nvSpPr>
+        <p:spPr/>
+      </p:sp>
+      <p:sp>
+        <p:nvSpPr>
+          <p:cNvPr id="3" name="Tijdelijke aanduiding voor notities 2"/>
+          <p:cNvSpPr>
+            <a:spLocks noGrp="1"/>
+          </p:cNvSpPr>
+          <p:nvPr>
+            <p:ph type="body" idx="1"/>
+          </p:nvPr>
+        </p:nvSpPr>
+        <p:spPr/>
+        <p:txBody>
+          <a:bodyPr/>
+          <a:lstStyle/>
+          <a:p>
+            <a:r>
+              <a:rPr lang="nl-BE" dirty="0"/>
+              <a:t>De applicatie is context </a:t>
+            </a:r>
+            <a:r>
+              <a:rPr lang="nl-BE" dirty="0" err="1"/>
+              <a:t>aware</a:t>
+            </a:r>
+            <a:r>
+              <a:rPr lang="nl-BE" dirty="0"/>
+              <a:t> doordat aanbevelingen gegeven worden wanneer de gebruiker te lang stilzit. Ook is er een </a:t>
+            </a:r>
+            <a:r>
+              <a:rPr lang="nl-BE" dirty="0" err="1"/>
+              <a:t>snooze</a:t>
+            </a:r>
+            <a:r>
+              <a:rPr lang="nl-BE" dirty="0"/>
+              <a:t> functionaliteit. Door te leren uit de tijdstippen waarop </a:t>
+            </a:r>
+            <a:r>
+              <a:rPr lang="nl-BE" dirty="0" err="1"/>
+              <a:t>gesnoozed</a:t>
+            </a:r>
+            <a:r>
+              <a:rPr lang="nl-BE" dirty="0"/>
+              <a:t> wordt zal het systeem uiteindelijk correct getimede aanbevelingen geven. </a:t>
+            </a:r>
+          </a:p>
+          <a:p>
+            <a:r>
+              <a:rPr lang="nl-BE" dirty="0"/>
+              <a:t>Ook zal er bij een te hoge hartslag een melding gegeven worden. Dit zorgt ervoor dat de gebruiker niet over zijn limiet gaat.</a:t>
+            </a:r>
+          </a:p>
+        </p:txBody>
+      </p:sp>
+      <p:sp>
+        <p:nvSpPr>
+          <p:cNvPr id="4" name="Tijdelijke aanduiding voor dianummer 3"/>
+          <p:cNvSpPr>
+            <a:spLocks noGrp="1"/>
+          </p:cNvSpPr>
+          <p:nvPr>
+            <p:ph type="sldNum" sz="quarter" idx="5"/>
+          </p:nvPr>
+        </p:nvSpPr>
+        <p:spPr/>
+        <p:txBody>
+          <a:bodyPr/>
+          <a:lstStyle/>
+          <a:p>
+            <a:fld id="{539A0A48-EDB1-4AFE-B1B7-10CE2A416496}" type="slidenum">
+              <a:rPr lang="en-GB" smtClean="0"/>
+              <a:t>20</a:t>
+            </a:fld>
+            <a:endParaRPr lang="en-GB"/>
+          </a:p>
+        </p:txBody>
+      </p:sp>
+    </p:spTree>
+    <p:extLst>
+      <p:ext uri="{BB962C8B-B14F-4D97-AF65-F5344CB8AC3E}">
+        <p14:creationId xmlns:p14="http://schemas.microsoft.com/office/powerpoint/2010/main" val="1642469291"/>
       </p:ext>
     </p:extLst>
   </p:cSld>
@@ -2621,6 +2721,28 @@
           <a:p>
             <a:r>
               <a:rPr lang="nl-BE" dirty="0"/>
+              <a:t>Om deze bewegingen te kunnen detecteren is dus </a:t>
+            </a:r>
+            <a:r>
+              <a:rPr lang="nl-BE" dirty="0" err="1"/>
+              <a:t>accelerometerdata</a:t>
+            </a:r>
+            <a:r>
+              <a:rPr lang="nl-BE" dirty="0"/>
+              <a:t> noodzakelijk.  Bewegingen tijdens het </a:t>
+            </a:r>
+            <a:r>
+              <a:rPr lang="nl-BE" dirty="0" err="1"/>
+              <a:t>rope</a:t>
+            </a:r>
+            <a:r>
+              <a:rPr lang="nl-BE" dirty="0"/>
+              <a:t> skippen worden vooral veroorzaakt door korte en lange polsbewegingen. Dit wordt best gemeten via een smartwatch bevestigd aan de linker of rechterpols.</a:t>
+            </a:r>
+          </a:p>
+          <a:p>
+            <a:r>
+              <a:rPr lang="nl-BE" dirty="0"/>
               <a:t>De bestaande applicaties voor de gebruikte smartwatch (</a:t>
             </a:r>
             <a:r>
@@ -2712,7 +2834,7 @@
           <a:p>
             <a:fld id="{5A24147F-ED97-47AF-A1B3-C82A179CF7F3}" type="datetime1">
               <a:rPr lang="nl-NL" smtClean="0"/>
-              <a:t>15-4-2020</a:t>
+              <a:t>16-4-2020</a:t>
             </a:fld>
             <a:endParaRPr lang="en-GB"/>
           </a:p>
@@ -3670,7 +3792,7 @@
           <a:p>
             <a:fld id="{25470885-0B31-4E06-AE71-7E16801F2838}" type="datetime1">
               <a:rPr lang="nl-BE" noProof="0" smtClean="0"/>
-              <a:t>15/04/2020</a:t>
+              <a:t>16/04/2020</a:t>
             </a:fld>
             <a:endParaRPr lang="nl-BE" noProof="0" dirty="0"/>
           </a:p>
@@ -3788,7 +3910,7 @@
           <a:p>
             <a:fld id="{E7410F60-8C93-4C37-B51A-4DDAE36F7E9B}" type="datetime1">
               <a:rPr lang="nl-BE" noProof="0" smtClean="0"/>
-              <a:t>15/04/2020</a:t>
+              <a:t>16/04/2020</a:t>
             </a:fld>
             <a:endParaRPr lang="nl-BE" noProof="0" dirty="0"/>
           </a:p>
@@ -4067,7 +4189,7 @@
           <a:p>
             <a:fld id="{656594B6-17DF-4759-A7A5-128AFEA77F2C}" type="datetime1">
               <a:rPr lang="nl-BE" noProof="0" smtClean="0"/>
-              <a:t>15/04/2020</a:t>
+              <a:t>16/04/2020</a:t>
             </a:fld>
             <a:endParaRPr lang="nl-BE" noProof="0" dirty="0"/>
           </a:p>
@@ -4208,7 +4330,7 @@
           <a:p>
             <a:fld id="{66A81384-1200-4D40-BEF0-3A17A1F906F4}" type="datetime1">
               <a:rPr lang="nl-NL" noProof="0" smtClean="0"/>
-              <a:t>15-4-2020</a:t>
+              <a:t>16-4-2020</a:t>
             </a:fld>
             <a:endParaRPr lang="nl-NL" noProof="0" dirty="0"/>
           </a:p>
@@ -4718,7 +4840,7 @@
           <a:p>
             <a:fld id="{66A81384-1200-4D40-BEF0-3A17A1F906F4}" type="datetime1">
               <a:rPr lang="nl-NL" noProof="0" smtClean="0"/>
-              <a:t>15-4-2020</a:t>
+              <a:t>16-4-2020</a:t>
             </a:fld>
             <a:endParaRPr lang="nl-NL" noProof="0" dirty="0"/>
           </a:p>
@@ -5004,7 +5126,7 @@
           <a:p>
             <a:fld id="{FA870D1A-A3AB-4E9F-892E-C45B5A80FDBF}" type="datetime1">
               <a:rPr lang="nl-BE" noProof="0" smtClean="0"/>
-              <a:t>15/04/2020</a:t>
+              <a:t>16/04/2020</a:t>
             </a:fld>
             <a:endParaRPr lang="nl-BE" noProof="0" dirty="0"/>
           </a:p>
@@ -6420,7 +6542,7 @@
           <a:p>
             <a:r>
               <a:rPr lang="nl-BE" dirty="0"/>
-              <a:t>algoritmes</a:t>
+              <a:t>PREPROCESSING</a:t>
             </a:r>
           </a:p>
         </p:txBody>
@@ -6463,7 +6585,7 @@
         <p:spPr>
           <a:xfrm>
             <a:off x="672353" y="1600200"/>
-            <a:ext cx="9628094" cy="5356403"/>
+            <a:ext cx="9628094" cy="3805209"/>
           </a:xfrm>
           <a:prstGeom prst="rect">
             <a:avLst/>
@@ -6485,16 +6607,9 @@
             </a:pPr>
             <a:r>
               <a:rPr lang="nl-BE" sz="3200" dirty="0"/>
-              <a:t>Support Vector </a:t>
-            </a:r>
-            <a:r>
-              <a:rPr lang="nl-BE" sz="3200" dirty="0" err="1"/>
-              <a:t>Classification</a:t>
-            </a:r>
-            <a:r>
-              <a:rPr lang="nl-BE" sz="3200" dirty="0"/>
-              <a:t> (SVC)</a:t>
-            </a:r>
+              <a:t>Duplicaten verwijderen</a:t>
+            </a:r>
+            <a:endParaRPr lang="nl-BE" sz="4400" dirty="0"/>
           </a:p>
           <a:p>
             <a:pPr marL="342900" indent="-342900">
@@ -6505,28 +6620,16 @@
               <a:buChar char="•"/>
             </a:pPr>
             <a:r>
-              <a:rPr lang="nl-BE" sz="3200" dirty="0" err="1"/>
-              <a:t>Linear</a:t>
-            </a:r>
-            <a:r>
               <a:rPr lang="nl-BE" sz="3200" dirty="0"/>
-              <a:t> Support Vector </a:t>
-            </a:r>
-            <a:r>
-              <a:rPr lang="nl-BE" sz="3200" dirty="0" err="1"/>
-              <a:t>Classification</a:t>
+              <a:t>Inconsistente</a:t>
+            </a:r>
+            <a:r>
+              <a:rPr lang="nl-BE" sz="4400" dirty="0"/>
+              <a:t> </a:t>
             </a:r>
             <a:r>
               <a:rPr lang="nl-BE" sz="3200" dirty="0"/>
-              <a:t> (</a:t>
-            </a:r>
-            <a:r>
-              <a:rPr lang="nl-BE" sz="3200" dirty="0" err="1"/>
-              <a:t>LinearSVC</a:t>
-            </a:r>
-            <a:r>
-              <a:rPr lang="nl-BE" sz="3200" dirty="0"/>
-              <a:t>)</a:t>
+              <a:t>waarden</a:t>
             </a:r>
           </a:p>
           <a:p>
@@ -6539,21 +6642,8 @@
             </a:pPr>
             <a:r>
               <a:rPr lang="nl-BE" sz="3200" dirty="0"/>
-              <a:t>Random </a:t>
-            </a:r>
-            <a:r>
-              <a:rPr lang="nl-BE" sz="3200" dirty="0" err="1"/>
-              <a:t>Forest</a:t>
-            </a:r>
-            <a:r>
-              <a:rPr lang="nl-BE" sz="3200" dirty="0"/>
-              <a:t> </a:t>
-            </a:r>
-            <a:r>
-              <a:rPr lang="nl-BE" sz="3200" dirty="0" err="1"/>
-              <a:t>Classifier</a:t>
-            </a:r>
-            <a:endParaRPr lang="nl-BE" sz="3200" dirty="0"/>
+              <a:t>Ontbrekende waarden</a:t>
+            </a:r>
           </a:p>
           <a:p>
             <a:pPr marL="342900" indent="-342900">
@@ -6565,7 +6655,7 @@
             </a:pPr>
             <a:r>
               <a:rPr lang="nl-BE" sz="3200" dirty="0" err="1"/>
-              <a:t>AdaBoost</a:t>
+              <a:t>Labeling</a:t>
             </a:r>
             <a:endParaRPr lang="nl-BE" sz="3200" dirty="0"/>
           </a:p>
@@ -6578,12 +6668,8 @@
               <a:buChar char="•"/>
             </a:pPr>
             <a:r>
-              <a:rPr lang="nl-BE" sz="3200" dirty="0" err="1"/>
-              <a:t>Naive</a:t>
-            </a:r>
-            <a:r>
               <a:rPr lang="nl-BE" sz="3200" dirty="0"/>
-              <a:t> Bayes</a:t>
+              <a:t>Segmentering </a:t>
             </a:r>
           </a:p>
           <a:p>
@@ -6594,123 +6680,7 @@
               <a:buFont typeface="Arial" panose="020B0604020202020204" pitchFamily="34" charset="0"/>
               <a:buChar char="•"/>
             </a:pPr>
-            <a:r>
-              <a:rPr lang="nl-BE" sz="3200" dirty="0"/>
-              <a:t>K-</a:t>
-            </a:r>
-            <a:r>
-              <a:rPr lang="nl-BE" sz="3200" dirty="0" err="1"/>
-              <a:t>nearest</a:t>
-            </a:r>
-            <a:r>
-              <a:rPr lang="nl-BE" sz="3200" dirty="0"/>
-              <a:t> </a:t>
-            </a:r>
-            <a:r>
-              <a:rPr lang="nl-BE" sz="3200" dirty="0" err="1"/>
-              <a:t>neighbors</a:t>
-            </a:r>
             <a:endParaRPr lang="nl-BE" sz="3200" dirty="0"/>
-          </a:p>
-          <a:p>
-            <a:pPr marL="342900" indent="-342900">
-              <a:lnSpc>
-                <a:spcPct val="120000"/>
-              </a:lnSpc>
-              <a:buFont typeface="Arial" panose="020B0604020202020204" pitchFamily="34" charset="0"/>
-              <a:buChar char="•"/>
-            </a:pPr>
-            <a:r>
-              <a:rPr lang="nl-BE" sz="3200" dirty="0" err="1"/>
-              <a:t>Stochastic</a:t>
-            </a:r>
-            <a:r>
-              <a:rPr lang="nl-BE" sz="3200" dirty="0"/>
-              <a:t> </a:t>
-            </a:r>
-            <a:r>
-              <a:rPr lang="nl-BE" sz="3200" dirty="0" err="1"/>
-              <a:t>Gradient</a:t>
-            </a:r>
-            <a:r>
-              <a:rPr lang="nl-BE" sz="3200" dirty="0"/>
-              <a:t> </a:t>
-            </a:r>
-            <a:r>
-              <a:rPr lang="nl-BE" sz="3200" dirty="0" err="1"/>
-              <a:t>Descent</a:t>
-            </a:r>
-            <a:r>
-              <a:rPr lang="nl-BE" sz="3200" dirty="0"/>
-              <a:t> </a:t>
-            </a:r>
-            <a:r>
-              <a:rPr lang="nl-BE" sz="3200" dirty="0" err="1"/>
-              <a:t>classifier</a:t>
-            </a:r>
-            <a:r>
-              <a:rPr lang="nl-BE" sz="3200" dirty="0"/>
-              <a:t> (SGD)</a:t>
-            </a:r>
-          </a:p>
-          <a:p>
-            <a:pPr marL="342900" indent="-342900">
-              <a:lnSpc>
-                <a:spcPct val="120000"/>
-              </a:lnSpc>
-              <a:buFont typeface="Arial" panose="020B0604020202020204" pitchFamily="34" charset="0"/>
-              <a:buChar char="•"/>
-            </a:pPr>
-            <a:r>
-              <a:rPr lang="nl-BE" sz="3200" dirty="0" err="1"/>
-              <a:t>Multilayer</a:t>
-            </a:r>
-            <a:r>
-              <a:rPr lang="nl-BE" sz="3200" dirty="0"/>
-              <a:t> </a:t>
-            </a:r>
-            <a:r>
-              <a:rPr lang="nl-BE" sz="3200" dirty="0" err="1"/>
-              <a:t>Percepton</a:t>
-            </a:r>
-            <a:r>
-              <a:rPr lang="nl-BE" sz="3200" dirty="0"/>
-              <a:t> </a:t>
-            </a:r>
-            <a:r>
-              <a:rPr lang="nl-BE" sz="3200" dirty="0" err="1"/>
-              <a:t>Classifier</a:t>
-            </a:r>
-            <a:r>
-              <a:rPr lang="nl-BE" sz="3200" dirty="0"/>
-              <a:t> (MLP)</a:t>
-            </a:r>
-          </a:p>
-          <a:p>
-            <a:pPr marL="342900" indent="-342900">
-              <a:lnSpc>
-                <a:spcPct val="120000"/>
-              </a:lnSpc>
-              <a:buFont typeface="Arial" panose="020B0604020202020204" pitchFamily="34" charset="0"/>
-              <a:buChar char="•"/>
-            </a:pPr>
-            <a:r>
-              <a:rPr lang="nl-BE" sz="3200" dirty="0" err="1"/>
-              <a:t>Convolutional</a:t>
-            </a:r>
-            <a:r>
-              <a:rPr lang="nl-BE" sz="3200" dirty="0"/>
-              <a:t> </a:t>
-            </a:r>
-            <a:r>
-              <a:rPr lang="nl-BE" sz="3200" dirty="0" err="1"/>
-              <a:t>Neural</a:t>
-            </a:r>
-            <a:r>
-              <a:rPr lang="nl-BE" sz="3200" dirty="0"/>
-              <a:t> Network (CNN)</a:t>
-            </a:r>
-            <a:endParaRPr lang="nl-BE" sz="4800" dirty="0"/>
           </a:p>
         </p:txBody>
       </p:sp>
@@ -6761,7 +6731,7 @@
           <a:p>
             <a:r>
               <a:rPr lang="nl-BE" dirty="0"/>
-              <a:t>variaties</a:t>
+              <a:t>algoritmes</a:t>
             </a:r>
           </a:p>
         </p:txBody>
@@ -6804,7 +6774,7 @@
         <p:spPr>
           <a:xfrm>
             <a:off x="672353" y="1600200"/>
-            <a:ext cx="6938682" cy="1810817"/>
+            <a:ext cx="9628094" cy="5356403"/>
           </a:xfrm>
           <a:prstGeom prst="rect">
             <a:avLst/>
@@ -6826,7 +6796,15 @@
             </a:pPr>
             <a:r>
               <a:rPr lang="nl-BE" sz="3200" dirty="0"/>
-              <a:t>Pols</a:t>
+              <a:t>Support Vector </a:t>
+            </a:r>
+            <a:r>
+              <a:rPr lang="nl-BE" sz="3200" dirty="0" err="1"/>
+              <a:t>Classification</a:t>
+            </a:r>
+            <a:r>
+              <a:rPr lang="nl-BE" sz="3200" dirty="0"/>
+              <a:t> (SVC)</a:t>
             </a:r>
           </a:p>
           <a:p>
@@ -6838,11 +6816,395 @@
               <a:buChar char="•"/>
             </a:pPr>
             <a:r>
+              <a:rPr lang="nl-BE" sz="3200" dirty="0" err="1"/>
+              <a:t>Linear</a:t>
+            </a:r>
+            <a:r>
+              <a:rPr lang="nl-BE" sz="3200" dirty="0"/>
+              <a:t> Support Vector </a:t>
+            </a:r>
+            <a:r>
+              <a:rPr lang="nl-BE" sz="3200" dirty="0" err="1"/>
+              <a:t>Classification</a:t>
+            </a:r>
+            <a:r>
+              <a:rPr lang="nl-BE" sz="3200" dirty="0"/>
+              <a:t> (</a:t>
+            </a:r>
+            <a:r>
+              <a:rPr lang="nl-BE" sz="3200" dirty="0" err="1"/>
+              <a:t>LinearSVC</a:t>
+            </a:r>
+            <a:r>
+              <a:rPr lang="nl-BE" sz="3200" dirty="0"/>
+              <a:t>)</a:t>
+            </a:r>
+          </a:p>
+          <a:p>
+            <a:pPr marL="342900" indent="-342900">
+              <a:lnSpc>
+                <a:spcPct val="120000"/>
+              </a:lnSpc>
+              <a:buFont typeface="Arial" panose="020B0604020202020204" pitchFamily="34" charset="0"/>
+              <a:buChar char="•"/>
+            </a:pPr>
+            <a:r>
+              <a:rPr lang="nl-BE" sz="3200" dirty="0"/>
+              <a:t>Random </a:t>
+            </a:r>
+            <a:r>
+              <a:rPr lang="nl-BE" sz="3200" dirty="0" err="1"/>
+              <a:t>Forest</a:t>
+            </a:r>
+            <a:r>
+              <a:rPr lang="nl-BE" sz="3200" dirty="0"/>
+              <a:t> </a:t>
+            </a:r>
+            <a:r>
+              <a:rPr lang="nl-BE" sz="3200" dirty="0" err="1"/>
+              <a:t>Classifier</a:t>
+            </a:r>
+            <a:endParaRPr lang="nl-BE" sz="3200" dirty="0"/>
+          </a:p>
+          <a:p>
+            <a:pPr marL="342900" indent="-342900">
+              <a:lnSpc>
+                <a:spcPct val="120000"/>
+              </a:lnSpc>
+              <a:buFont typeface="Arial" panose="020B0604020202020204" pitchFamily="34" charset="0"/>
+              <a:buChar char="•"/>
+            </a:pPr>
+            <a:r>
+              <a:rPr lang="nl-BE" sz="3200" dirty="0" err="1"/>
+              <a:t>AdaBoost</a:t>
+            </a:r>
+            <a:endParaRPr lang="nl-BE" sz="3200" dirty="0"/>
+          </a:p>
+          <a:p>
+            <a:pPr marL="342900" indent="-342900">
+              <a:lnSpc>
+                <a:spcPct val="120000"/>
+              </a:lnSpc>
+              <a:buFont typeface="Arial" panose="020B0604020202020204" pitchFamily="34" charset="0"/>
+              <a:buChar char="•"/>
+            </a:pPr>
+            <a:r>
+              <a:rPr lang="nl-BE" sz="3200" dirty="0" err="1"/>
+              <a:t>Naive</a:t>
+            </a:r>
+            <a:r>
+              <a:rPr lang="nl-BE" sz="3200" dirty="0"/>
+              <a:t> Bayes</a:t>
+            </a:r>
+          </a:p>
+          <a:p>
+            <a:pPr marL="342900" indent="-342900">
+              <a:lnSpc>
+                <a:spcPct val="120000"/>
+              </a:lnSpc>
+              <a:buFont typeface="Arial" panose="020B0604020202020204" pitchFamily="34" charset="0"/>
+              <a:buChar char="•"/>
+            </a:pPr>
+            <a:r>
+              <a:rPr lang="nl-BE" sz="3200" dirty="0"/>
+              <a:t>K-</a:t>
+            </a:r>
+            <a:r>
+              <a:rPr lang="nl-BE" sz="3200" dirty="0" err="1"/>
+              <a:t>nearest</a:t>
+            </a:r>
+            <a:r>
+              <a:rPr lang="nl-BE" sz="3200" dirty="0"/>
+              <a:t> </a:t>
+            </a:r>
+            <a:r>
+              <a:rPr lang="nl-BE" sz="3200" dirty="0" err="1"/>
+              <a:t>neighbors</a:t>
+            </a:r>
+            <a:endParaRPr lang="nl-BE" sz="3200" dirty="0"/>
+          </a:p>
+          <a:p>
+            <a:pPr marL="342900" indent="-342900">
+              <a:lnSpc>
+                <a:spcPct val="120000"/>
+              </a:lnSpc>
+              <a:buFont typeface="Arial" panose="020B0604020202020204" pitchFamily="34" charset="0"/>
+              <a:buChar char="•"/>
+            </a:pPr>
+            <a:r>
+              <a:rPr lang="nl-BE" sz="3200" dirty="0" err="1"/>
+              <a:t>Stochastic</a:t>
+            </a:r>
+            <a:r>
+              <a:rPr lang="nl-BE" sz="3200" dirty="0"/>
+              <a:t> </a:t>
+            </a:r>
+            <a:r>
+              <a:rPr lang="nl-BE" sz="3200" dirty="0" err="1"/>
+              <a:t>Gradient</a:t>
+            </a:r>
+            <a:r>
+              <a:rPr lang="nl-BE" sz="3200" dirty="0"/>
+              <a:t> </a:t>
+            </a:r>
+            <a:r>
+              <a:rPr lang="nl-BE" sz="3200" dirty="0" err="1"/>
+              <a:t>Descent</a:t>
+            </a:r>
+            <a:r>
+              <a:rPr lang="nl-BE" sz="3200" dirty="0"/>
+              <a:t> </a:t>
+            </a:r>
+            <a:r>
+              <a:rPr lang="nl-BE" sz="3200" dirty="0" err="1"/>
+              <a:t>classifier</a:t>
+            </a:r>
+            <a:r>
+              <a:rPr lang="nl-BE" sz="3200" dirty="0"/>
+              <a:t> (SGD)</a:t>
+            </a:r>
+          </a:p>
+          <a:p>
+            <a:pPr marL="342900" indent="-342900">
+              <a:lnSpc>
+                <a:spcPct val="120000"/>
+              </a:lnSpc>
+              <a:buFont typeface="Arial" panose="020B0604020202020204" pitchFamily="34" charset="0"/>
+              <a:buChar char="•"/>
+            </a:pPr>
+            <a:r>
+              <a:rPr lang="nl-BE" sz="3200" dirty="0" err="1"/>
+              <a:t>Multilayer</a:t>
+            </a:r>
+            <a:r>
+              <a:rPr lang="nl-BE" sz="3200" dirty="0"/>
+              <a:t> </a:t>
+            </a:r>
+            <a:r>
+              <a:rPr lang="nl-BE" sz="3200" dirty="0" err="1"/>
+              <a:t>Percepton</a:t>
+            </a:r>
+            <a:r>
+              <a:rPr lang="nl-BE" sz="3200" dirty="0"/>
+              <a:t> </a:t>
+            </a:r>
+            <a:r>
+              <a:rPr lang="nl-BE" sz="3200" dirty="0" err="1"/>
+              <a:t>Classifier</a:t>
+            </a:r>
+            <a:r>
+              <a:rPr lang="nl-BE" sz="3200" dirty="0"/>
+              <a:t> (MLP)</a:t>
+            </a:r>
+          </a:p>
+          <a:p>
+            <a:pPr marL="342900" indent="-342900">
+              <a:lnSpc>
+                <a:spcPct val="120000"/>
+              </a:lnSpc>
+              <a:buFont typeface="Arial" panose="020B0604020202020204" pitchFamily="34" charset="0"/>
+              <a:buChar char="•"/>
+            </a:pPr>
+            <a:r>
+              <a:rPr lang="nl-BE" sz="3200" dirty="0" err="1"/>
+              <a:t>Convolutional</a:t>
+            </a:r>
+            <a:r>
+              <a:rPr lang="nl-BE" sz="3200" dirty="0"/>
+              <a:t> </a:t>
+            </a:r>
+            <a:r>
+              <a:rPr lang="nl-BE" sz="3200" dirty="0" err="1"/>
+              <a:t>Neural</a:t>
+            </a:r>
+            <a:r>
+              <a:rPr lang="nl-BE" sz="3200" dirty="0"/>
+              <a:t> Network (CNN)</a:t>
+            </a:r>
+            <a:endParaRPr lang="nl-BE" sz="4800" dirty="0"/>
+          </a:p>
+        </p:txBody>
+      </p:sp>
+    </p:spTree>
+    <p:extLst>
+      <p:ext uri="{BB962C8B-B14F-4D97-AF65-F5344CB8AC3E}">
+        <p14:creationId xmlns:p14="http://schemas.microsoft.com/office/powerpoint/2010/main" val="3000148833"/>
+      </p:ext>
+    </p:extLst>
+  </p:cSld>
+  <p:clrMapOvr>
+    <a:masterClrMapping/>
+  </p:clrMapOvr>
+</p:sld>
+</file>
+
+<file path=ppt/slides/slide14.xml><?xml version="1.0" encoding="utf-8"?>
+<p:sld xmlns:a="http://schemas.openxmlformats.org/drawingml/2006/main" xmlns:r="http://schemas.openxmlformats.org/officeDocument/2006/relationships" xmlns:p="http://schemas.openxmlformats.org/presentationml/2006/main">
+  <p:cSld>
+    <p:spTree>
+      <p:nvGrpSpPr>
+        <p:cNvPr id="1" name=""/>
+        <p:cNvGrpSpPr/>
+        <p:nvPr/>
+      </p:nvGrpSpPr>
+      <p:grpSpPr>
+        <a:xfrm>
+          <a:off x="0" y="0"/>
+          <a:ext cx="0" cy="0"/>
+          <a:chOff x="0" y="0"/>
+          <a:chExt cx="0" cy="0"/>
+        </a:xfrm>
+      </p:grpSpPr>
+      <p:sp>
+        <p:nvSpPr>
+          <p:cNvPr id="2" name="Titel 1"/>
+          <p:cNvSpPr>
+            <a:spLocks noGrp="1"/>
+          </p:cNvSpPr>
+          <p:nvPr>
+            <p:ph type="title"/>
+          </p:nvPr>
+        </p:nvSpPr>
+        <p:spPr/>
+        <p:txBody>
+          <a:bodyPr/>
+          <a:lstStyle/>
+          <a:p>
+            <a:r>
+              <a:rPr lang="nl-BE" dirty="0"/>
+              <a:t>variaties</a:t>
+            </a:r>
+          </a:p>
+        </p:txBody>
+      </p:sp>
+      <p:sp>
+        <p:nvSpPr>
+          <p:cNvPr id="4" name="Tijdelijke aanduiding voor dianummer 3"/>
+          <p:cNvSpPr>
+            <a:spLocks noGrp="1"/>
+          </p:cNvSpPr>
+          <p:nvPr>
+            <p:ph type="sldNum" sz="quarter" idx="12"/>
+          </p:nvPr>
+        </p:nvSpPr>
+        <p:spPr/>
+        <p:txBody>
+          <a:bodyPr/>
+          <a:lstStyle/>
+          <a:p>
+            <a:fld id="{7AE184E0-0BD4-4705-A12B-9B71DDE63301}" type="slidenum">
+              <a:rPr lang="nl-BE" noProof="0" smtClean="0"/>
+              <a:t>14</a:t>
+            </a:fld>
+            <a:endParaRPr lang="nl-BE" noProof="0" dirty="0"/>
+          </a:p>
+        </p:txBody>
+      </p:sp>
+      <p:sp>
+        <p:nvSpPr>
+          <p:cNvPr id="5" name="Tekstvak 4">
+            <a:extLst>
+              <a:ext uri="{FF2B5EF4-FFF2-40B4-BE49-F238E27FC236}">
+                <a16:creationId xmlns:a16="http://schemas.microsoft.com/office/drawing/2014/main" id="{7156230E-C2B7-4A07-8237-75D67BBD7165}"/>
+              </a:ext>
+            </a:extLst>
+          </p:cNvPr>
+          <p:cNvSpPr txBox="1"/>
+          <p:nvPr/>
+        </p:nvSpPr>
+        <p:spPr>
+          <a:xfrm>
+            <a:off x="672352" y="1600200"/>
+            <a:ext cx="9406830" cy="4174541"/>
+          </a:xfrm>
+          <a:prstGeom prst="rect">
+            <a:avLst/>
+          </a:prstGeom>
+          <a:noFill/>
+        </p:spPr>
+        <p:txBody>
+          <a:bodyPr wrap="square" rtlCol="0">
+            <a:spAutoFit/>
+          </a:bodyPr>
+          <a:lstStyle/>
+          <a:p>
+            <a:pPr>
+              <a:lnSpc>
+                <a:spcPct val="120000"/>
+              </a:lnSpc>
+            </a:pPr>
+            <a:r>
+              <a:rPr lang="nl-BE" sz="3200" b="1" dirty="0"/>
+              <a:t>Side swing, cross over, </a:t>
+            </a:r>
+            <a:r>
+              <a:rPr lang="nl-BE" sz="3200" b="1" dirty="0" err="1"/>
+              <a:t>jump</a:t>
+            </a:r>
+            <a:r>
+              <a:rPr lang="nl-BE" sz="3200" b="1" dirty="0"/>
+              <a:t> slow, </a:t>
+            </a:r>
+            <a:r>
+              <a:rPr lang="nl-BE" sz="3200" b="1" dirty="0" err="1"/>
+              <a:t>jump</a:t>
+            </a:r>
+            <a:r>
+              <a:rPr lang="nl-BE" sz="3200" b="1" dirty="0"/>
+              <a:t> </a:t>
+            </a:r>
+            <a:r>
+              <a:rPr lang="nl-BE" sz="3200" b="1" dirty="0" err="1"/>
+              <a:t>fast</a:t>
+            </a:r>
+            <a:endParaRPr lang="nl-BE" sz="3200" b="1" dirty="0"/>
+          </a:p>
+          <a:p>
+            <a:pPr marL="342900" indent="-342900">
+              <a:lnSpc>
+                <a:spcPct val="120000"/>
+              </a:lnSpc>
+              <a:buFont typeface="Arial" panose="020B0604020202020204" pitchFamily="34" charset="0"/>
+              <a:buChar char="•"/>
+            </a:pPr>
+            <a:r>
+              <a:rPr lang="nl-BE" sz="3200" dirty="0"/>
+              <a:t>Pols</a:t>
+            </a:r>
+          </a:p>
+          <a:p>
+            <a:pPr marL="342900" indent="-342900">
+              <a:lnSpc>
+                <a:spcPct val="120000"/>
+              </a:lnSpc>
+              <a:buFont typeface="Arial" panose="020B0604020202020204" pitchFamily="34" charset="0"/>
+              <a:buChar char="•"/>
+            </a:pPr>
+            <a:r>
               <a:rPr lang="nl-BE" sz="3200" dirty="0"/>
               <a:t>Draairichting</a:t>
             </a:r>
           </a:p>
           <a:p>
+            <a:pPr>
+              <a:lnSpc>
+                <a:spcPct val="120000"/>
+              </a:lnSpc>
+            </a:pPr>
+            <a:endParaRPr lang="nl-BE" sz="3200" dirty="0"/>
+          </a:p>
+          <a:p>
+            <a:pPr>
+              <a:lnSpc>
+                <a:spcPct val="120000"/>
+              </a:lnSpc>
+            </a:pPr>
+            <a:r>
+              <a:rPr lang="nl-BE" sz="3200" b="1" dirty="0"/>
+              <a:t>Forward 180, backward 180</a:t>
+            </a:r>
+          </a:p>
+          <a:p>
             <a:pPr marL="342900" indent="-342900">
               <a:lnSpc>
                 <a:spcPct val="120000"/>
@@ -6852,7 +7214,20 @@
             </a:pPr>
             <a:r>
               <a:rPr lang="nl-BE" sz="3200" dirty="0"/>
-              <a:t>Forward/backward 180: draaikant</a:t>
+              <a:t>pols</a:t>
+            </a:r>
+          </a:p>
+          <a:p>
+            <a:pPr marL="342900" indent="-342900">
+              <a:lnSpc>
+                <a:spcPct val="120000"/>
+              </a:lnSpc>
+              <a:buFont typeface="Arial" panose="020B0604020202020204" pitchFamily="34" charset="0"/>
+              <a:buChar char="•"/>
+            </a:pPr>
+            <a:r>
+              <a:rPr lang="nl-BE" sz="3200" dirty="0"/>
+              <a:t>draaikant</a:t>
             </a:r>
           </a:p>
         </p:txBody>
@@ -6885,7 +7260,7 @@
         </p:blipFill>
         <p:spPr>
           <a:xfrm>
-            <a:off x="8967413" y="1745235"/>
+            <a:off x="9840250" y="1745235"/>
             <a:ext cx="6477000" cy="6457950"/>
           </a:xfrm>
           <a:prstGeom prst="rect">
@@ -6897,82 +7272,6 @@
     <p:extLst>
       <p:ext uri="{BB962C8B-B14F-4D97-AF65-F5344CB8AC3E}">
         <p14:creationId xmlns:p14="http://schemas.microsoft.com/office/powerpoint/2010/main" val="1961210434"/>
-      </p:ext>
-    </p:extLst>
-  </p:cSld>
-  <p:clrMapOvr>
-    <a:masterClrMapping/>
-  </p:clrMapOvr>
-</p:sld>
-</file>
-
-<file path=ppt/slides/slide14.xml><?xml version="1.0" encoding="utf-8"?>
-<p:sld xmlns:a="http://schemas.openxmlformats.org/drawingml/2006/main" xmlns:r="http://schemas.openxmlformats.org/officeDocument/2006/relationships" xmlns:p="http://schemas.openxmlformats.org/presentationml/2006/main">
-  <p:cSld>
-    <p:spTree>
-      <p:nvGrpSpPr>
-        <p:cNvPr id="1" name=""/>
-        <p:cNvGrpSpPr/>
-        <p:nvPr/>
-      </p:nvGrpSpPr>
-      <p:grpSpPr>
-        <a:xfrm>
-          <a:off x="0" y="0"/>
-          <a:ext cx="0" cy="0"/>
-          <a:chOff x="0" y="0"/>
-          <a:chExt cx="0" cy="0"/>
-        </a:xfrm>
-      </p:grpSpPr>
-      <p:sp>
-        <p:nvSpPr>
-          <p:cNvPr id="2" name="Titel 1"/>
-          <p:cNvSpPr>
-            <a:spLocks noGrp="1"/>
-          </p:cNvSpPr>
-          <p:nvPr>
-            <p:ph type="ctrTitle"/>
-          </p:nvPr>
-        </p:nvSpPr>
-        <p:spPr/>
-        <p:txBody>
-          <a:bodyPr/>
-          <a:lstStyle/>
-          <a:p>
-            <a:r>
-              <a:rPr lang="nl-BE" dirty="0"/>
-              <a:t>gezondheidsapplicatie</a:t>
-            </a:r>
-          </a:p>
-        </p:txBody>
-      </p:sp>
-      <p:sp>
-        <p:nvSpPr>
-          <p:cNvPr id="3" name="Tijdelijke aanduiding voor dianummer 2"/>
-          <p:cNvSpPr>
-            <a:spLocks noGrp="1"/>
-          </p:cNvSpPr>
-          <p:nvPr>
-            <p:ph type="sldNum" sz="quarter" idx="4"/>
-          </p:nvPr>
-        </p:nvSpPr>
-        <p:spPr/>
-        <p:txBody>
-          <a:bodyPr/>
-          <a:lstStyle/>
-          <a:p>
-            <a:fld id="{7AE184E0-0BD4-4705-A12B-9B71DDE63301}" type="slidenum">
-              <a:rPr lang="nl-BE" noProof="0" smtClean="0"/>
-              <a:pPr/>
-              <a:t>14</a:t>
-            </a:fld>
-            <a:endParaRPr lang="nl-BE" noProof="0" dirty="0"/>
-          </a:p>
-        </p:txBody>
-      </p:sp>
-    </p:spTree>
-    <p:extLst>
-      <p:ext uri="{BB962C8B-B14F-4D97-AF65-F5344CB8AC3E}">
-        <p14:creationId xmlns:p14="http://schemas.microsoft.com/office/powerpoint/2010/main" val="3835773936"/>
       </p:ext>
     </p:extLst>
   </p:cSld>
@@ -7001,12 +7300,34 @@
       </p:grpSpPr>
       <p:sp>
         <p:nvSpPr>
-          <p:cNvPr id="4" name="Tijdelijke aanduiding voor dianummer 3"/>
+          <p:cNvPr id="2" name="Titel 1"/>
           <p:cNvSpPr>
             <a:spLocks noGrp="1"/>
           </p:cNvSpPr>
           <p:nvPr>
-            <p:ph type="sldNum" sz="quarter" idx="12"/>
+            <p:ph type="ctrTitle"/>
+          </p:nvPr>
+        </p:nvSpPr>
+        <p:spPr/>
+        <p:txBody>
+          <a:bodyPr/>
+          <a:lstStyle/>
+          <a:p>
+            <a:r>
+              <a:rPr lang="nl-BE" dirty="0"/>
+              <a:t>gezondheidsapplicatie</a:t>
+            </a:r>
+          </a:p>
+        </p:txBody>
+      </p:sp>
+      <p:sp>
+        <p:nvSpPr>
+          <p:cNvPr id="3" name="Tijdelijke aanduiding voor dianummer 2"/>
+          <p:cNvSpPr>
+            <a:spLocks noGrp="1"/>
+          </p:cNvSpPr>
+          <p:nvPr>
+            <p:ph type="sldNum" sz="quarter" idx="4"/>
           </p:nvPr>
         </p:nvSpPr>
         <p:spPr/>
@@ -7016,12 +7337,66 @@
           <a:p>
             <a:fld id="{7AE184E0-0BD4-4705-A12B-9B71DDE63301}" type="slidenum">
               <a:rPr lang="nl-BE" noProof="0" smtClean="0"/>
+              <a:pPr/>
               <a:t>15</a:t>
             </a:fld>
             <a:endParaRPr lang="nl-BE" noProof="0" dirty="0"/>
           </a:p>
         </p:txBody>
       </p:sp>
+    </p:spTree>
+    <p:extLst>
+      <p:ext uri="{BB962C8B-B14F-4D97-AF65-F5344CB8AC3E}">
+        <p14:creationId xmlns:p14="http://schemas.microsoft.com/office/powerpoint/2010/main" val="3835773936"/>
+      </p:ext>
+    </p:extLst>
+  </p:cSld>
+  <p:clrMapOvr>
+    <a:masterClrMapping/>
+  </p:clrMapOvr>
+</p:sld>
+</file>
+
+<file path=ppt/slides/slide16.xml><?xml version="1.0" encoding="utf-8"?>
+<p:sld xmlns:a="http://schemas.openxmlformats.org/drawingml/2006/main" xmlns:r="http://schemas.openxmlformats.org/officeDocument/2006/relationships" xmlns:p="http://schemas.openxmlformats.org/presentationml/2006/main">
+  <p:cSld>
+    <p:spTree>
+      <p:nvGrpSpPr>
+        <p:cNvPr id="1" name=""/>
+        <p:cNvGrpSpPr/>
+        <p:nvPr/>
+      </p:nvGrpSpPr>
+      <p:grpSpPr>
+        <a:xfrm>
+          <a:off x="0" y="0"/>
+          <a:ext cx="0" cy="0"/>
+          <a:chOff x="0" y="0"/>
+          <a:chExt cx="0" cy="0"/>
+        </a:xfrm>
+      </p:grpSpPr>
+      <p:sp>
+        <p:nvSpPr>
+          <p:cNvPr id="4" name="Tijdelijke aanduiding voor dianummer 3"/>
+          <p:cNvSpPr>
+            <a:spLocks noGrp="1"/>
+          </p:cNvSpPr>
+          <p:nvPr>
+            <p:ph type="sldNum" sz="quarter" idx="12"/>
+          </p:nvPr>
+        </p:nvSpPr>
+        <p:spPr/>
+        <p:txBody>
+          <a:bodyPr/>
+          <a:lstStyle/>
+          <a:p>
+            <a:fld id="{7AE184E0-0BD4-4705-A12B-9B71DDE63301}" type="slidenum">
+              <a:rPr lang="nl-BE" noProof="0" smtClean="0"/>
+              <a:t>16</a:t>
+            </a:fld>
+            <a:endParaRPr lang="nl-BE" noProof="0" dirty="0"/>
+          </a:p>
+        </p:txBody>
+      </p:sp>
       <p:sp>
         <p:nvSpPr>
           <p:cNvPr id="10" name="Tijdelijke aanduiding voor inhoud 4"/>
@@ -7032,7 +7407,7 @@
         </p:nvSpPr>
         <p:spPr>
           <a:xfrm>
-            <a:off x="6819758" y="2208980"/>
+            <a:off x="8025104" y="5741890"/>
             <a:ext cx="3176058" cy="816366"/>
           </a:xfrm>
           <a:prstGeom prst="rect">
@@ -7264,7 +7639,7 @@
         </p:blipFill>
         <p:spPr bwMode="auto">
           <a:xfrm>
-            <a:off x="1956770" y="1985641"/>
+            <a:off x="3162116" y="5518551"/>
             <a:ext cx="2615242" cy="2526086"/>
           </a:xfrm>
           <a:prstGeom prst="rect">
@@ -7311,7 +7686,7 @@
         </p:blipFill>
         <p:spPr bwMode="auto">
           <a:xfrm>
-            <a:off x="12243563" y="1625440"/>
+            <a:off x="13739854" y="5158350"/>
             <a:ext cx="1830721" cy="3251360"/>
           </a:xfrm>
           <a:prstGeom prst="rect">
@@ -7340,13 +7715,12 @@
           </p:cNvPr>
           <p:cNvCxnSpPr>
             <a:stCxn id="2050" idx="3"/>
-            <a:endCxn id="2052" idx="1"/>
           </p:cNvCxnSpPr>
           <p:nvPr/>
         </p:nvCxnSpPr>
         <p:spPr>
           <a:xfrm>
-            <a:off x="4572012" y="3248684"/>
+            <a:off x="5777358" y="6781594"/>
             <a:ext cx="7671551" cy="2436"/>
           </a:xfrm>
           <a:prstGeom prst="straightConnector1">
@@ -7401,7 +7775,7 @@
         </p:blipFill>
         <p:spPr bwMode="auto">
           <a:xfrm>
-            <a:off x="286619" y="2528622"/>
+            <a:off x="1491965" y="6061532"/>
             <a:ext cx="1788664" cy="1440124"/>
           </a:xfrm>
           <a:prstGeom prst="rect">
@@ -7433,8 +7807,8 @@
         </p:nvSpPr>
         <p:spPr>
           <a:xfrm>
-            <a:off x="726141" y="5338482"/>
-            <a:ext cx="4894730" cy="1434945"/>
+            <a:off x="1120995" y="674334"/>
+            <a:ext cx="6093617" cy="3583610"/>
           </a:xfrm>
           <a:prstGeom prst="rect">
             <a:avLst/>
@@ -7447,6 +7821,17 @@
           </a:bodyPr>
           <a:lstStyle/>
           <a:p>
+            <a:pPr>
+              <a:lnSpc>
+                <a:spcPct val="120000"/>
+              </a:lnSpc>
+            </a:pPr>
+            <a:r>
+              <a:rPr lang="nl-BE" sz="3200" b="1" dirty="0"/>
+              <a:t>smartphone</a:t>
+            </a:r>
+          </a:p>
+          <a:p>
             <a:pPr marL="342900" indent="-342900">
               <a:lnSpc>
                 <a:spcPct val="120000"/>
@@ -7455,8 +7840,8 @@
               <a:buChar char="•"/>
             </a:pPr>
             <a:r>
-              <a:rPr lang="nl-BE" sz="2500" dirty="0"/>
-              <a:t>Sessie starten vanop smartwatch of smartphone</a:t>
+              <a:rPr lang="nl-BE" sz="3200" dirty="0"/>
+              <a:t>Sessie starten </a:t>
             </a:r>
           </a:p>
           <a:p>
@@ -7468,8 +7853,40 @@
               <a:buChar char="•"/>
             </a:pPr>
             <a:r>
-              <a:rPr lang="nl-BE" sz="2500" dirty="0"/>
-              <a:t>Statistieken op smartphone</a:t>
+              <a:rPr lang="nl-BE" sz="3200" dirty="0"/>
+              <a:t>Statistieken bekijken</a:t>
+            </a:r>
+          </a:p>
+          <a:p>
+            <a:pPr>
+              <a:lnSpc>
+                <a:spcPct val="120000"/>
+              </a:lnSpc>
+            </a:pPr>
+            <a:endParaRPr lang="nl-BE" sz="3200" dirty="0"/>
+          </a:p>
+          <a:p>
+            <a:pPr>
+              <a:lnSpc>
+                <a:spcPct val="120000"/>
+              </a:lnSpc>
+            </a:pPr>
+            <a:r>
+              <a:rPr lang="nl-BE" sz="3200" b="1" dirty="0"/>
+              <a:t>Smartwatch</a:t>
+            </a:r>
+          </a:p>
+          <a:p>
+            <a:pPr marL="457200" indent="-457200">
+              <a:lnSpc>
+                <a:spcPct val="120000"/>
+              </a:lnSpc>
+              <a:buFont typeface="Arial" panose="020B0604020202020204" pitchFamily="34" charset="0"/>
+              <a:buChar char="•"/>
+            </a:pPr>
+            <a:r>
+              <a:rPr lang="nl-BE" sz="3200" dirty="0"/>
+              <a:t>Sessie starten</a:t>
             </a:r>
           </a:p>
         </p:txBody>
@@ -7478,137 +7895,6 @@
     <p:extLst>
       <p:ext uri="{BB962C8B-B14F-4D97-AF65-F5344CB8AC3E}">
         <p14:creationId xmlns:p14="http://schemas.microsoft.com/office/powerpoint/2010/main" val="2581715365"/>
-      </p:ext>
-    </p:extLst>
-  </p:cSld>
-  <p:clrMapOvr>
-    <a:masterClrMapping/>
-  </p:clrMapOvr>
-</p:sld>
-</file>
-
-<file path=ppt/slides/slide16.xml><?xml version="1.0" encoding="utf-8"?>
-<p:sld xmlns:a="http://schemas.openxmlformats.org/drawingml/2006/main" xmlns:r="http://schemas.openxmlformats.org/officeDocument/2006/relationships" xmlns:p="http://schemas.openxmlformats.org/presentationml/2006/main">
-  <p:cSld>
-    <p:spTree>
-      <p:nvGrpSpPr>
-        <p:cNvPr id="1" name=""/>
-        <p:cNvGrpSpPr/>
-        <p:nvPr/>
-      </p:nvGrpSpPr>
-      <p:grpSpPr>
-        <a:xfrm>
-          <a:off x="0" y="0"/>
-          <a:ext cx="0" cy="0"/>
-          <a:chOff x="0" y="0"/>
-          <a:chExt cx="0" cy="0"/>
-        </a:xfrm>
-      </p:grpSpPr>
-      <p:sp>
-        <p:nvSpPr>
-          <p:cNvPr id="2" name="Titel 1"/>
-          <p:cNvSpPr>
-            <a:spLocks noGrp="1"/>
-          </p:cNvSpPr>
-          <p:nvPr>
-            <p:ph type="title"/>
-          </p:nvPr>
-        </p:nvSpPr>
-        <p:spPr/>
-        <p:txBody>
-          <a:bodyPr/>
-          <a:lstStyle/>
-          <a:p>
-            <a:r>
-              <a:rPr lang="nl-BE" dirty="0"/>
-              <a:t>Berekeningen</a:t>
-            </a:r>
-          </a:p>
-        </p:txBody>
-      </p:sp>
-      <p:sp>
-        <p:nvSpPr>
-          <p:cNvPr id="4" name="Tijdelijke aanduiding voor dianummer 3"/>
-          <p:cNvSpPr>
-            <a:spLocks noGrp="1"/>
-          </p:cNvSpPr>
-          <p:nvPr>
-            <p:ph type="sldNum" sz="quarter" idx="12"/>
-          </p:nvPr>
-        </p:nvSpPr>
-        <p:spPr/>
-        <p:txBody>
-          <a:bodyPr/>
-          <a:lstStyle/>
-          <a:p>
-            <a:fld id="{7AE184E0-0BD4-4705-A12B-9B71DDE63301}" type="slidenum">
-              <a:rPr lang="nl-BE" noProof="0" smtClean="0"/>
-              <a:t>16</a:t>
-            </a:fld>
-            <a:endParaRPr lang="nl-BE" noProof="0" dirty="0"/>
-          </a:p>
-        </p:txBody>
-      </p:sp>
-      <p:sp>
-        <p:nvSpPr>
-          <p:cNvPr id="5" name="Tekstvak 4">
-            <a:extLst>
-              <a:ext uri="{FF2B5EF4-FFF2-40B4-BE49-F238E27FC236}">
-                <a16:creationId xmlns:a16="http://schemas.microsoft.com/office/drawing/2014/main" id="{7156230E-C2B7-4A07-8237-75D67BBD7165}"/>
-              </a:ext>
-            </a:extLst>
-          </p:cNvPr>
-          <p:cNvSpPr txBox="1"/>
-          <p:nvPr/>
-        </p:nvSpPr>
-        <p:spPr>
-          <a:xfrm>
-            <a:off x="672353" y="1600200"/>
-            <a:ext cx="9628094" cy="1219886"/>
-          </a:xfrm>
-          <a:prstGeom prst="rect">
-            <a:avLst/>
-          </a:prstGeom>
-          <a:noFill/>
-        </p:spPr>
-        <p:txBody>
-          <a:bodyPr wrap="square" rtlCol="0">
-            <a:spAutoFit/>
-          </a:bodyPr>
-          <a:lstStyle/>
-          <a:p>
-            <a:pPr marL="342900" indent="-342900">
-              <a:lnSpc>
-                <a:spcPct val="120000"/>
-              </a:lnSpc>
-              <a:buFont typeface="Arial" panose="020B0604020202020204" pitchFamily="34" charset="0"/>
-              <a:buChar char="•"/>
-            </a:pPr>
-            <a:r>
-              <a:rPr lang="nl-BE" sz="3200" dirty="0"/>
-              <a:t>Aantal draaiingen</a:t>
-            </a:r>
-          </a:p>
-          <a:p>
-            <a:pPr marL="342900" indent="-342900">
-              <a:lnSpc>
-                <a:spcPct val="120000"/>
-              </a:lnSpc>
-              <a:buFont typeface="Arial" panose="020B0604020202020204" pitchFamily="34" charset="0"/>
-              <a:buChar char="•"/>
-            </a:pPr>
-            <a:r>
-              <a:rPr lang="nl-BE" sz="3200" dirty="0"/>
-              <a:t>Fouten </a:t>
-            </a:r>
-            <a:endParaRPr lang="nl-BE" sz="4800" dirty="0"/>
-          </a:p>
-        </p:txBody>
-      </p:sp>
-    </p:spTree>
-    <p:extLst>
-      <p:ext uri="{BB962C8B-B14F-4D97-AF65-F5344CB8AC3E}">
-        <p14:creationId xmlns:p14="http://schemas.microsoft.com/office/powerpoint/2010/main" val="2274045792"/>
       </p:ext>
     </p:extLst>
   </p:cSld>
@@ -7652,7 +7938,7 @@
           <a:p>
             <a:r>
               <a:rPr lang="nl-BE" dirty="0"/>
-              <a:t>aanbevelingssysteem</a:t>
+              <a:t>Berekeningen</a:t>
             </a:r>
           </a:p>
         </p:txBody>
@@ -7695,7 +7981,7 @@
         <p:spPr>
           <a:xfrm>
             <a:off x="672353" y="1600200"/>
-            <a:ext cx="9628094" cy="897233"/>
+            <a:ext cx="9628094" cy="1219886"/>
           </a:xfrm>
           <a:prstGeom prst="rect">
             <a:avLst/>
@@ -7715,95 +8001,78 @@
               <a:buFont typeface="Arial" panose="020B0604020202020204" pitchFamily="34" charset="0"/>
               <a:buChar char="•"/>
             </a:pPr>
+            <a:r>
+              <a:rPr lang="nl-BE" sz="3200" dirty="0"/>
+              <a:t>Aantal draaiingen</a:t>
+            </a:r>
+          </a:p>
+          <a:p>
+            <a:pPr marL="342900" indent="-342900">
+              <a:lnSpc>
+                <a:spcPct val="120000"/>
+              </a:lnSpc>
+              <a:buFont typeface="Arial" panose="020B0604020202020204" pitchFamily="34" charset="0"/>
+              <a:buChar char="•"/>
+            </a:pPr>
+            <a:r>
+              <a:rPr lang="nl-BE" sz="3200" dirty="0"/>
+              <a:t>Fouten </a:t>
+            </a:r>
             <a:endParaRPr lang="nl-BE" sz="4800" dirty="0"/>
           </a:p>
         </p:txBody>
       </p:sp>
-      <p:sp>
-        <p:nvSpPr>
-          <p:cNvPr id="3" name="Tekstvak 2">
+      <p:pic>
+        <p:nvPicPr>
+          <p:cNvPr id="1028" name="Picture 4" descr="Jump Rope Icon #170173 - Free Icons Library">
             <a:extLst>
               <a:ext uri="{FF2B5EF4-FFF2-40B4-BE49-F238E27FC236}">
-                <a16:creationId xmlns:a16="http://schemas.microsoft.com/office/drawing/2014/main" id="{4231FFC8-FEB8-44BA-9F5F-F274CC03E3A8}"/>
+                <a16:creationId xmlns:a16="http://schemas.microsoft.com/office/drawing/2014/main" id="{862C5662-6B38-42DC-9CCC-0132D12E41F7}"/>
               </a:ext>
             </a:extLst>
           </p:cNvPr>
-          <p:cNvSpPr txBox="1"/>
+          <p:cNvPicPr>
+            <a:picLocks noChangeAspect="1" noChangeArrowheads="1"/>
+          </p:cNvPicPr>
           <p:nvPr/>
-        </p:nvSpPr>
-        <p:spPr>
+        </p:nvPicPr>
+        <p:blipFill>
+          <a:blip r:embed="rId3">
+            <a:extLst>
+              <a:ext uri="{28A0092B-C50C-407E-A947-70E740481C1C}">
+                <a14:useLocalDpi xmlns:a14="http://schemas.microsoft.com/office/drawing/2010/main" val="0"/>
+              </a:ext>
+            </a:extLst>
+          </a:blip>
+          <a:srcRect/>
+          <a:stretch>
+            <a:fillRect/>
+          </a:stretch>
+        </p:blipFill>
+        <p:spPr bwMode="auto">
           <a:xfrm>
-            <a:off x="1008529" y="1600200"/>
-            <a:ext cx="6790765" cy="2401748"/>
+            <a:off x="10092629" y="4452495"/>
+            <a:ext cx="4496208" cy="4496208"/>
           </a:xfrm>
           <a:prstGeom prst="rect">
             <a:avLst/>
           </a:prstGeom>
           <a:noFill/>
+          <a:extLst>
+            <a:ext uri="{909E8E84-426E-40DD-AFC4-6F175D3DCCD1}">
+              <a14:hiddenFill xmlns:a14="http://schemas.microsoft.com/office/drawing/2010/main">
+                <a:solidFill>
+                  <a:srgbClr val="FFFFFF"/>
+                </a:solidFill>
+              </a14:hiddenFill>
+            </a:ext>
+          </a:extLst>
         </p:spPr>
-        <p:txBody>
-          <a:bodyPr wrap="square" rtlCol="0">
-            <a:spAutoFit/>
-          </a:bodyPr>
-          <a:lstStyle/>
-          <a:p>
-            <a:pPr marL="342900" indent="-342900">
-              <a:lnSpc>
-                <a:spcPct val="120000"/>
-              </a:lnSpc>
-              <a:buFont typeface="Arial" panose="020B0604020202020204" pitchFamily="34" charset="0"/>
-              <a:buChar char="•"/>
-            </a:pPr>
-            <a:r>
-              <a:rPr lang="nl-BE" sz="3200" dirty="0"/>
-              <a:t>10 weken </a:t>
-            </a:r>
-          </a:p>
-          <a:p>
-            <a:pPr marL="342900" indent="-342900">
-              <a:lnSpc>
-                <a:spcPct val="120000"/>
-              </a:lnSpc>
-              <a:buFont typeface="Arial" panose="020B0604020202020204" pitchFamily="34" charset="0"/>
-              <a:buChar char="•"/>
-            </a:pPr>
-            <a:r>
-              <a:rPr lang="nl-BE" sz="3200" dirty="0"/>
-              <a:t>Gemiddelde duur</a:t>
-            </a:r>
-          </a:p>
-          <a:p>
-            <a:pPr marL="342900" indent="-342900">
-              <a:lnSpc>
-                <a:spcPct val="120000"/>
-              </a:lnSpc>
-              <a:buFont typeface="Arial" panose="020B0604020202020204" pitchFamily="34" charset="0"/>
-              <a:buChar char="•"/>
-            </a:pPr>
-            <a:r>
-              <a:rPr lang="nl-BE" sz="3200" dirty="0"/>
-              <a:t>Aantal keer beoefend</a:t>
-            </a:r>
-          </a:p>
-          <a:p>
-            <a:pPr marL="342900" indent="-342900">
-              <a:lnSpc>
-                <a:spcPct val="120000"/>
-              </a:lnSpc>
-              <a:buFont typeface="Arial" panose="020B0604020202020204" pitchFamily="34" charset="0"/>
-              <a:buChar char="•"/>
-            </a:pPr>
-            <a:r>
-              <a:rPr lang="nl-BE" sz="3200" dirty="0"/>
-              <a:t>Fouten </a:t>
-            </a:r>
-          </a:p>
-        </p:txBody>
-      </p:sp>
+      </p:pic>
     </p:spTree>
     <p:extLst>
       <p:ext uri="{BB962C8B-B14F-4D97-AF65-F5344CB8AC3E}">
-        <p14:creationId xmlns:p14="http://schemas.microsoft.com/office/powerpoint/2010/main" val="1898343696"/>
+        <p14:creationId xmlns:p14="http://schemas.microsoft.com/office/powerpoint/2010/main" val="2274045792"/>
       </p:ext>
     </p:extLst>
   </p:cSld>
@@ -7968,6 +8237,53 @@
           </a:p>
         </p:txBody>
       </p:sp>
+      <p:pic>
+        <p:nvPicPr>
+          <p:cNvPr id="4100" name="Picture 4" descr="Athlete silhouette heart jump rope Royalty Free Vector Image">
+            <a:extLst>
+              <a:ext uri="{FF2B5EF4-FFF2-40B4-BE49-F238E27FC236}">
+                <a16:creationId xmlns:a16="http://schemas.microsoft.com/office/drawing/2014/main" id="{A6725F57-B000-49EE-8106-27CB3D721D51}"/>
+              </a:ext>
+            </a:extLst>
+          </p:cNvPr>
+          <p:cNvPicPr>
+            <a:picLocks noChangeAspect="1" noChangeArrowheads="1"/>
+          </p:cNvPicPr>
+          <p:nvPr/>
+        </p:nvPicPr>
+        <p:blipFill>
+          <a:blip r:embed="rId3">
+            <a:extLst>
+              <a:ext uri="{28A0092B-C50C-407E-A947-70E740481C1C}">
+                <a14:useLocalDpi xmlns:a14="http://schemas.microsoft.com/office/drawing/2010/main" val="0"/>
+              </a:ext>
+            </a:extLst>
+          </a:blip>
+          <a:srcRect/>
+          <a:stretch>
+            <a:fillRect/>
+          </a:stretch>
+        </p:blipFill>
+        <p:spPr bwMode="auto">
+          <a:xfrm>
+            <a:off x="9288895" y="2902389"/>
+            <a:ext cx="5757142" cy="6046314"/>
+          </a:xfrm>
+          <a:prstGeom prst="rect">
+            <a:avLst/>
+          </a:prstGeom>
+          <a:noFill/>
+          <a:extLst>
+            <a:ext uri="{909E8E84-426E-40DD-AFC4-6F175D3DCCD1}">
+              <a14:hiddenFill xmlns:a14="http://schemas.microsoft.com/office/drawing/2010/main">
+                <a:solidFill>
+                  <a:srgbClr val="FFFFFF"/>
+                </a:solidFill>
+              </a14:hiddenFill>
+            </a:ext>
+          </a:extLst>
+        </p:spPr>
+      </p:pic>
     </p:spTree>
     <p:extLst>
       <p:ext uri="{BB962C8B-B14F-4D97-AF65-F5344CB8AC3E}">
@@ -8015,13 +8331,8 @@
           <a:p>
             <a:r>
               <a:rPr lang="nl-BE" dirty="0"/>
-              <a:t>Context </a:t>
-            </a:r>
-            <a:r>
-              <a:rPr lang="nl-BE" dirty="0" err="1"/>
-              <a:t>aware</a:t>
-            </a:r>
-            <a:endParaRPr lang="nl-BE" dirty="0"/>
+              <a:t>aanbevelingssysteem</a:t>
+            </a:r>
           </a:p>
         </p:txBody>
       </p:sp>
@@ -8102,7 +8413,7 @@
         <p:spPr>
           <a:xfrm>
             <a:off x="1008529" y="1600200"/>
-            <a:ext cx="6790765" cy="1810817"/>
+            <a:ext cx="6790765" cy="2401748"/>
           </a:xfrm>
           <a:prstGeom prst="rect">
             <a:avLst/>
@@ -8124,7 +8435,7 @@
             </a:pPr>
             <a:r>
               <a:rPr lang="nl-BE" sz="3200" dirty="0"/>
-              <a:t>Te lang stilzitten</a:t>
+              <a:t>10 weken </a:t>
             </a:r>
           </a:p>
           <a:p>
@@ -8136,12 +8447,8 @@
               <a:buChar char="•"/>
             </a:pPr>
             <a:r>
-              <a:rPr lang="nl-BE" sz="3200" dirty="0" err="1"/>
-              <a:t>Snooze</a:t>
-            </a:r>
-            <a:r>
               <a:rPr lang="nl-BE" sz="3200" dirty="0"/>
-              <a:t> functionaliteit</a:t>
+              <a:t>Aantal keer beoefend</a:t>
             </a:r>
           </a:p>
           <a:p>
@@ -8154,7 +8461,20 @@
             </a:pPr>
             <a:r>
               <a:rPr lang="nl-BE" sz="3200" dirty="0"/>
-              <a:t>Melding bij te hoge hartslag</a:t>
+              <a:t>Gemiddelde duur</a:t>
+            </a:r>
+          </a:p>
+          <a:p>
+            <a:pPr marL="342900" indent="-342900">
+              <a:lnSpc>
+                <a:spcPct val="120000"/>
+              </a:lnSpc>
+              <a:buFont typeface="Arial" panose="020B0604020202020204" pitchFamily="34" charset="0"/>
+              <a:buChar char="•"/>
+            </a:pPr>
+            <a:r>
+              <a:rPr lang="nl-BE" sz="3200" dirty="0"/>
+              <a:t>Fouten </a:t>
             </a:r>
           </a:p>
         </p:txBody>
@@ -8162,7 +8482,7 @@
     </p:spTree>
     <p:extLst>
       <p:ext uri="{BB962C8B-B14F-4D97-AF65-F5344CB8AC3E}">
-        <p14:creationId xmlns:p14="http://schemas.microsoft.com/office/powerpoint/2010/main" val="2154226617"/>
+        <p14:creationId xmlns:p14="http://schemas.microsoft.com/office/powerpoint/2010/main" val="1898343696"/>
       </p:ext>
     </p:extLst>
   </p:cSld>
@@ -8407,6 +8727,239 @@
       </p:grpSpPr>
       <p:sp>
         <p:nvSpPr>
+          <p:cNvPr id="2" name="Titel 1"/>
+          <p:cNvSpPr>
+            <a:spLocks noGrp="1"/>
+          </p:cNvSpPr>
+          <p:nvPr>
+            <p:ph type="title"/>
+          </p:nvPr>
+        </p:nvSpPr>
+        <p:spPr/>
+        <p:txBody>
+          <a:bodyPr/>
+          <a:lstStyle/>
+          <a:p>
+            <a:r>
+              <a:rPr lang="nl-BE" dirty="0"/>
+              <a:t>Context afhankelijk</a:t>
+            </a:r>
+          </a:p>
+        </p:txBody>
+      </p:sp>
+      <p:sp>
+        <p:nvSpPr>
+          <p:cNvPr id="4" name="Tijdelijke aanduiding voor dianummer 3"/>
+          <p:cNvSpPr>
+            <a:spLocks noGrp="1"/>
+          </p:cNvSpPr>
+          <p:nvPr>
+            <p:ph type="sldNum" sz="quarter" idx="12"/>
+          </p:nvPr>
+        </p:nvSpPr>
+        <p:spPr/>
+        <p:txBody>
+          <a:bodyPr/>
+          <a:lstStyle/>
+          <a:p>
+            <a:fld id="{7AE184E0-0BD4-4705-A12B-9B71DDE63301}" type="slidenum">
+              <a:rPr lang="nl-BE" noProof="0" smtClean="0"/>
+              <a:t>20</a:t>
+            </a:fld>
+            <a:endParaRPr lang="nl-BE" noProof="0" dirty="0"/>
+          </a:p>
+        </p:txBody>
+      </p:sp>
+      <p:sp>
+        <p:nvSpPr>
+          <p:cNvPr id="5" name="Tekstvak 4">
+            <a:extLst>
+              <a:ext uri="{FF2B5EF4-FFF2-40B4-BE49-F238E27FC236}">
+                <a16:creationId xmlns:a16="http://schemas.microsoft.com/office/drawing/2014/main" id="{7156230E-C2B7-4A07-8237-75D67BBD7165}"/>
+              </a:ext>
+            </a:extLst>
+          </p:cNvPr>
+          <p:cNvSpPr txBox="1"/>
+          <p:nvPr/>
+        </p:nvSpPr>
+        <p:spPr>
+          <a:xfrm>
+            <a:off x="672353" y="1600200"/>
+            <a:ext cx="9628094" cy="897233"/>
+          </a:xfrm>
+          <a:prstGeom prst="rect">
+            <a:avLst/>
+          </a:prstGeom>
+          <a:noFill/>
+        </p:spPr>
+        <p:txBody>
+          <a:bodyPr wrap="square" rtlCol="0">
+            <a:spAutoFit/>
+          </a:bodyPr>
+          <a:lstStyle/>
+          <a:p>
+            <a:pPr marL="342900" indent="-342900">
+              <a:lnSpc>
+                <a:spcPct val="120000"/>
+              </a:lnSpc>
+              <a:buFont typeface="Arial" panose="020B0604020202020204" pitchFamily="34" charset="0"/>
+              <a:buChar char="•"/>
+            </a:pPr>
+            <a:endParaRPr lang="nl-BE" sz="4800" dirty="0"/>
+          </a:p>
+        </p:txBody>
+      </p:sp>
+      <p:sp>
+        <p:nvSpPr>
+          <p:cNvPr id="3" name="Tekstvak 2">
+            <a:extLst>
+              <a:ext uri="{FF2B5EF4-FFF2-40B4-BE49-F238E27FC236}">
+                <a16:creationId xmlns:a16="http://schemas.microsoft.com/office/drawing/2014/main" id="{4231FFC8-FEB8-44BA-9F5F-F274CC03E3A8}"/>
+              </a:ext>
+            </a:extLst>
+          </p:cNvPr>
+          <p:cNvSpPr txBox="1"/>
+          <p:nvPr/>
+        </p:nvSpPr>
+        <p:spPr>
+          <a:xfrm>
+            <a:off x="1008529" y="1600200"/>
+            <a:ext cx="6790765" cy="1810817"/>
+          </a:xfrm>
+          <a:prstGeom prst="rect">
+            <a:avLst/>
+          </a:prstGeom>
+          <a:noFill/>
+        </p:spPr>
+        <p:txBody>
+          <a:bodyPr wrap="square" rtlCol="0">
+            <a:spAutoFit/>
+          </a:bodyPr>
+          <a:lstStyle/>
+          <a:p>
+            <a:pPr marL="342900" indent="-342900">
+              <a:lnSpc>
+                <a:spcPct val="120000"/>
+              </a:lnSpc>
+              <a:buFont typeface="Arial" panose="020B0604020202020204" pitchFamily="34" charset="0"/>
+              <a:buChar char="•"/>
+            </a:pPr>
+            <a:r>
+              <a:rPr lang="nl-BE" sz="3200" dirty="0"/>
+              <a:t>Te lang stilzitten</a:t>
+            </a:r>
+          </a:p>
+          <a:p>
+            <a:pPr marL="342900" indent="-342900">
+              <a:lnSpc>
+                <a:spcPct val="120000"/>
+              </a:lnSpc>
+              <a:buFont typeface="Arial" panose="020B0604020202020204" pitchFamily="34" charset="0"/>
+              <a:buChar char="•"/>
+            </a:pPr>
+            <a:r>
+              <a:rPr lang="nl-BE" sz="3200" dirty="0" err="1"/>
+              <a:t>Snooze</a:t>
+            </a:r>
+            <a:r>
+              <a:rPr lang="nl-BE" sz="3200" dirty="0"/>
+              <a:t> functionaliteit</a:t>
+            </a:r>
+          </a:p>
+          <a:p>
+            <a:pPr marL="342900" indent="-342900">
+              <a:lnSpc>
+                <a:spcPct val="120000"/>
+              </a:lnSpc>
+              <a:buFont typeface="Arial" panose="020B0604020202020204" pitchFamily="34" charset="0"/>
+              <a:buChar char="•"/>
+            </a:pPr>
+            <a:r>
+              <a:rPr lang="nl-BE" sz="3200" dirty="0"/>
+              <a:t>Melding bij te hoge hartslag</a:t>
+            </a:r>
+          </a:p>
+        </p:txBody>
+      </p:sp>
+      <p:pic>
+        <p:nvPicPr>
+          <p:cNvPr id="2050" name="Picture 2" descr="what-is-a-push-notification-and-why-it-matters | Melange Design">
+            <a:extLst>
+              <a:ext uri="{FF2B5EF4-FFF2-40B4-BE49-F238E27FC236}">
+                <a16:creationId xmlns:a16="http://schemas.microsoft.com/office/drawing/2014/main" id="{192C8EC4-4073-4A0B-801D-92325AA16EC8}"/>
+              </a:ext>
+            </a:extLst>
+          </p:cNvPr>
+          <p:cNvPicPr>
+            <a:picLocks noChangeAspect="1" noChangeArrowheads="1"/>
+          </p:cNvPicPr>
+          <p:nvPr/>
+        </p:nvPicPr>
+        <p:blipFill>
+          <a:blip r:embed="rId3">
+            <a:extLst>
+              <a:ext uri="{28A0092B-C50C-407E-A947-70E740481C1C}">
+                <a14:useLocalDpi xmlns:a14="http://schemas.microsoft.com/office/drawing/2010/main" val="0"/>
+              </a:ext>
+            </a:extLst>
+          </a:blip>
+          <a:srcRect/>
+          <a:stretch>
+            <a:fillRect/>
+          </a:stretch>
+        </p:blipFill>
+        <p:spPr bwMode="auto">
+          <a:xfrm>
+            <a:off x="7861754" y="3411017"/>
+            <a:ext cx="8650646" cy="4325323"/>
+          </a:xfrm>
+          <a:prstGeom prst="rect">
+            <a:avLst/>
+          </a:prstGeom>
+          <a:noFill/>
+          <a:extLst>
+            <a:ext uri="{909E8E84-426E-40DD-AFC4-6F175D3DCCD1}">
+              <a14:hiddenFill xmlns:a14="http://schemas.microsoft.com/office/drawing/2010/main">
+                <a:solidFill>
+                  <a:srgbClr val="FFFFFF"/>
+                </a:solidFill>
+              </a14:hiddenFill>
+            </a:ext>
+          </a:extLst>
+        </p:spPr>
+      </p:pic>
+    </p:spTree>
+    <p:extLst>
+      <p:ext uri="{BB962C8B-B14F-4D97-AF65-F5344CB8AC3E}">
+        <p14:creationId xmlns:p14="http://schemas.microsoft.com/office/powerpoint/2010/main" val="2154226617"/>
+      </p:ext>
+    </p:extLst>
+  </p:cSld>
+  <p:clrMapOvr>
+    <a:masterClrMapping/>
+  </p:clrMapOvr>
+</p:sld>
+</file>
+
+<file path=ppt/slides/slide21.xml><?xml version="1.0" encoding="utf-8"?>
+<p:sld xmlns:a="http://schemas.openxmlformats.org/drawingml/2006/main" xmlns:r="http://schemas.openxmlformats.org/officeDocument/2006/relationships" xmlns:p="http://schemas.openxmlformats.org/presentationml/2006/main">
+  <p:cSld>
+    <p:spTree>
+      <p:nvGrpSpPr>
+        <p:cNvPr id="1" name=""/>
+        <p:cNvGrpSpPr/>
+        <p:nvPr/>
+      </p:nvGrpSpPr>
+      <p:grpSpPr>
+        <a:xfrm>
+          <a:off x="0" y="0"/>
+          <a:ext cx="0" cy="0"/>
+          <a:chOff x="0" y="0"/>
+          <a:chExt cx="0" cy="0"/>
+        </a:xfrm>
+      </p:grpSpPr>
+      <p:sp>
+        <p:nvSpPr>
           <p:cNvPr id="3" name="Tijdelijke aanduiding voor dianummer 2"/>
           <p:cNvSpPr>
             <a:spLocks noGrp="1"/>
@@ -8423,7 +8976,7 @@
             <a:fld id="{7AE184E0-0BD4-4705-A12B-9B71DDE63301}" type="slidenum">
               <a:rPr lang="nl-BE" noProof="0" smtClean="0"/>
               <a:pPr/>
-              <a:t>20</a:t>
+              <a:t>21</a:t>
             </a:fld>
             <a:endParaRPr lang="nl-BE" noProof="0" dirty="0"/>
           </a:p>
@@ -9438,7 +9991,23 @@
             </a:pPr>
             <a:r>
               <a:rPr lang="nl-BE" sz="2500" dirty="0"/>
-              <a:t>Zonder tussensprong</a:t>
+              <a:t>Zonder tussensprong (</a:t>
+            </a:r>
+            <a:r>
+              <a:rPr lang="nl-BE" sz="2500" dirty="0" err="1"/>
+              <a:t>jump</a:t>
+            </a:r>
+            <a:r>
+              <a:rPr lang="nl-BE" sz="2500" dirty="0"/>
+              <a:t> </a:t>
+            </a:r>
+            <a:r>
+              <a:rPr lang="nl-BE" sz="2500" dirty="0" err="1"/>
+              <a:t>fast</a:t>
+            </a:r>
+            <a:r>
+              <a:rPr lang="nl-BE" sz="2500" dirty="0"/>
+              <a:t>)</a:t>
             </a:r>
           </a:p>
         </p:txBody>
@@ -9478,7 +10047,15 @@
             </a:pPr>
             <a:r>
               <a:rPr lang="nl-BE" sz="2500" dirty="0"/>
-              <a:t>Met tussensprong</a:t>
+              <a:t>Met tussensprong (</a:t>
+            </a:r>
+            <a:r>
+              <a:rPr lang="nl-BE" sz="2500" dirty="0" err="1"/>
+              <a:t>jump</a:t>
+            </a:r>
+            <a:r>
+              <a:rPr lang="nl-BE" sz="2500" dirty="0"/>
+              <a:t> slow)</a:t>
             </a:r>
           </a:p>
         </p:txBody>
@@ -11501,6 +12078,21 @@
 </file>
 
 <file path=customXml/item1.xml><?xml version="1.0" encoding="utf-8"?>
+<p:properties xmlns:p="http://schemas.microsoft.com/office/2006/metadata/properties" xmlns:xsi="http://www.w3.org/2001/XMLSchema-instance" xmlns:pc="http://schemas.microsoft.com/office/infopath/2007/PartnerControls">
+  <documentManagement/>
+</p:properties>
+</file>
+
+<file path=customXml/item2.xml><?xml version="1.0" encoding="utf-8"?>
+<?mso-contentType ?>
+<FormTemplates xmlns="http://schemas.microsoft.com/sharepoint/v3/contenttype/forms">
+  <Display>DocumentLibraryForm</Display>
+  <Edit>DocumentLibraryForm</Edit>
+  <New>DocumentLibraryForm</New>
+</FormTemplates>
+</file>
+
+<file path=customXml/item3.xml><?xml version="1.0" encoding="utf-8"?>
 <ct:contentTypeSchema xmlns:ct="http://schemas.microsoft.com/office/2006/metadata/contentType" xmlns:ma="http://schemas.microsoft.com/office/2006/metadata/properties/metaAttributes" ct:_="" ma:_="" ma:contentTypeName="Document" ma:contentTypeID="0x0101006485FDDAC6B575409C31AC848C388A85" ma:contentTypeVersion="" ma:contentTypeDescription="Een nieuw document maken." ma:contentTypeScope="" ma:versionID="af1196157f6ce1f05c24b0f61ce6f714">
   <xsd:schema xmlns:xsd="http://www.w3.org/2001/XMLSchema" xmlns:xs="http://www.w3.org/2001/XMLSchema" xmlns:p="http://schemas.microsoft.com/office/2006/metadata/properties" targetNamespace="http://schemas.microsoft.com/office/2006/metadata/properties" ma:root="true" ma:fieldsID="ded2a6fdfcb71de048e140027f1bc31d">
     <xsd:element name="properties">
@@ -11614,22 +12206,30 @@
 </ct:contentTypeSchema>
 </file>
 
-<file path=customXml/item2.xml><?xml version="1.0" encoding="utf-8"?>
-<?mso-contentType ?>
-<FormTemplates xmlns="http://schemas.microsoft.com/sharepoint/v3/contenttype/forms">
-  <Display>DocumentLibraryForm</Display>
-  <Edit>DocumentLibraryForm</Edit>
-  <New>DocumentLibraryForm</New>
-</FormTemplates>
+<file path=customXml/itemProps1.xml><?xml version="1.0" encoding="utf-8"?>
+<ds:datastoreItem xmlns:ds="http://schemas.openxmlformats.org/officeDocument/2006/customXml" ds:itemID="{04AF6CB7-2A18-4264-AB21-4901BBA09C44}">
+  <ds:schemaRefs>
+    <ds:schemaRef ds:uri="http://purl.org/dc/dcmitype/"/>
+    <ds:schemaRef ds:uri="http://schemas.microsoft.com/office/infopath/2007/PartnerControls"/>
+    <ds:schemaRef ds:uri="http://purl.org/dc/elements/1.1/"/>
+    <ds:schemaRef ds:uri="http://schemas.microsoft.com/office/2006/metadata/properties"/>
+    <ds:schemaRef ds:uri="http://schemas.microsoft.com/office/2006/documentManagement/types"/>
+    <ds:schemaRef ds:uri="http://purl.org/dc/terms/"/>
+    <ds:schemaRef ds:uri="http://schemas.openxmlformats.org/package/2006/metadata/core-properties"/>
+    <ds:schemaRef ds:uri="http://www.w3.org/XML/1998/namespace"/>
+  </ds:schemaRefs>
+</ds:datastoreItem>
 </file>
 
-<file path=customXml/item3.xml><?xml version="1.0" encoding="utf-8"?>
-<p:properties xmlns:p="http://schemas.microsoft.com/office/2006/metadata/properties" xmlns:xsi="http://www.w3.org/2001/XMLSchema-instance" xmlns:pc="http://schemas.microsoft.com/office/infopath/2007/PartnerControls">
-  <documentManagement/>
-</p:properties>
+<file path=customXml/itemProps2.xml><?xml version="1.0" encoding="utf-8"?>
+<ds:datastoreItem xmlns:ds="http://schemas.openxmlformats.org/officeDocument/2006/customXml" ds:itemID="{71D78EDA-9406-49B8-AD09-1141E1AE700B}">
+  <ds:schemaRefs>
+    <ds:schemaRef ds:uri="http://schemas.microsoft.com/sharepoint/v3/contenttype/forms"/>
+  </ds:schemaRefs>
+</ds:datastoreItem>
 </file>
 
-<file path=customXml/itemProps1.xml><?xml version="1.0" encoding="utf-8"?>
+<file path=customXml/itemProps3.xml><?xml version="1.0" encoding="utf-8"?>
 <ds:datastoreItem xmlns:ds="http://schemas.openxmlformats.org/officeDocument/2006/customXml" ds:itemID="{61CD111F-BAB6-4F2E-9651-10398B145E62}">
   <ds:schemaRefs>
     <ds:schemaRef ds:uri="http://schemas.microsoft.com/office/2006/metadata/contentType"/>
@@ -11643,27 +12243,4 @@
     <ds:schemaRef ds:uri="http://schemas.microsoft.com/office/infopath/2007/PartnerControls"/>
   </ds:schemaRefs>
 </ds:datastoreItem>
-</file>
-
-<file path=customXml/itemProps2.xml><?xml version="1.0" encoding="utf-8"?>
-<ds:datastoreItem xmlns:ds="http://schemas.openxmlformats.org/officeDocument/2006/customXml" ds:itemID="{71D78EDA-9406-49B8-AD09-1141E1AE700B}">
-  <ds:schemaRefs>
-    <ds:schemaRef ds:uri="http://schemas.microsoft.com/sharepoint/v3/contenttype/forms"/>
-  </ds:schemaRefs>
-</ds:datastoreItem>
-</file>
-
-<file path=customXml/itemProps3.xml><?xml version="1.0" encoding="utf-8"?>
-<ds:datastoreItem xmlns:ds="http://schemas.openxmlformats.org/officeDocument/2006/customXml" ds:itemID="{04AF6CB7-2A18-4264-AB21-4901BBA09C44}">
-  <ds:schemaRefs>
-    <ds:schemaRef ds:uri="http://purl.org/dc/dcmitype/"/>
-    <ds:schemaRef ds:uri="http://schemas.microsoft.com/office/infopath/2007/PartnerControls"/>
-    <ds:schemaRef ds:uri="http://purl.org/dc/elements/1.1/"/>
-    <ds:schemaRef ds:uri="http://schemas.microsoft.com/office/2006/metadata/properties"/>
-    <ds:schemaRef ds:uri="http://schemas.microsoft.com/office/2006/documentManagement/types"/>
-    <ds:schemaRef ds:uri="http://purl.org/dc/terms/"/>
-    <ds:schemaRef ds:uri="http://schemas.openxmlformats.org/package/2006/metadata/core-properties"/>
-    <ds:schemaRef ds:uri="http://www.w3.org/XML/1998/namespace"/>
-  </ds:schemaRefs>
-</ds:datastoreItem>
 </file>
--- a/presentatie - 19 april.pptx
+++ b/presentatie - 19 april.pptx
@@ -254,7 +254,7 @@
           <a:p>
             <a:fld id="{86680C0C-85DF-417F-8238-DB0D15743621}" type="datetimeFigureOut">
               <a:rPr lang="en-GB" smtClean="0"/>
-              <a:t>16/04/2020</a:t>
+              <a:t>17/04/2020</a:t>
             </a:fld>
             <a:endParaRPr lang="en-GB"/>
           </a:p>
@@ -568,7 +568,39 @@
           <a:p>
             <a:r>
               <a:rPr lang="nl-BE" dirty="0"/>
-              <a:t>Het uiteindelijke doel van mijn thesis is om een gezondheidsapplicatie te ontwikkelen die de gebruikers een op maat gemaakte gezonde levensstijl aanleert. </a:t>
+              <a:t>Hallo master en 1</a:t>
+            </a:r>
+            <a:r>
+              <a:rPr lang="nl-BE" baseline="30000" dirty="0"/>
+              <a:t>e</a:t>
+            </a:r>
+            <a:r>
+              <a:rPr lang="nl-BE" dirty="0"/>
+              <a:t> bachelor studenten,</a:t>
+            </a:r>
+          </a:p>
+          <a:p>
+            <a:r>
+              <a:rPr lang="nl-BE" dirty="0"/>
+              <a:t>Graag zou ik jullie mijn boeiend thesis onderwerp voorstellen.</a:t>
+            </a:r>
+          </a:p>
+          <a:p>
+            <a:r>
+              <a:rPr lang="nl-BE" dirty="0"/>
+              <a:t>Velen van jullie zullen later, net zoals een groot deel van de samenleving, een prominent zittend beroep uitvoeren.</a:t>
+            </a:r>
+          </a:p>
+          <a:p>
+            <a:r>
+              <a:rPr lang="nl-BE" dirty="0"/>
+              <a:t>Dit heeft zo zijn gevolgen met betrekking tot de algemene gezondheid. </a:t>
+            </a:r>
+          </a:p>
+          <a:p>
+            <a:r>
+              <a:rPr lang="nl-BE" dirty="0"/>
+              <a:t>Het uiteindelijke doel van mijn thesis is daarom om een gezondheidsapplicatie te ontwikkelen die de gebruikers een op maat gemaakte gezonde levensstijl aanleert. </a:t>
             </a:r>
           </a:p>
           <a:p>
@@ -580,7 +612,7 @@
           <a:p>
             <a:r>
               <a:rPr lang="nl-BE" dirty="0"/>
-              <a:t>Vaak zijn deze aanbevelingen statisch en houden ze geen rekening met persoonlijke conditie van de gebruiker.</a:t>
+              <a:t>Vaak zijn deze aanbevelingen echter statisch en houden ze geen rekening met de persoonlijke conditie van de gebruiker.</a:t>
             </a:r>
           </a:p>
           <a:p>
@@ -592,7 +624,7 @@
           <a:p>
             <a:r>
               <a:rPr lang="nl-BE" dirty="0"/>
-              <a:t>Deze thesis kiest ervoor om </a:t>
+              <a:t>Deze thesis kiest ervoor om te focussen </a:t>
             </a:r>
             <a:r>
               <a:rPr lang="nl-BE" dirty="0" err="1"/>
@@ -600,7 +632,7 @@
             </a:r>
             <a:r>
               <a:rPr lang="nl-BE" dirty="0"/>
-              <a:t> skipping te gebruiken als aanbevelingsmiddel aangezien dit de ideale sport is om conditie te kweken.</a:t>
+              <a:t> skipping als aanbevelingsmiddel aangezien dit de ideale sport is om een goede conditie te kweken.</a:t>
             </a:r>
           </a:p>
         </p:txBody>
@@ -893,7 +925,7 @@
           <a:p>
             <a:r>
               <a:rPr lang="nl-BE" dirty="0"/>
-              <a:t>Deze moet echter wel eerst nog </a:t>
+              <a:t>De data moet echter wel eerst nog </a:t>
             </a:r>
             <a:r>
               <a:rPr lang="nl-BE" dirty="0" err="1"/>
@@ -909,15 +941,7 @@
             </a:r>
             <a:r>
               <a:rPr lang="nl-BE" dirty="0"/>
-              <a:t> samples moeten eruit gefilterd worden, alle data moet van het juiste type zijn en er moet voor gezorgd worden dat er geen </a:t>
-            </a:r>
-            <a:r>
-              <a:rPr lang="nl-BE" dirty="0" err="1"/>
-              <a:t>NaN</a:t>
-            </a:r>
-            <a:r>
-              <a:rPr lang="nl-BE" dirty="0"/>
-              <a:t> waardes zijn.</a:t>
+              <a:t> samples moeten eruit gefilterd worden, alle data moet van het juiste type zijn en er moet voor gezorgd worden dat er geen ontbrekende waardes aanwezig zijn.</a:t>
             </a:r>
           </a:p>
           <a:p>
@@ -1039,6 +1063,15 @@
               <a:t>Een neuraal netwerk is zo gebouwd zodat deze bijkomende data zelf kan geleerd worden.</a:t>
             </a:r>
           </a:p>
+          <a:p>
+            <a:endParaRPr lang="nl-BE" dirty="0"/>
+          </a:p>
+          <a:p>
+            <a:r>
+              <a:rPr lang="nl-BE" dirty="0"/>
+              <a:t>Elk van deze modellen werd getraind op de data en onderling vergeleken. Het CNN model kwam hier als de beste uit. Dit is dan ook het model dat in deze thesis gebruikt wordt.</a:t>
+            </a:r>
+          </a:p>
         </p:txBody>
       </p:sp>
       <p:sp>
@@ -1131,13 +1164,21 @@
             </a:r>
             <a:r>
               <a:rPr lang="nl-BE" dirty="0"/>
-              <a:t>. Om ervoor te zorgen dat het model beide herkend moeten beide aanwezig zijn. Ook is er een verschil in data bij veranderen van draairichting. De sprong is echter nog steeds hetzelfde, dus ook deze data moet aanwezig zijn. </a:t>
+              <a:t>. Om ervoor te zorgen dat het model beide herkend moeten beide aanwezig zijn. Ook is er een verschil in data bij veranderen van draairichting. Aangezien ook hier de sprong nog steeds hetzelfde is, moet ook deze data moet aanwezig zijn. </a:t>
             </a:r>
           </a:p>
           <a:p>
             <a:r>
               <a:rPr lang="nl-BE" dirty="0"/>
-              <a:t>De forward en backward 180 sprongen hebben een andere onderscheid. Indien de forward 180 uitgevoerd wordt in de andere draairichting bekomen we de backward 180 en omgekeerd. Er is echter een ander verschil. De 180 graden draai kan gebeuren in 2 richtingen</a:t>
+              <a:t>De forward en backward 180 sprongen hebben een andere onderscheid met betrekking tot </a:t>
+            </a:r>
+            <a:r>
+              <a:rPr lang="nl-BE" dirty="0" err="1"/>
+              <a:t>daairichting</a:t>
+            </a:r>
+            <a:r>
+              <a:rPr lang="nl-BE" dirty="0"/>
+              <a:t>. Indien de forward 180 uitgevoerd wordt in de andere draairichting bekomen we de backward 180 en omgekeerd. Er is echter een ander verschil. De 180 graden draai van zichzelf en het touw kan gebeuren in 2 richtingen.</a:t>
             </a:r>
           </a:p>
         </p:txBody>
@@ -1232,7 +1273,7 @@
             </a:r>
             <a:r>
               <a:rPr lang="nl-BE" dirty="0"/>
-              <a:t> skipping de gezondheid kan geoptimaliseerd worden. Dit door persoonlijke aanbevelingen te geven.</a:t>
+              <a:t> skipping de gezondheid kan geoptimaliseerd worden. Dit door persoonlijke aanbevelingen te geven. Volgende slides geven een beeld van de uiteindelijke gezondheidsapplicatie.</a:t>
             </a:r>
           </a:p>
         </p:txBody>
@@ -1327,7 +1368,7 @@
             </a:r>
             <a:r>
               <a:rPr lang="nl-BE" dirty="0"/>
-              <a:t> skipping bewegingen uitvoert. Er wordt ook weer gebruik gemaakt van bluetooth. Op de smartphone zal dan via het getrainde machine </a:t>
+              <a:t> skipping bewegingen uitvoert. Er wordt ook weer gebruik gemaakt van bluetooth als communicatiemiddel. Op de smartphone zal dan via het getrainde machine </a:t>
             </a:r>
             <a:r>
               <a:rPr lang="nl-BE" dirty="0" err="1"/>
@@ -1335,7 +1376,7 @@
             </a:r>
             <a:r>
               <a:rPr lang="nl-BE" dirty="0"/>
-              <a:t> model nagegaan worden welke sprongen gedaan werden en wanneer. Ook zal het inspanningsniveau berekend worden. Hierover later meer.</a:t>
+              <a:t> model nagegaan worden welke sprongen gedaan werden en op welk tijdstip. Ook zal het inspanningsniveau berekend worden. Hierover later meer.</a:t>
             </a:r>
           </a:p>
         </p:txBody>
@@ -1540,7 +1581,23 @@
           <a:p>
             <a:r>
               <a:rPr lang="nl-BE" dirty="0"/>
-              <a:t>De hartslag wordt hierbij opgedeeld in intervallen die de intensiteit aanduiden. Ook wordt gebruik gemaakt van een bovengrens. Dit is de hoogste hartslag die de gezondheid niet schaadt.</a:t>
+              <a:t>Het interval beginnend bij de </a:t>
+            </a:r>
+            <a:r>
+              <a:rPr lang="nl-BE" dirty="0" err="1"/>
+              <a:t>resting</a:t>
+            </a:r>
+            <a:r>
+              <a:rPr lang="nl-BE" dirty="0"/>
+              <a:t> heat </a:t>
+            </a:r>
+            <a:r>
+              <a:rPr lang="nl-BE" dirty="0" err="1"/>
+              <a:t>rate</a:t>
+            </a:r>
+            <a:r>
+              <a:rPr lang="nl-BE" dirty="0"/>
+              <a:t> en eindigend bij de maximale hartslag wordt hierbij opgedeeld in intervallen die de intensiteit aanduiden. De maximale hartslag is leeftijdsafhankelijk. </a:t>
             </a:r>
           </a:p>
         </p:txBody>
@@ -1627,7 +1684,7 @@
           <a:p>
             <a:r>
               <a:rPr lang="nl-BE" dirty="0"/>
-              <a:t>Vanuit de bekomen statistieken zullen persoonlijke aanbevelingen gegeven worden. Hierbij wordt data van 10 weken terug bekeken alsook de gemiddelde duur van een activiteit en het aantal sessies waarin deze werd beoefent. Met activiteit wordt 1 specifieke </a:t>
+              <a:t>Vanuit de bekomen statistieken zullen persoonlijke aanbevelingen gegeven worden. Hierbij wordt data van 10 weken terug bekeken. Uit deze data wordt de gemiddelde duur van een activiteit en het aantal sessies waarin deze werd beoefent berekend. Met activiteit wordt 1 specifieke </a:t>
             </a:r>
             <a:r>
               <a:rPr lang="nl-BE" dirty="0" err="1"/>
@@ -1644,7 +1701,7 @@
           <a:p>
             <a:r>
               <a:rPr lang="nl-BE" dirty="0"/>
-              <a:t>Verschillende aspecten maken dit systeem persoonlijk. Een eerste uit zich in het rekening houden met de persoonlijke voorkeur van een gebruiker. Door rekening te houden met het aantal sessies waarin de activiteit wordt beoefend, en dus meer gewicht te geven aan frequent beoefende bewegingen, wordt een persoonlijk aspect verwezenlijkt. Ook zal het aantal gemaakte fouten meespelen in de hoeveelheid gewicht gegeven wordt aan de activiteit.</a:t>
+              <a:t>Verschillende aspecten maken dit systeem persoonlijk. Een eerste uit zich in het aandacht geven aan de persoonlijke voorkeur van een gebruiker. Door rekening te houden met het aantal sessies waarin de activiteit wordt beoefend, en dus meer gewicht te geven aan frequent beoefende bewegingen, wordt dit persoonlijk aspect verwezenlijkt. Ook zal het aantal gemaakte fouten meespelen in de hoeveelheid gewicht die gegeven wordt aan de activiteit.</a:t>
             </a:r>
           </a:p>
           <a:p>
@@ -1738,7 +1795,60 @@
           <a:bodyPr/>
           <a:lstStyle/>
           <a:p>
-            <a:endParaRPr lang="nl-BE" dirty="0"/>
+            <a:r>
+              <a:rPr lang="nl-BE" dirty="0"/>
+              <a:t>Als eerste zullen de verschillende </a:t>
+            </a:r>
+            <a:r>
+              <a:rPr lang="nl-BE" dirty="0" err="1"/>
+              <a:t>rope</a:t>
+            </a:r>
+            <a:r>
+              <a:rPr lang="nl-BE" dirty="0"/>
+              <a:t> skipping bewegingen toegelicht worden. </a:t>
+            </a:r>
+          </a:p>
+          <a:p>
+            <a:r>
+              <a:rPr lang="nl-BE" dirty="0"/>
+              <a:t>Om met </a:t>
+            </a:r>
+            <a:r>
+              <a:rPr lang="nl-BE" dirty="0" err="1"/>
+              <a:t>rope</a:t>
+            </a:r>
+            <a:r>
+              <a:rPr lang="nl-BE" dirty="0"/>
+              <a:t> skipping bewegingen aan de slag te kunnen, moeten deze op een bepaalde manier gemeten worden. De gebruikte meetopstelling wordt dan ook besproken.</a:t>
+            </a:r>
+          </a:p>
+          <a:p>
+            <a:r>
+              <a:rPr lang="nl-BE" dirty="0"/>
+              <a:t>Via machine </a:t>
+            </a:r>
+            <a:r>
+              <a:rPr lang="nl-BE" dirty="0" err="1"/>
+              <a:t>learning</a:t>
+            </a:r>
+            <a:r>
+              <a:rPr lang="nl-BE" dirty="0"/>
+              <a:t> technieken zullen vanuit de gemeten data voorspellingen kunnen gemaakt worden met betrekking tot de werkelijke sprong.</a:t>
+            </a:r>
+          </a:p>
+          <a:p>
+            <a:r>
+              <a:rPr lang="nl-BE" dirty="0"/>
+              <a:t>Tot slot zal dit alles gegoten worden in een gezondheidsapplicatie die, aan de hand van </a:t>
+            </a:r>
+            <a:r>
+              <a:rPr lang="nl-BE" dirty="0" err="1"/>
+              <a:t>rope</a:t>
+            </a:r>
+            <a:r>
+              <a:rPr lang="nl-BE" dirty="0"/>
+              <a:t> skipping data en het inspanningsniveau tijdens het springen, persoonlijke aanbevelingen zal genereren rekening houden met de huidige gebruikerscontext.</a:t>
+            </a:r>
           </a:p>
         </p:txBody>
       </p:sp>
@@ -1824,15 +1934,7 @@
           <a:p>
             <a:r>
               <a:rPr lang="nl-BE" dirty="0"/>
-              <a:t>De applicatie is context </a:t>
-            </a:r>
-            <a:r>
-              <a:rPr lang="nl-BE" dirty="0" err="1"/>
-              <a:t>aware</a:t>
-            </a:r>
-            <a:r>
-              <a:rPr lang="nl-BE" dirty="0"/>
-              <a:t> doordat aanbevelingen gegeven worden wanneer de gebruiker te lang stilzit. Ook is er een </a:t>
+              <a:t>De applicatie is context afhankelijk doordat aanbevelingen gegeven worden wanneer de gebruiker te lang stilzit. Ook is er een </a:t>
             </a:r>
             <a:r>
               <a:rPr lang="nl-BE" dirty="0" err="1"/>
@@ -1886,6 +1988,93 @@
     <p:extLst>
       <p:ext uri="{BB962C8B-B14F-4D97-AF65-F5344CB8AC3E}">
         <p14:creationId xmlns:p14="http://schemas.microsoft.com/office/powerpoint/2010/main" val="1642469291"/>
+      </p:ext>
+    </p:extLst>
+  </p:cSld>
+  <p:clrMapOvr>
+    <a:masterClrMapping/>
+  </p:clrMapOvr>
+</p:notes>
+</file>
+
+<file path=ppt/notesSlides/notesSlide21.xml><?xml version="1.0" encoding="utf-8"?>
+<p:notes xmlns:a="http://schemas.openxmlformats.org/drawingml/2006/main" xmlns:r="http://schemas.openxmlformats.org/officeDocument/2006/relationships" xmlns:p="http://schemas.openxmlformats.org/presentationml/2006/main">
+  <p:cSld>
+    <p:spTree>
+      <p:nvGrpSpPr>
+        <p:cNvPr id="1" name=""/>
+        <p:cNvGrpSpPr/>
+        <p:nvPr/>
+      </p:nvGrpSpPr>
+      <p:grpSpPr>
+        <a:xfrm>
+          <a:off x="0" y="0"/>
+          <a:ext cx="0" cy="0"/>
+          <a:chOff x="0" y="0"/>
+          <a:chExt cx="0" cy="0"/>
+        </a:xfrm>
+      </p:grpSpPr>
+      <p:sp>
+        <p:nvSpPr>
+          <p:cNvPr id="2" name="Tijdelijke aanduiding voor dia-afbeelding 1"/>
+          <p:cNvSpPr>
+            <a:spLocks noGrp="1" noRot="1" noChangeAspect="1"/>
+          </p:cNvSpPr>
+          <p:nvPr>
+            <p:ph type="sldImg"/>
+          </p:nvPr>
+        </p:nvSpPr>
+        <p:spPr/>
+      </p:sp>
+      <p:sp>
+        <p:nvSpPr>
+          <p:cNvPr id="3" name="Tijdelijke aanduiding voor notities 2"/>
+          <p:cNvSpPr>
+            <a:spLocks noGrp="1"/>
+          </p:cNvSpPr>
+          <p:nvPr>
+            <p:ph type="body" idx="1"/>
+          </p:nvPr>
+        </p:nvSpPr>
+        <p:spPr/>
+        <p:txBody>
+          <a:bodyPr/>
+          <a:lstStyle/>
+          <a:p>
+            <a:r>
+              <a:rPr lang="nl-BE" dirty="0"/>
+              <a:t>Bedankt voor jullie aandacht.</a:t>
+            </a:r>
+          </a:p>
+        </p:txBody>
+      </p:sp>
+      <p:sp>
+        <p:nvSpPr>
+          <p:cNvPr id="4" name="Tijdelijke aanduiding voor dianummer 3"/>
+          <p:cNvSpPr>
+            <a:spLocks noGrp="1"/>
+          </p:cNvSpPr>
+          <p:nvPr>
+            <p:ph type="sldNum" sz="quarter" idx="5"/>
+          </p:nvPr>
+        </p:nvSpPr>
+        <p:spPr/>
+        <p:txBody>
+          <a:bodyPr/>
+          <a:lstStyle/>
+          <a:p>
+            <a:fld id="{539A0A48-EDB1-4AFE-B1B7-10CE2A416496}" type="slidenum">
+              <a:rPr lang="en-GB" smtClean="0"/>
+              <a:t>21</a:t>
+            </a:fld>
+            <a:endParaRPr lang="en-GB"/>
+          </a:p>
+        </p:txBody>
+      </p:sp>
+    </p:spTree>
+    <p:extLst>
+      <p:ext uri="{BB962C8B-B14F-4D97-AF65-F5344CB8AC3E}">
+        <p14:creationId xmlns:p14="http://schemas.microsoft.com/office/powerpoint/2010/main" val="1459656405"/>
       </p:ext>
     </p:extLst>
   </p:cSld>
@@ -1989,7 +2178,7 @@
             </a:pPr>
             <a:r>
               <a:rPr lang="nl-BE" dirty="0"/>
-              <a:t>Hiervoor is het noodzakelijk dat bepaalde bewegingen herkend worden.  Op die manier kan userfeedback gegeven worden per beweging. Er zal bijvoorbeeld gemeld worden hoeveel draaiingen verricht zijn tijdens een sessie en per beweging. Ook zullen fouten herkend worden.</a:t>
+              <a:t>Hiervoor is het noodzakelijk dat bepaalde bewegingen herkend worden.  Op die manier kan userfeedback gegeven worden per beweging. Er zal bijvoorbeeld gemeld worden hoeveel draaiingen verricht werden tijdens een sessie en per beweging. Ook zullen fouten herkend worden. Dit levert namelijk een extra stimulans in het trainen van de conditie.</a:t>
             </a:r>
           </a:p>
           <a:p>
@@ -2012,7 +2201,7 @@
             </a:pPr>
             <a:r>
               <a:rPr lang="nl-BE" dirty="0"/>
-              <a:t>De aanbevelingen zullen dan ook per beweging gemaakt worden.</a:t>
+              <a:t>De gebruiker heeft eveneens een duidelijk beeld van zijn/haar capaciteiten per beweging.</a:t>
             </a:r>
           </a:p>
           <a:p>
@@ -2035,53 +2224,7 @@
             </a:pPr>
             <a:r>
               <a:rPr lang="nl-BE" dirty="0"/>
-              <a:t>Deze factoren zorgen voor extra aanmoediging, de gebruiker heeft namelijk een duidelijk beeld van zijn/haar capaciteiten per beweging.</a:t>
-            </a:r>
-          </a:p>
-          <a:p>
-            <a:pPr marL="0" marR="0" indent="0" algn="l" defTabSz="914400" rtl="0" eaLnBrk="1" fontAlgn="auto" latinLnBrk="0" hangingPunct="1">
-              <a:lnSpc>
-                <a:spcPct val="100000"/>
-              </a:lnSpc>
-              <a:spcBef>
-                <a:spcPts val="0"/>
-              </a:spcBef>
-              <a:spcAft>
-                <a:spcPts val="0"/>
-              </a:spcAft>
-              <a:buClrTx/>
-              <a:buSzTx/>
-              <a:buFontTx/>
-              <a:buNone/>
-              <a:tabLst/>
-              <a:defRPr/>
-            </a:pPr>
-            <a:r>
-              <a:rPr lang="nl-BE" dirty="0"/>
-              <a:t>Indien er meer fouten gemaakt worden in een bepaalde beweging, zal deze meer gewicht krijgen bij het genereren van aanbevelingen.</a:t>
-            </a:r>
-          </a:p>
-          <a:p>
-            <a:pPr marL="0" marR="0" indent="0" algn="l" defTabSz="914400" rtl="0" eaLnBrk="1" fontAlgn="auto" latinLnBrk="0" hangingPunct="1">
-              <a:lnSpc>
-                <a:spcPct val="100000"/>
-              </a:lnSpc>
-              <a:spcBef>
-                <a:spcPts val="0"/>
-              </a:spcBef>
-              <a:spcAft>
-                <a:spcPts val="0"/>
-              </a:spcAft>
-              <a:buClrTx/>
-              <a:buSzTx/>
-              <a:buFontTx/>
-              <a:buNone/>
-              <a:tabLst/>
-              <a:defRPr/>
-            </a:pPr>
-            <a:r>
-              <a:rPr lang="nl-BE" dirty="0"/>
-              <a:t>De bewegingen worden gemeten via een smartwatch gedragen op de pols. Deze smartwatch heeft een </a:t>
+              <a:t>De bewegingen worden gemeten via een smartwatch gedragen op de pols. Deze smartwatch bezit over een </a:t>
             </a:r>
             <a:r>
               <a:rPr lang="nl-BE" dirty="0" err="1"/>
@@ -2089,30 +2232,15 @@
             </a:r>
             <a:r>
               <a:rPr lang="nl-BE" dirty="0"/>
-              <a:t> waardoor aan een frequentie van 52 Hz versnellingsvectoren binnenkomen.</a:t>
-            </a:r>
-          </a:p>
-          <a:p>
-            <a:pPr marL="0" marR="0" indent="0" algn="l" defTabSz="914400" rtl="0" eaLnBrk="1" fontAlgn="auto" latinLnBrk="0" hangingPunct="1">
-              <a:lnSpc>
-                <a:spcPct val="100000"/>
-              </a:lnSpc>
-              <a:spcBef>
-                <a:spcPts val="0"/>
-              </a:spcBef>
-              <a:spcAft>
-                <a:spcPts val="0"/>
-              </a:spcAft>
-              <a:buClrTx/>
-              <a:buSzTx/>
-              <a:buFontTx/>
-              <a:buNone/>
-              <a:tabLst/>
-              <a:defRPr/>
-            </a:pPr>
+              <a:t> waarmee aan een frequentie van 52 Hz </a:t>
+            </a:r>
+            <a:r>
+              <a:rPr lang="nl-BE" dirty="0" err="1"/>
+              <a:t>accelerometer</a:t>
+            </a:r>
             <a:r>
               <a:rPr lang="nl-BE" dirty="0"/>
-              <a:t>Op die manier kunnen persoonlijke aanbevelingen gegeven worden. </a:t>
+              <a:t> data gemeten wordt.</a:t>
             </a:r>
           </a:p>
           <a:p>
@@ -2240,9 +2368,49 @@
           <a:bodyPr/>
           <a:lstStyle/>
           <a:p>
+            <a:pPr marL="0" marR="0" lvl="0" indent="0" algn="l" defTabSz="914400" rtl="0" eaLnBrk="1" fontAlgn="auto" latinLnBrk="0" hangingPunct="1">
+              <a:lnSpc>
+                <a:spcPct val="100000"/>
+              </a:lnSpc>
+              <a:spcBef>
+                <a:spcPts val="0"/>
+              </a:spcBef>
+              <a:spcAft>
+                <a:spcPts val="0"/>
+              </a:spcAft>
+              <a:buClrTx/>
+              <a:buSzTx/>
+              <a:buFontTx/>
+              <a:buNone/>
+              <a:tabLst/>
+              <a:defRPr/>
+            </a:pPr>
             <a:r>
               <a:rPr lang="nl-BE" dirty="0"/>
-              <a:t>Op deze grafieken is te zien hoe de versnellingsvector verandert volgens de x, y en </a:t>
+              <a:t>Een eerste beweging is springen met en zonder tussensprong.</a:t>
+            </a:r>
+          </a:p>
+          <a:p>
+            <a:pPr marL="0" marR="0" lvl="0" indent="0" algn="l" defTabSz="914400" rtl="0" eaLnBrk="1" fontAlgn="auto" latinLnBrk="0" hangingPunct="1">
+              <a:lnSpc>
+                <a:spcPct val="100000"/>
+              </a:lnSpc>
+              <a:spcBef>
+                <a:spcPts val="0"/>
+              </a:spcBef>
+              <a:spcAft>
+                <a:spcPts val="0"/>
+              </a:spcAft>
+              <a:buClrTx/>
+              <a:buSzTx/>
+              <a:buFontTx/>
+              <a:buNone/>
+              <a:tabLst/>
+              <a:defRPr/>
+            </a:pPr>
+            <a:r>
+              <a:rPr lang="nl-BE" dirty="0"/>
+              <a:t>De grafieken geven weer hoe de versnellingsvector verandert volgens de x, y en </a:t>
             </a:r>
             <a:r>
               <a:rPr lang="nl-BE" dirty="0" err="1"/>
@@ -2254,24 +2422,50 @@
             </a:r>
           </a:p>
           <a:p>
+            <a:pPr marL="0" marR="0" lvl="0" indent="0" algn="l" defTabSz="914400" rtl="0" eaLnBrk="1" fontAlgn="auto" latinLnBrk="0" hangingPunct="1">
+              <a:lnSpc>
+                <a:spcPct val="100000"/>
+              </a:lnSpc>
+              <a:spcBef>
+                <a:spcPts val="0"/>
+              </a:spcBef>
+              <a:spcAft>
+                <a:spcPts val="0"/>
+              </a:spcAft>
+              <a:buClrTx/>
+              <a:buSzTx/>
+              <a:buFontTx/>
+              <a:buNone/>
+              <a:tabLst/>
+              <a:defRPr/>
+            </a:pPr>
+            <a:endParaRPr lang="nl-BE" dirty="0"/>
+          </a:p>
+          <a:p>
+            <a:pPr marL="0" marR="0" lvl="0" indent="0" algn="l" defTabSz="914400" rtl="0" eaLnBrk="1" fontAlgn="auto" latinLnBrk="0" hangingPunct="1">
+              <a:lnSpc>
+                <a:spcPct val="100000"/>
+              </a:lnSpc>
+              <a:spcBef>
+                <a:spcPts val="0"/>
+              </a:spcBef>
+              <a:spcAft>
+                <a:spcPts val="0"/>
+              </a:spcAft>
+              <a:buClrTx/>
+              <a:buSzTx/>
+              <a:buFontTx/>
+              <a:buNone/>
+              <a:tabLst/>
+              <a:defRPr/>
+            </a:pPr>
             <a:r>
               <a:rPr lang="nl-BE" dirty="0"/>
-              <a:t>Aangezien deze data later zal gebruikt worden als input voor het machine </a:t>
-            </a:r>
-            <a:r>
-              <a:rPr lang="nl-BE" dirty="0" err="1"/>
-              <a:t>learning</a:t>
-            </a:r>
-            <a:r>
-              <a:rPr lang="nl-BE" dirty="0"/>
-              <a:t> model, is het nodig om te weten of er een duidelijk verschil tussen de verschillende bewegingen.</a:t>
-            </a:r>
-          </a:p>
-          <a:p>
-            <a:r>
-              <a:rPr lang="nl-BE" dirty="0"/>
-              <a:t>Deze grafieken geven springen met en zonder tussensprong weer. Zoals te zien is er wel degelijk een onderscheid.</a:t>
-            </a:r>
+              <a:t>Zoals te zien is, is er wel degelijk een onderscheid tussen de 2 sprongen wat ook nodig is indien nagenoeg perfecte herkenning van een beweging vereist is.</a:t>
+            </a:r>
+          </a:p>
+          <a:p>
+            <a:endParaRPr lang="nl-BE" dirty="0"/>
           </a:p>
         </p:txBody>
       </p:sp>
@@ -2357,7 +2551,13 @@
           <a:p>
             <a:r>
               <a:rPr lang="nl-BE" dirty="0"/>
-              <a:t>Zoals te zien op de figuur is een cross over en beweging gedaan door te springen met de armen </a:t>
+              <a:t>Een tweede sprong is de cross over.</a:t>
+            </a:r>
+          </a:p>
+          <a:p>
+            <a:r>
+              <a:rPr lang="nl-BE" dirty="0"/>
+              <a:t>Zoals te zien op de figuur is een cross over een beweging die uitgevoerd wordt met de armen </a:t>
             </a:r>
             <a:r>
               <a:rPr lang="nl-BE" dirty="0" err="1"/>
@@ -2460,7 +2660,7 @@
           <a:p>
             <a:r>
               <a:rPr lang="nl-BE" dirty="0"/>
-              <a:t>De side swing beweging wordt gedaan door het touw langs beide kanten van het lichaam te bewegen in een draaiende beweging. Deze beweging wordt vaak gebruikt als overgang tussen 2 andere. Ook hier is een onderscheid merkbaar.</a:t>
+              <a:t>De side swing beweging wordt gedaan door het touw langs beide kanten van het lichaam te bewegen in een draaiende beweging. De side swing wordt vaak gebruikt als overgang tussen 2 andere sprongen. Ook deze grafiek onderscheidt zicht van de voorgaande.</a:t>
             </a:r>
           </a:p>
         </p:txBody>
@@ -2547,7 +2747,15 @@
           <a:p>
             <a:r>
               <a:rPr lang="nl-BE" dirty="0"/>
-              <a:t>Forward 180 is een andere overgangsbeweging. Hierbij zal de springer via een halve side swing zichzelf en het touw 180 graden draaien. Bij de forward 180 wordt begonnen met een voorwaartse sprong en eindigt men met een achterwaartse sprong. De grafiek geeft het verloop weer en toont dat dit verschillend is.</a:t>
+              <a:t>Forward 180 is nog een overgangsbeweging. Hierbij zal de springer via een halve side swing zichzelf en het touw 180 graden draaien. Bij de forward 180 wordt begonnen met een voorwaartse sprong en eindigt men met een achterwaartse sprong. Deze overgangsbeweging toont gelijkenissen met een side swing wat ook logisch is aangezien de side swing beweging verweven zit in de forward 180. Om dit onderscheid te kunnen maken moet gebruik gemaakt worden van intensieve </a:t>
+            </a:r>
+            <a:r>
+              <a:rPr lang="nl-BE" dirty="0" err="1"/>
+              <a:t>finetuning</a:t>
+            </a:r>
+            <a:r>
+              <a:rPr lang="nl-BE" dirty="0"/>
+              <a:t>.</a:t>
             </a:r>
           </a:p>
         </p:txBody>
@@ -2634,7 +2842,16 @@
           <a:p>
             <a:r>
               <a:rPr lang="nl-BE" dirty="0"/>
-              <a:t>De backward 180 is hetzelfde principe als de voorwaartse variant. Alleen zal nu begonnen worden met achterwaarts springen. De verplaatsing van het touw gebeurd ook op een andere manier. De overgang gebeurt niet meer via een halve side swing. De springer zal, wanneer het touw voor hem in de lucht komt, zichzelf en het touw 180 graden draaien waarna de richting van springen wordt omgekeerd.</a:t>
+              <a:t>Backward 180 volgt hetzelfde principe als zijn voorwaartse variant. Alleen zal nu begonnen worden met achterwaarts springen. De verplaatsing van het touw gebeurd dan ook op een andere manier. De overgang gebeurt niet meer via een halve side swing. De springer zal, wanneer het touw voor hem in de lucht komt, zichzelf en het touw 180 graden draaien waarna de richting van springen wordt omgekeerd. </a:t>
+            </a:r>
+          </a:p>
+          <a:p>
+            <a:endParaRPr lang="nl-BE" dirty="0"/>
+          </a:p>
+          <a:p>
+            <a:r>
+              <a:rPr lang="nl-BE" dirty="0"/>
+              <a:t>Deze beweging onderscheidt zich weer duidelijk van de rest.</a:t>
             </a:r>
           </a:p>
         </p:txBody>
@@ -2721,15 +2938,21 @@
           <a:p>
             <a:r>
               <a:rPr lang="nl-BE" dirty="0"/>
-              <a:t>Om deze bewegingen te kunnen detecteren is dus </a:t>
+              <a:t>Enige vorm van data is noodzakelijk om de bewegingen te detecteren. </a:t>
             </a:r>
             <a:r>
               <a:rPr lang="nl-BE" dirty="0" err="1"/>
-              <a:t>accelerometerdata</a:t>
+              <a:t>Accelerometerdata</a:t>
             </a:r>
             <a:r>
               <a:rPr lang="nl-BE" dirty="0"/>
-              <a:t> noodzakelijk.  Bewegingen tijdens het </a:t>
+              <a:t> is hierbij de meest voor de hand liggende keuze. Andere opties zijn: gyroscoopdata, hartslagdata…  </a:t>
+            </a:r>
+          </a:p>
+          <a:p>
+            <a:r>
+              <a:rPr lang="nl-BE" dirty="0"/>
+              <a:t>Bewegingen tijdens het </a:t>
             </a:r>
             <a:r>
               <a:rPr lang="nl-BE" dirty="0" err="1"/>
@@ -2737,7 +2960,7 @@
             </a:r>
             <a:r>
               <a:rPr lang="nl-BE" dirty="0"/>
-              <a:t> skippen worden vooral veroorzaakt door korte en lange polsbewegingen. Dit wordt best gemeten via een smartwatch bevestigd aan de linker of rechterpols.</a:t>
+              <a:t> skippen worden vooral veroorzaakt door korte en lange polsbewegingen. Een smartwatch, bevestigd aan de linker of rechterpols, kan dit zeer goed detecteren.</a:t>
             </a:r>
           </a:p>
           <a:p>
@@ -2834,7 +3057,7 @@
           <a:p>
             <a:fld id="{5A24147F-ED97-47AF-A1B3-C82A179CF7F3}" type="datetime1">
               <a:rPr lang="nl-NL" smtClean="0"/>
-              <a:t>16-4-2020</a:t>
+              <a:t>17-4-2020</a:t>
             </a:fld>
             <a:endParaRPr lang="en-GB"/>
           </a:p>
@@ -3792,7 +4015,7 @@
           <a:p>
             <a:fld id="{25470885-0B31-4E06-AE71-7E16801F2838}" type="datetime1">
               <a:rPr lang="nl-BE" noProof="0" smtClean="0"/>
-              <a:t>16/04/2020</a:t>
+              <a:t>17/04/2020</a:t>
             </a:fld>
             <a:endParaRPr lang="nl-BE" noProof="0" dirty="0"/>
           </a:p>
@@ -3910,7 +4133,7 @@
           <a:p>
             <a:fld id="{E7410F60-8C93-4C37-B51A-4DDAE36F7E9B}" type="datetime1">
               <a:rPr lang="nl-BE" noProof="0" smtClean="0"/>
-              <a:t>16/04/2020</a:t>
+              <a:t>17/04/2020</a:t>
             </a:fld>
             <a:endParaRPr lang="nl-BE" noProof="0" dirty="0"/>
           </a:p>
@@ -4189,7 +4412,7 @@
           <a:p>
             <a:fld id="{656594B6-17DF-4759-A7A5-128AFEA77F2C}" type="datetime1">
               <a:rPr lang="nl-BE" noProof="0" smtClean="0"/>
-              <a:t>16/04/2020</a:t>
+              <a:t>17/04/2020</a:t>
             </a:fld>
             <a:endParaRPr lang="nl-BE" noProof="0" dirty="0"/>
           </a:p>
@@ -4330,7 +4553,7 @@
           <a:p>
             <a:fld id="{66A81384-1200-4D40-BEF0-3A17A1F906F4}" type="datetime1">
               <a:rPr lang="nl-NL" noProof="0" smtClean="0"/>
-              <a:t>16-4-2020</a:t>
+              <a:t>17-4-2020</a:t>
             </a:fld>
             <a:endParaRPr lang="nl-NL" noProof="0" dirty="0"/>
           </a:p>
@@ -4840,7 +5063,7 @@
           <a:p>
             <a:fld id="{66A81384-1200-4D40-BEF0-3A17A1F906F4}" type="datetime1">
               <a:rPr lang="nl-NL" noProof="0" smtClean="0"/>
-              <a:t>16-4-2020</a:t>
+              <a:t>17-4-2020</a:t>
             </a:fld>
             <a:endParaRPr lang="nl-NL" noProof="0" dirty="0"/>
           </a:p>
@@ -5126,7 +5349,7 @@
           <a:p>
             <a:fld id="{FA870D1A-A3AB-4E9F-892E-C45B5A80FDBF}" type="datetime1">
               <a:rPr lang="nl-BE" noProof="0" smtClean="0"/>
-              <a:t>16/04/2020</a:t>
+              <a:t>17/04/2020</a:t>
             </a:fld>
             <a:endParaRPr lang="nl-BE" noProof="0" dirty="0"/>
           </a:p>
@@ -7006,22 +7229,22 @@
               <a:buChar char="•"/>
             </a:pPr>
             <a:r>
-              <a:rPr lang="nl-BE" sz="3200" dirty="0" err="1"/>
+              <a:rPr lang="nl-BE" sz="3200" b="1" dirty="0" err="1"/>
               <a:t>Convolutional</a:t>
             </a:r>
             <a:r>
-              <a:rPr lang="nl-BE" sz="3200" dirty="0"/>
+              <a:rPr lang="nl-BE" sz="3200" b="1" dirty="0"/>
               <a:t> </a:t>
             </a:r>
             <a:r>
-              <a:rPr lang="nl-BE" sz="3200" dirty="0" err="1"/>
+              <a:rPr lang="nl-BE" sz="3200" b="1" dirty="0" err="1"/>
               <a:t>Neural</a:t>
             </a:r>
             <a:r>
-              <a:rPr lang="nl-BE" sz="3200" dirty="0"/>
+              <a:rPr lang="nl-BE" sz="3200" b="1" dirty="0"/>
               <a:t> Network (CNN)</a:t>
             </a:r>
-            <a:endParaRPr lang="nl-BE" sz="4800" dirty="0"/>
+            <a:endParaRPr lang="nl-BE" sz="4800" b="1" dirty="0"/>
           </a:p>
         </p:txBody>
       </p:sp>
@@ -9283,7 +9506,7 @@
           <p:nvPr/>
         </p:nvPicPr>
         <p:blipFill>
-          <a:blip r:embed="rId2">
+          <a:blip r:embed="rId3">
             <a:extLst>
               <a:ext uri="{28A0092B-C50C-407E-A947-70E740481C1C}">
                 <a14:useLocalDpi xmlns:a14="http://schemas.microsoft.com/office/drawing/2010/main" val="0"/>
@@ -9313,7 +9536,7 @@
           <p:nvPr/>
         </p:nvPicPr>
         <p:blipFill>
-          <a:blip r:embed="rId3">
+          <a:blip r:embed="rId4">
             <a:extLst>
               <a:ext uri="{28A0092B-C50C-407E-A947-70E740481C1C}">
                 <a14:useLocalDpi xmlns:a14="http://schemas.microsoft.com/office/drawing/2010/main" val="0"/>
@@ -9343,7 +9566,7 @@
           <p:nvPr/>
         </p:nvPicPr>
         <p:blipFill>
-          <a:blip r:embed="rId4">
+          <a:blip r:embed="rId5">
             <a:extLst>
               <a:ext uri="{28A0092B-C50C-407E-A947-70E740481C1C}">
                 <a14:useLocalDpi xmlns:a14="http://schemas.microsoft.com/office/drawing/2010/main" val="0"/>
@@ -9373,7 +9596,7 @@
           <p:nvPr/>
         </p:nvPicPr>
         <p:blipFill>
-          <a:blip r:embed="rId5">
+          <a:blip r:embed="rId6">
             <a:extLst>
               <a:ext uri="{28A0092B-C50C-407E-A947-70E740481C1C}">
                 <a14:useLocalDpi xmlns:a14="http://schemas.microsoft.com/office/drawing/2010/main" val="0"/>
@@ -12078,21 +12301,6 @@
 </file>
 
 <file path=customXml/item1.xml><?xml version="1.0" encoding="utf-8"?>
-<p:properties xmlns:p="http://schemas.microsoft.com/office/2006/metadata/properties" xmlns:xsi="http://www.w3.org/2001/XMLSchema-instance" xmlns:pc="http://schemas.microsoft.com/office/infopath/2007/PartnerControls">
-  <documentManagement/>
-</p:properties>
-</file>
-
-<file path=customXml/item2.xml><?xml version="1.0" encoding="utf-8"?>
-<?mso-contentType ?>
-<FormTemplates xmlns="http://schemas.microsoft.com/sharepoint/v3/contenttype/forms">
-  <Display>DocumentLibraryForm</Display>
-  <Edit>DocumentLibraryForm</Edit>
-  <New>DocumentLibraryForm</New>
-</FormTemplates>
-</file>
-
-<file path=customXml/item3.xml><?xml version="1.0" encoding="utf-8"?>
 <ct:contentTypeSchema xmlns:ct="http://schemas.microsoft.com/office/2006/metadata/contentType" xmlns:ma="http://schemas.microsoft.com/office/2006/metadata/properties/metaAttributes" ct:_="" ma:_="" ma:contentTypeName="Document" ma:contentTypeID="0x0101006485FDDAC6B575409C31AC848C388A85" ma:contentTypeVersion="" ma:contentTypeDescription="Een nieuw document maken." ma:contentTypeScope="" ma:versionID="af1196157f6ce1f05c24b0f61ce6f714">
   <xsd:schema xmlns:xsd="http://www.w3.org/2001/XMLSchema" xmlns:xs="http://www.w3.org/2001/XMLSchema" xmlns:p="http://schemas.microsoft.com/office/2006/metadata/properties" targetNamespace="http://schemas.microsoft.com/office/2006/metadata/properties" ma:root="true" ma:fieldsID="ded2a6fdfcb71de048e140027f1bc31d">
     <xsd:element name="properties">
@@ -12206,17 +12414,33 @@
 </ct:contentTypeSchema>
 </file>
 
+<file path=customXml/item2.xml><?xml version="1.0" encoding="utf-8"?>
+<?mso-contentType ?>
+<FormTemplates xmlns="http://schemas.microsoft.com/sharepoint/v3/contenttype/forms">
+  <Display>DocumentLibraryForm</Display>
+  <Edit>DocumentLibraryForm</Edit>
+  <New>DocumentLibraryForm</New>
+</FormTemplates>
+</file>
+
+<file path=customXml/item3.xml><?xml version="1.0" encoding="utf-8"?>
+<p:properties xmlns:p="http://schemas.microsoft.com/office/2006/metadata/properties" xmlns:xsi="http://www.w3.org/2001/XMLSchema-instance" xmlns:pc="http://schemas.microsoft.com/office/infopath/2007/PartnerControls">
+  <documentManagement/>
+</p:properties>
+</file>
+
 <file path=customXml/itemProps1.xml><?xml version="1.0" encoding="utf-8"?>
-<ds:datastoreItem xmlns:ds="http://schemas.openxmlformats.org/officeDocument/2006/customXml" ds:itemID="{04AF6CB7-2A18-4264-AB21-4901BBA09C44}">
+<ds:datastoreItem xmlns:ds="http://schemas.openxmlformats.org/officeDocument/2006/customXml" ds:itemID="{61CD111F-BAB6-4F2E-9651-10398B145E62}">
   <ds:schemaRefs>
-    <ds:schemaRef ds:uri="http://purl.org/dc/dcmitype/"/>
+    <ds:schemaRef ds:uri="http://schemas.microsoft.com/office/2006/metadata/contentType"/>
+    <ds:schemaRef ds:uri="http://schemas.microsoft.com/office/2006/metadata/properties/metaAttributes"/>
+    <ds:schemaRef ds:uri="http://www.w3.org/2001/XMLSchema"/>
+    <ds:schemaRef ds:uri="http://schemas.microsoft.com/office/2006/metadata/properties"/>
+    <ds:schemaRef ds:uri="http://schemas.openxmlformats.org/package/2006/metadata/core-properties"/>
+    <ds:schemaRef ds:uri="http://purl.org/dc/elements/1.1/"/>
+    <ds:schemaRef ds:uri="http://purl.org/dc/terms/"/>
+    <ds:schemaRef ds:uri="http://schemas.microsoft.com/internal/obd"/>
     <ds:schemaRef ds:uri="http://schemas.microsoft.com/office/infopath/2007/PartnerControls"/>
-    <ds:schemaRef ds:uri="http://purl.org/dc/elements/1.1/"/>
-    <ds:schemaRef ds:uri="http://schemas.microsoft.com/office/2006/metadata/properties"/>
-    <ds:schemaRef ds:uri="http://schemas.microsoft.com/office/2006/documentManagement/types"/>
-    <ds:schemaRef ds:uri="http://purl.org/dc/terms/"/>
-    <ds:schemaRef ds:uri="http://schemas.openxmlformats.org/package/2006/metadata/core-properties"/>
-    <ds:schemaRef ds:uri="http://www.w3.org/XML/1998/namespace"/>
   </ds:schemaRefs>
 </ds:datastoreItem>
 </file>
@@ -12230,17 +12454,16 @@
 </file>
 
 <file path=customXml/itemProps3.xml><?xml version="1.0" encoding="utf-8"?>
-<ds:datastoreItem xmlns:ds="http://schemas.openxmlformats.org/officeDocument/2006/customXml" ds:itemID="{61CD111F-BAB6-4F2E-9651-10398B145E62}">
+<ds:datastoreItem xmlns:ds="http://schemas.openxmlformats.org/officeDocument/2006/customXml" ds:itemID="{04AF6CB7-2A18-4264-AB21-4901BBA09C44}">
   <ds:schemaRefs>
-    <ds:schemaRef ds:uri="http://schemas.microsoft.com/office/2006/metadata/contentType"/>
-    <ds:schemaRef ds:uri="http://schemas.microsoft.com/office/2006/metadata/properties/metaAttributes"/>
-    <ds:schemaRef ds:uri="http://www.w3.org/2001/XMLSchema"/>
+    <ds:schemaRef ds:uri="http://purl.org/dc/dcmitype/"/>
+    <ds:schemaRef ds:uri="http://schemas.microsoft.com/office/infopath/2007/PartnerControls"/>
+    <ds:schemaRef ds:uri="http://purl.org/dc/elements/1.1/"/>
     <ds:schemaRef ds:uri="http://schemas.microsoft.com/office/2006/metadata/properties"/>
+    <ds:schemaRef ds:uri="http://schemas.microsoft.com/office/2006/documentManagement/types"/>
+    <ds:schemaRef ds:uri="http://purl.org/dc/terms/"/>
     <ds:schemaRef ds:uri="http://schemas.openxmlformats.org/package/2006/metadata/core-properties"/>
-    <ds:schemaRef ds:uri="http://purl.org/dc/elements/1.1/"/>
-    <ds:schemaRef ds:uri="http://purl.org/dc/terms/"/>
-    <ds:schemaRef ds:uri="http://schemas.microsoft.com/internal/obd"/>
-    <ds:schemaRef ds:uri="http://schemas.microsoft.com/office/infopath/2007/PartnerControls"/>
+    <ds:schemaRef ds:uri="http://www.w3.org/XML/1998/namespace"/>
   </ds:schemaRefs>
 </ds:datastoreItem>
 </file>